--- a/presentazione_tesi.pptx
+++ b/presentazione_tesi.pptx
@@ -31,20 +31,20 @@
     <p:sldId id="259" r:id="rId19"/>
     <p:sldId id="262" r:id="rId20"/>
     <p:sldId id="264" r:id="rId21"/>
-    <p:sldId id="278" r:id="rId22"/>
-    <p:sldId id="286" r:id="rId23"/>
-    <p:sldId id="287" r:id="rId24"/>
-    <p:sldId id="369" r:id="rId25"/>
-    <p:sldId id="288" r:id="rId26"/>
-    <p:sldId id="280" r:id="rId27"/>
-    <p:sldId id="357" r:id="rId28"/>
-    <p:sldId id="272" r:id="rId29"/>
-    <p:sldId id="282" r:id="rId30"/>
-    <p:sldId id="276" r:id="rId31"/>
-    <p:sldId id="283" r:id="rId32"/>
-    <p:sldId id="277" r:id="rId33"/>
-    <p:sldId id="279" r:id="rId34"/>
-    <p:sldId id="294" r:id="rId35"/>
+    <p:sldId id="393" r:id="rId22"/>
+    <p:sldId id="278" r:id="rId23"/>
+    <p:sldId id="286" r:id="rId24"/>
+    <p:sldId id="287" r:id="rId25"/>
+    <p:sldId id="369" r:id="rId26"/>
+    <p:sldId id="288" r:id="rId27"/>
+    <p:sldId id="280" r:id="rId28"/>
+    <p:sldId id="357" r:id="rId29"/>
+    <p:sldId id="272" r:id="rId30"/>
+    <p:sldId id="282" r:id="rId31"/>
+    <p:sldId id="276" r:id="rId32"/>
+    <p:sldId id="283" r:id="rId33"/>
+    <p:sldId id="277" r:id="rId34"/>
+    <p:sldId id="279" r:id="rId35"/>
     <p:sldId id="284" r:id="rId36"/>
     <p:sldId id="285" r:id="rId37"/>
     <p:sldId id="275" r:id="rId38"/>
@@ -325,7 +325,7 @@
           <a:p>
             <a:fld id="{AC2758EC-0515-4B55-AFBE-2BBEC3E97BE4}" type="datetimeFigureOut">
               <a:rPr lang="en-US" smtClean="0"/>
-              <a:t>10/18/2022</a:t>
+              <a:t>10/20/2022</a:t>
             </a:fld>
             <a:endParaRPr lang="en-US"/>
           </a:p>
@@ -502,7 +502,7 @@
           <a:p>
             <a:fld id="{F3276DA8-01EB-48EE-B3BD-74CE77DB67B6}" type="datetimeFigureOut">
               <a:rPr lang="en-US" smtClean="0"/>
-              <a:t>10/18/2022</a:t>
+              <a:t>10/20/2022</a:t>
             </a:fld>
             <a:endParaRPr lang="en-US"/>
           </a:p>
@@ -2257,46 +2257,7 @@
           <a:bodyPr/>
           <a:lstStyle/>
           <a:p>
-            <a:r>
-              <a:rPr lang="en-US" dirty="0"/>
-              <a:t>A </a:t>
-            </a:r>
-            <a:r>
-              <a:rPr lang="en-US" dirty="0" err="1"/>
-              <a:t>ReplicaSet</a:t>
-            </a:r>
-            <a:r>
-              <a:rPr lang="en-US" dirty="0"/>
-              <a:t> is responsible for a group of identical Pods, or replicas. </a:t>
-            </a:r>
-          </a:p>
-          <a:p>
-            <a:r>
-              <a:rPr lang="en-US" dirty="0"/>
-              <a:t>If there are too few (or too many) Pods, compared to the specification, the </a:t>
-            </a:r>
-            <a:r>
-              <a:rPr lang="en-US" dirty="0" err="1"/>
-              <a:t>ReplicaSet</a:t>
-            </a:r>
-            <a:r>
-              <a:rPr lang="en-US" dirty="0"/>
-              <a:t> controller will start (or stop) some Pods to rectify the situation.</a:t>
-            </a:r>
-          </a:p>
-          <a:p>
-            <a:r>
-              <a:rPr lang="en-US" dirty="0"/>
-              <a:t>Deployments, in turn, manage </a:t>
-            </a:r>
-            <a:r>
-              <a:rPr lang="en-US" dirty="0" err="1"/>
-              <a:t>ReplicaSets</a:t>
-            </a:r>
-            <a:r>
-              <a:rPr lang="en-US" dirty="0"/>
-              <a:t>, and control how the replicas behave when you update them</a:t>
-            </a:r>
+            <a:endParaRPr lang="en-US" dirty="0"/>
           </a:p>
         </p:txBody>
       </p:sp>
@@ -2326,7 +2287,7 @@
     </p:spTree>
     <p:extLst>
       <p:ext uri="{BB962C8B-B14F-4D97-AF65-F5344CB8AC3E}">
-        <p14:creationId xmlns:p14="http://schemas.microsoft.com/office/powerpoint/2010/main" val="3102451109"/>
+        <p14:creationId xmlns:p14="http://schemas.microsoft.com/office/powerpoint/2010/main" val="700398604"/>
       </p:ext>
     </p:extLst>
   </p:cSld>
@@ -2382,21 +2343,43 @@
           <a:p>
             <a:r>
               <a:rPr lang="en-US" dirty="0"/>
-              <a:t>Use a </a:t>
+              <a:t>A </a:t>
             </a:r>
             <a:r>
               <a:rPr lang="en-US" dirty="0" err="1"/>
-              <a:t>DaemonSet</a:t>
-            </a:r>
-            <a:r>
-              <a:rPr lang="en-US" dirty="0"/>
-              <a:t> when you need to run one copy of a Pod on each of the nodes in your cluster. </a:t>
-            </a:r>
-          </a:p>
-          <a:p>
-            <a:r>
-              <a:rPr lang="en-US" dirty="0"/>
-              <a:t>If you’re running an application where maintaining a given number of replicas is more important than exactly which node the Pods run on, use a Deployment instead</a:t>
+              <a:t>ReplicaSet</a:t>
+            </a:r>
+            <a:r>
+              <a:rPr lang="en-US" dirty="0"/>
+              <a:t> is responsible for a group of identical Pods, or replicas. </a:t>
+            </a:r>
+          </a:p>
+          <a:p>
+            <a:r>
+              <a:rPr lang="en-US" dirty="0"/>
+              <a:t>If there are too few (or too many) Pods, compared to the specification, the </a:t>
+            </a:r>
+            <a:r>
+              <a:rPr lang="en-US" dirty="0" err="1"/>
+              <a:t>ReplicaSet</a:t>
+            </a:r>
+            <a:r>
+              <a:rPr lang="en-US" dirty="0"/>
+              <a:t> controller will start (or stop) some Pods to rectify the situation.</a:t>
+            </a:r>
+          </a:p>
+          <a:p>
+            <a:r>
+              <a:rPr lang="en-US" dirty="0"/>
+              <a:t>Deployments, in turn, manage </a:t>
+            </a:r>
+            <a:r>
+              <a:rPr lang="en-US" dirty="0" err="1"/>
+              <a:t>ReplicaSets</a:t>
+            </a:r>
+            <a:r>
+              <a:rPr lang="en-US" dirty="0"/>
+              <a:t>, and control how the replicas behave when you update them</a:t>
             </a:r>
           </a:p>
         </p:txBody>
@@ -2427,7 +2410,7 @@
     </p:spTree>
     <p:extLst>
       <p:ext uri="{BB962C8B-B14F-4D97-AF65-F5344CB8AC3E}">
-        <p14:creationId xmlns:p14="http://schemas.microsoft.com/office/powerpoint/2010/main" val="815990475"/>
+        <p14:creationId xmlns:p14="http://schemas.microsoft.com/office/powerpoint/2010/main" val="3102451109"/>
       </p:ext>
     </p:extLst>
   </p:cSld>
@@ -2483,6 +2466,107 @@
           <a:p>
             <a:r>
               <a:rPr lang="en-US" dirty="0"/>
+              <a:t>Use a </a:t>
+            </a:r>
+            <a:r>
+              <a:rPr lang="en-US" dirty="0" err="1"/>
+              <a:t>DaemonSet</a:t>
+            </a:r>
+            <a:r>
+              <a:rPr lang="en-US" dirty="0"/>
+              <a:t> when you need to run one copy of a Pod on each of the nodes in your cluster. </a:t>
+            </a:r>
+          </a:p>
+          <a:p>
+            <a:r>
+              <a:rPr lang="en-US" dirty="0"/>
+              <a:t>If you’re running an application where maintaining a given number of replicas is more important than exactly which node the Pods run on, use a Deployment instead</a:t>
+            </a:r>
+          </a:p>
+        </p:txBody>
+      </p:sp>
+      <p:sp>
+        <p:nvSpPr>
+          <p:cNvPr id="4" name="Slide Number Placeholder 3"/>
+          <p:cNvSpPr>
+            <a:spLocks noGrp="1"/>
+          </p:cNvSpPr>
+          <p:nvPr>
+            <p:ph type="sldNum" sz="quarter" idx="5"/>
+          </p:nvPr>
+        </p:nvSpPr>
+        <p:spPr/>
+        <p:txBody>
+          <a:bodyPr/>
+          <a:lstStyle/>
+          <a:p>
+            <a:fld id="{8DE108EF-A688-4F1B-91BF-26B73F22FE79}" type="slidenum">
+              <a:rPr lang="en-US" smtClean="0"/>
+              <a:t>23</a:t>
+            </a:fld>
+            <a:endParaRPr lang="en-US"/>
+          </a:p>
+        </p:txBody>
+      </p:sp>
+    </p:spTree>
+    <p:extLst>
+      <p:ext uri="{BB962C8B-B14F-4D97-AF65-F5344CB8AC3E}">
+        <p14:creationId xmlns:p14="http://schemas.microsoft.com/office/powerpoint/2010/main" val="815990475"/>
+      </p:ext>
+    </p:extLst>
+  </p:cSld>
+  <p:clrMapOvr>
+    <a:masterClrMapping/>
+  </p:clrMapOvr>
+</p:notes>
+</file>
+
+<file path=ppt/notesSlides/notesSlide24.xml><?xml version="1.0" encoding="utf-8"?>
+<p:notes xmlns:a="http://schemas.openxmlformats.org/drawingml/2006/main" xmlns:r="http://schemas.openxmlformats.org/officeDocument/2006/relationships" xmlns:p="http://schemas.openxmlformats.org/presentationml/2006/main">
+  <p:cSld>
+    <p:spTree>
+      <p:nvGrpSpPr>
+        <p:cNvPr id="1" name=""/>
+        <p:cNvGrpSpPr/>
+        <p:nvPr/>
+      </p:nvGrpSpPr>
+      <p:grpSpPr>
+        <a:xfrm>
+          <a:off x="0" y="0"/>
+          <a:ext cx="0" cy="0"/>
+          <a:chOff x="0" y="0"/>
+          <a:chExt cx="0" cy="0"/>
+        </a:xfrm>
+      </p:grpSpPr>
+      <p:sp>
+        <p:nvSpPr>
+          <p:cNvPr id="2" name="Slide Image Placeholder 1"/>
+          <p:cNvSpPr>
+            <a:spLocks noGrp="1" noRot="1" noChangeAspect="1"/>
+          </p:cNvSpPr>
+          <p:nvPr>
+            <p:ph type="sldImg"/>
+          </p:nvPr>
+        </p:nvSpPr>
+        <p:spPr/>
+      </p:sp>
+      <p:sp>
+        <p:nvSpPr>
+          <p:cNvPr id="3" name="Notes Placeholder 2"/>
+          <p:cNvSpPr>
+            <a:spLocks noGrp="1"/>
+          </p:cNvSpPr>
+          <p:nvPr>
+            <p:ph type="body" idx="1"/>
+          </p:nvPr>
+        </p:nvSpPr>
+        <p:spPr/>
+        <p:txBody>
+          <a:bodyPr/>
+          <a:lstStyle/>
+          <a:p>
+            <a:r>
+              <a:rPr lang="en-US" dirty="0"/>
               <a:t>Are you planning to deploy a database in the Kubernetes cluster? If so, then you’ve come to the right place. </a:t>
             </a:r>
             <a:r>
@@ -2857,7 +2941,7 @@
           <a:p>
             <a:fld id="{8DE108EF-A688-4F1B-91BF-26B73F22FE79}" type="slidenum">
               <a:rPr lang="en-US" smtClean="0"/>
-              <a:t>23</a:t>
+              <a:t>24</a:t>
             </a:fld>
             <a:endParaRPr lang="en-US"/>
           </a:p>
@@ -2906,170 +2990,6 @@
 </p:notes>
 </file>
 
-<file path=ppt/notesSlides/notesSlide24.xml><?xml version="1.0" encoding="utf-8"?>
-<p:notes xmlns:a="http://schemas.openxmlformats.org/drawingml/2006/main" xmlns:r="http://schemas.openxmlformats.org/officeDocument/2006/relationships" xmlns:p="http://schemas.openxmlformats.org/presentationml/2006/main">
-  <p:cSld>
-    <p:spTree>
-      <p:nvGrpSpPr>
-        <p:cNvPr id="1" name=""/>
-        <p:cNvGrpSpPr/>
-        <p:nvPr/>
-      </p:nvGrpSpPr>
-      <p:grpSpPr>
-        <a:xfrm>
-          <a:off x="0" y="0"/>
-          <a:ext cx="0" cy="0"/>
-          <a:chOff x="0" y="0"/>
-          <a:chExt cx="0" cy="0"/>
-        </a:xfrm>
-      </p:grpSpPr>
-      <p:sp>
-        <p:nvSpPr>
-          <p:cNvPr id="2" name="Slide Image Placeholder 1"/>
-          <p:cNvSpPr>
-            <a:spLocks noGrp="1" noRot="1" noChangeAspect="1"/>
-          </p:cNvSpPr>
-          <p:nvPr>
-            <p:ph type="sldImg"/>
-          </p:nvPr>
-        </p:nvSpPr>
-        <p:spPr/>
-      </p:sp>
-      <p:sp>
-        <p:nvSpPr>
-          <p:cNvPr id="3" name="Notes Placeholder 2"/>
-          <p:cNvSpPr>
-            <a:spLocks noGrp="1"/>
-          </p:cNvSpPr>
-          <p:nvPr>
-            <p:ph type="body" idx="1"/>
-          </p:nvPr>
-        </p:nvSpPr>
-        <p:spPr/>
-        <p:txBody>
-          <a:bodyPr/>
-          <a:lstStyle/>
-          <a:p>
-            <a:r>
-              <a:rPr lang="en-US" dirty="0"/>
-              <a:t>For stateful applications with a </a:t>
-            </a:r>
-            <a:r>
-              <a:rPr lang="en-US" dirty="0" err="1"/>
-              <a:t>StatefulSet</a:t>
-            </a:r>
-            <a:r>
-              <a:rPr lang="en-US" dirty="0"/>
-              <a:t> controller, it is possible to set the first Pod as primary and other Pods as replicas—the first Pod will handle both read and write requests from the user, and other Pods always sync with the first Pod for data replication. If the Pod dies, a new Pod is created with the same name.</a:t>
-            </a:r>
-          </a:p>
-          <a:p>
-            <a:r>
-              <a:rPr lang="en-US" dirty="0"/>
-              <a:t>In summary, </a:t>
-            </a:r>
-            <a:r>
-              <a:rPr lang="en-US" dirty="0" err="1"/>
-              <a:t>StatefulSets</a:t>
-            </a:r>
-            <a:r>
-              <a:rPr lang="en-US" dirty="0"/>
-              <a:t> provide the following advantages when compared to Deployment objects:</a:t>
-            </a:r>
-          </a:p>
-          <a:p>
-            <a:pPr>
-              <a:buFont typeface="+mj-lt"/>
-              <a:buAutoNum type="arabicPeriod"/>
-            </a:pPr>
-            <a:r>
-              <a:rPr lang="en-US" dirty="0"/>
-              <a:t>Ordered numbers for each Pod</a:t>
-            </a:r>
-          </a:p>
-          <a:p>
-            <a:pPr>
-              <a:buFont typeface="+mj-lt"/>
-              <a:buAutoNum type="arabicPeriod"/>
-            </a:pPr>
-            <a:r>
-              <a:rPr lang="en-US" dirty="0"/>
-              <a:t>The first Pod can be a primary, which makes it a good choice when creating a replicated database setup, which handles both reading and writing</a:t>
-            </a:r>
-          </a:p>
-          <a:p>
-            <a:pPr>
-              <a:buFont typeface="+mj-lt"/>
-              <a:buAutoNum type="arabicPeriod"/>
-            </a:pPr>
-            <a:r>
-              <a:rPr lang="en-US" dirty="0"/>
-              <a:t>Other Pods act as replicas</a:t>
-            </a:r>
-          </a:p>
-          <a:p>
-            <a:pPr>
-              <a:buFont typeface="+mj-lt"/>
-              <a:buAutoNum type="arabicPeriod"/>
-            </a:pPr>
-            <a:r>
-              <a:rPr lang="en-US" dirty="0"/>
-              <a:t>New Pods will only be created if the previous Pod is in running state and will clone the previous Pod’s data</a:t>
-            </a:r>
-          </a:p>
-          <a:p>
-            <a:pPr>
-              <a:buFont typeface="+mj-lt"/>
-              <a:buAutoNum type="arabicPeriod"/>
-            </a:pPr>
-            <a:r>
-              <a:rPr lang="en-US" dirty="0"/>
-              <a:t>Deletion of Pods occurs in reverse order</a:t>
-            </a:r>
-          </a:p>
-          <a:p>
-            <a:endParaRPr lang="en-US" dirty="0">
-              <a:cs typeface="Calibri"/>
-            </a:endParaRPr>
-          </a:p>
-        </p:txBody>
-      </p:sp>
-      <p:sp>
-        <p:nvSpPr>
-          <p:cNvPr id="4" name="Slide Number Placeholder 3"/>
-          <p:cNvSpPr>
-            <a:spLocks noGrp="1"/>
-          </p:cNvSpPr>
-          <p:nvPr>
-            <p:ph type="sldNum" sz="quarter" idx="5"/>
-          </p:nvPr>
-        </p:nvSpPr>
-        <p:spPr/>
-        <p:txBody>
-          <a:bodyPr/>
-          <a:lstStyle/>
-          <a:p>
-            <a:fld id="{8DE108EF-A688-4F1B-91BF-26B73F22FE79}" type="slidenum">
-              <a:rPr lang="en-US" smtClean="0"/>
-              <a:t>24</a:t>
-            </a:fld>
-            <a:endParaRPr lang="en-US"/>
-          </a:p>
-        </p:txBody>
-      </p:sp>
-    </p:spTree>
-    <p:extLst>
-      <p:ext uri="{BB962C8B-B14F-4D97-AF65-F5344CB8AC3E}">
-        <p14:creationId xmlns:p14="http://schemas.microsoft.com/office/powerpoint/2010/main" val="2967120525"/>
-      </p:ext>
-    </p:extLst>
-  </p:cSld>
-  <p:clrMapOvr>
-    <a:masterClrMapping/>
-  </p:clrMapOvr>
-</p:notes>
-</file>
-
 <file path=ppt/notesSlides/notesSlide25.xml><?xml version="1.0" encoding="utf-8"?>
 <p:notes xmlns:a="http://schemas.openxmlformats.org/drawingml/2006/main" xmlns:r="http://schemas.openxmlformats.org/officeDocument/2006/relationships" xmlns:p="http://schemas.openxmlformats.org/presentationml/2006/main">
   <p:cSld>
@@ -3116,89 +3036,85 @@
           <a:p>
             <a:r>
               <a:rPr lang="en-US" dirty="0"/>
-              <a:t>Another useful type of Pod controller in Kubernetes is the Job. Whereas a Deployment runs a specified number of Pods and restarts them continually, a Job only runs a Pod for a specified number of times. After that, it is considered completed.</a:t>
-            </a:r>
-          </a:p>
-          <a:p>
-            <a:r>
-              <a:rPr lang="en-US" dirty="0"/>
-              <a:t>There are two fields that control Job execution: completions and parallelism. The first, completions, determines the number of times the specified Pod needs to run successfully before the Job is considered complete. The default value is 1, meaning the Pod will run once.</a:t>
-            </a:r>
-          </a:p>
-          <a:p>
-            <a:r>
-              <a:rPr lang="en-US" dirty="0"/>
-              <a:t>The parallelism field specifies how many Pods should run at once. Again, the default value is 1, meaning that only one Pod will run at a time.</a:t>
-            </a:r>
-          </a:p>
-          <a:p>
-            <a:r>
-              <a:rPr lang="en-US" dirty="0"/>
-              <a:t>If it crashes, fails, or exits in any </a:t>
+              <a:t>For stateful applications with a </a:t>
             </a:r>
             <a:r>
               <a:rPr lang="en-US" dirty="0" err="1"/>
-              <a:t>nonsuccessful</a:t>
-            </a:r>
-            <a:r>
-              <a:rPr lang="en-US" dirty="0"/>
-              <a:t> way, the Job will restart it, just like a Deployment does. Only successful exits count toward the required number of completions. </a:t>
-            </a:r>
-          </a:p>
-          <a:p>
-            <a:endParaRPr lang="en-US" dirty="0"/>
-          </a:p>
-          <a:p>
-            <a:r>
-              <a:rPr lang="en-US" dirty="0"/>
-              <a:t>In Unix environments, scheduled jobs are run by the </a:t>
+              <a:t>StatefulSet</a:t>
+            </a:r>
+            <a:r>
+              <a:rPr lang="en-US" dirty="0"/>
+              <a:t> controller, it is possible to set the first Pod as primary and other Pods as replicas—the first Pod will handle both read and write requests from the user, and other Pods always sync with the first Pod for data replication. If the Pod dies, a new Pod is created with the same name.</a:t>
+            </a:r>
+          </a:p>
+          <a:p>
+            <a:r>
+              <a:rPr lang="en-US" dirty="0"/>
+              <a:t>In summary, </a:t>
             </a:r>
             <a:r>
               <a:rPr lang="en-US" dirty="0" err="1"/>
-              <a:t>cron</a:t>
-            </a:r>
-            <a:r>
-              <a:rPr lang="en-US" dirty="0"/>
-              <a:t> daemon.</a:t>
-            </a:r>
-          </a:p>
-          <a:p>
-            <a:r>
-              <a:rPr lang="en-US" dirty="0"/>
-              <a:t>The two important fields to look at in the </a:t>
-            </a:r>
-            <a:r>
-              <a:rPr lang="en-US" dirty="0" err="1"/>
-              <a:t>CronJob</a:t>
-            </a:r>
-            <a:r>
-              <a:rPr lang="en-US" dirty="0"/>
-              <a:t> manifest are </a:t>
-            </a:r>
-            <a:r>
-              <a:rPr lang="en-US" dirty="0" err="1"/>
-              <a:t>spec.schedule</a:t>
-            </a:r>
-            <a:r>
-              <a:rPr lang="en-US" dirty="0"/>
-              <a:t> and </a:t>
-            </a:r>
-            <a:r>
-              <a:rPr lang="en-US" dirty="0" err="1"/>
-              <a:t>spec.jobTemplate</a:t>
-            </a:r>
-            <a:r>
-              <a:rPr lang="en-US" dirty="0"/>
-              <a:t>. The schedule field specifies when the job will run, using the same format as the Unix </a:t>
-            </a:r>
-            <a:r>
-              <a:rPr lang="en-US" dirty="0" err="1"/>
-              <a:t>cron</a:t>
-            </a:r>
-            <a:r>
-              <a:rPr lang="en-US" dirty="0"/>
-              <a:t> utility. </a:t>
-            </a:r>
+              <a:t>StatefulSets</a:t>
+            </a:r>
+            <a:r>
+              <a:rPr lang="en-US" dirty="0"/>
+              <a:t> provide the following advantages when compared to Deployment objects:</a:t>
+            </a:r>
+          </a:p>
+          <a:p>
+            <a:pPr>
+              <a:buFont typeface="+mj-lt"/>
+              <a:buAutoNum type="arabicPeriod"/>
+            </a:pPr>
+            <a:r>
+              <a:rPr lang="en-US" dirty="0"/>
+              <a:t>Ordered numbers for each Pod</a:t>
+            </a:r>
+          </a:p>
+          <a:p>
+            <a:pPr>
+              <a:buFont typeface="+mj-lt"/>
+              <a:buAutoNum type="arabicPeriod"/>
+            </a:pPr>
+            <a:r>
+              <a:rPr lang="en-US" dirty="0"/>
+              <a:t>The first Pod can be a primary, which makes it a good choice when creating a replicated database setup, which handles both reading and writing</a:t>
+            </a:r>
+          </a:p>
+          <a:p>
+            <a:pPr>
+              <a:buFont typeface="+mj-lt"/>
+              <a:buAutoNum type="arabicPeriod"/>
+            </a:pPr>
+            <a:r>
+              <a:rPr lang="en-US" dirty="0"/>
+              <a:t>Other Pods act as replicas</a:t>
+            </a:r>
+          </a:p>
+          <a:p>
+            <a:pPr>
+              <a:buFont typeface="+mj-lt"/>
+              <a:buAutoNum type="arabicPeriod"/>
+            </a:pPr>
+            <a:r>
+              <a:rPr lang="en-US" dirty="0"/>
+              <a:t>New Pods will only be created if the previous Pod is in running state and will clone the previous Pod’s data</a:t>
+            </a:r>
+          </a:p>
+          <a:p>
+            <a:pPr>
+              <a:buFont typeface="+mj-lt"/>
+              <a:buAutoNum type="arabicPeriod"/>
+            </a:pPr>
+            <a:r>
+              <a:rPr lang="en-US" dirty="0"/>
+              <a:t>Deletion of Pods occurs in reverse order</a:t>
+            </a:r>
+          </a:p>
+          <a:p>
+            <a:endParaRPr lang="en-US" dirty="0">
+              <a:cs typeface="Calibri"/>
+            </a:endParaRPr>
           </a:p>
         </p:txBody>
       </p:sp>
@@ -3228,7 +3144,7 @@
     </p:spTree>
     <p:extLst>
       <p:ext uri="{BB962C8B-B14F-4D97-AF65-F5344CB8AC3E}">
-        <p14:creationId xmlns:p14="http://schemas.microsoft.com/office/powerpoint/2010/main" val="3076475503"/>
+        <p14:creationId xmlns:p14="http://schemas.microsoft.com/office/powerpoint/2010/main" val="2967120525"/>
       </p:ext>
     </p:extLst>
   </p:cSld>
@@ -3284,81 +3200,88 @@
           <a:p>
             <a:r>
               <a:rPr lang="en-US" dirty="0"/>
-              <a:t>For example, you might have different namespaces for testing out different versions of an application, or a separate namespace per team. </a:t>
-            </a:r>
-          </a:p>
-          <a:p>
-            <a:r>
-              <a:rPr lang="en-US" dirty="0"/>
-              <a:t>As the term namespace suggests, names in one namespace are not visible from a different namespace. </a:t>
-            </a:r>
-          </a:p>
-          <a:p>
-            <a:r>
-              <a:rPr lang="en-US" dirty="0"/>
-              <a:t>This means that you could have a service called demo in the prod namespace, and a different service called demo in the test namespace, and there won’t be any conflict. </a:t>
-            </a:r>
-          </a:p>
-          <a:p>
-            <a:r>
-              <a:rPr lang="en-US" dirty="0"/>
-              <a:t>If you don’t specify a namespace when running a </a:t>
+              <a:t>Another useful type of Pod controller in Kubernetes is the Job. Whereas a Deployment runs a specified number of Pods and restarts them continually, a Job only runs a Pod for a specified number of times. After that, it is considered completed.</a:t>
+            </a:r>
+          </a:p>
+          <a:p>
+            <a:r>
+              <a:rPr lang="en-US" dirty="0"/>
+              <a:t>There are two fields that control Job execution: completions and parallelism. The first, completions, determines the number of times the specified Pod needs to run successfully before the Job is considered complete. The default value is 1, meaning the Pod will run once.</a:t>
+            </a:r>
+          </a:p>
+          <a:p>
+            <a:r>
+              <a:rPr lang="en-US" dirty="0"/>
+              <a:t>The parallelism field specifies how many Pods should run at once. Again, the default value is 1, meaning that only one Pod will run at a time.</a:t>
+            </a:r>
+          </a:p>
+          <a:p>
+            <a:r>
+              <a:rPr lang="en-US" dirty="0"/>
+              <a:t>If it crashes, fails, or exits in any </a:t>
             </a:r>
             <a:r>
               <a:rPr lang="en-US" dirty="0" err="1"/>
-              <a:t>kubectl</a:t>
-            </a:r>
-            <a:r>
-              <a:rPr lang="en-US" dirty="0"/>
-              <a:t> command, such as </a:t>
+              <a:t>nonsuccessful</a:t>
+            </a:r>
+            <a:r>
+              <a:rPr lang="en-US" dirty="0"/>
+              <a:t> way, the Job will restart it, just like a Deployment does. Only successful exits count toward the required number of completions. </a:t>
+            </a:r>
+          </a:p>
+          <a:p>
+            <a:endParaRPr lang="en-US" dirty="0"/>
+          </a:p>
+          <a:p>
+            <a:r>
+              <a:rPr lang="en-US" dirty="0"/>
+              <a:t>In Unix environments, scheduled jobs are run by the </a:t>
             </a:r>
             <a:r>
               <a:rPr lang="en-US" dirty="0" err="1"/>
-              <a:t>kubectl</a:t>
-            </a:r>
-            <a:r>
-              <a:rPr lang="en-US" dirty="0"/>
-              <a:t> run, your command will operate on the default namespace.</a:t>
-            </a:r>
-          </a:p>
-          <a:p>
-            <a:r>
-              <a:rPr lang="en-US" dirty="0"/>
-              <a:t>If you’re wondering what the </a:t>
+              <a:t>cron</a:t>
+            </a:r>
+            <a:r>
+              <a:rPr lang="en-US" dirty="0"/>
+              <a:t> daemon.</a:t>
+            </a:r>
+          </a:p>
+          <a:p>
+            <a:r>
+              <a:rPr lang="en-US" dirty="0"/>
+              <a:t>The two important fields to look at in the </a:t>
             </a:r>
             <a:r>
               <a:rPr lang="en-US" dirty="0" err="1"/>
-              <a:t>kube</a:t>
-            </a:r>
-            <a:r>
-              <a:rPr lang="en-US" dirty="0"/>
-              <a:t>-system namespace is, that’s where the Kubernetes internal system components run so that they’re segregated from your own applications. </a:t>
-            </a:r>
-          </a:p>
-          <a:p>
-            <a:r>
-              <a:rPr lang="en-US" dirty="0"/>
-              <a:t>If, instead, you specify a namespace with the --namespace flag (or -n for short), your command will use that namespace. </a:t>
-            </a:r>
-          </a:p>
-          <a:p>
-            <a:r>
-              <a:rPr lang="en-US" dirty="0"/>
-              <a:t>For example, to get a list of Pods in the prod namespace, run: </a:t>
+              <a:t>CronJob</a:t>
+            </a:r>
+            <a:r>
+              <a:rPr lang="en-US" dirty="0"/>
+              <a:t> manifest are </a:t>
             </a:r>
             <a:r>
               <a:rPr lang="en-US" dirty="0" err="1"/>
-              <a:t>kubectl</a:t>
-            </a:r>
-            <a:r>
-              <a:rPr lang="en-US" dirty="0"/>
-              <a:t> get pods --namespace prod</a:t>
-            </a:r>
-          </a:p>
-          <a:p>
-            <a:r>
-              <a:rPr lang="en-US" b="1" dirty="0"/>
-              <a:t>namespaces are logically isolated from one another, they can still communicate with Services in other namespaces.</a:t>
+              <a:t>spec.schedule</a:t>
+            </a:r>
+            <a:r>
+              <a:rPr lang="en-US" dirty="0"/>
+              <a:t> and </a:t>
+            </a:r>
+            <a:r>
+              <a:rPr lang="en-US" dirty="0" err="1"/>
+              <a:t>spec.jobTemplate</a:t>
+            </a:r>
+            <a:r>
+              <a:rPr lang="en-US" dirty="0"/>
+              <a:t>. The schedule field specifies when the job will run, using the same format as the Unix </a:t>
+            </a:r>
+            <a:r>
+              <a:rPr lang="en-US" dirty="0" err="1"/>
+              <a:t>cron</a:t>
+            </a:r>
+            <a:r>
+              <a:rPr lang="en-US" dirty="0"/>
+              <a:t> utility. </a:t>
             </a:r>
           </a:p>
         </p:txBody>
@@ -3389,7 +3312,7 @@
     </p:spTree>
     <p:extLst>
       <p:ext uri="{BB962C8B-B14F-4D97-AF65-F5344CB8AC3E}">
-        <p14:creationId xmlns:p14="http://schemas.microsoft.com/office/powerpoint/2010/main" val="2457576411"/>
+        <p14:creationId xmlns:p14="http://schemas.microsoft.com/office/powerpoint/2010/main" val="3076475503"/>
       </p:ext>
     </p:extLst>
   </p:cSld>
@@ -3444,618 +3367,83 @@
           <a:lstStyle/>
           <a:p>
             <a:r>
+              <a:rPr lang="en-US" dirty="0"/>
+              <a:t>For example, you might have different namespaces for testing out different versions of an application, or a separate namespace per team. </a:t>
+            </a:r>
+          </a:p>
+          <a:p>
+            <a:r>
+              <a:rPr lang="en-US" dirty="0"/>
+              <a:t>As the term namespace suggests, names in one namespace are not visible from a different namespace. </a:t>
+            </a:r>
+          </a:p>
+          <a:p>
+            <a:r>
+              <a:rPr lang="en-US" dirty="0"/>
+              <a:t>This means that you could have a service called demo in the prod namespace, and a different service called demo in the test namespace, and there won’t be any conflict. </a:t>
+            </a:r>
+          </a:p>
+          <a:p>
+            <a:r>
+              <a:rPr lang="en-US" dirty="0"/>
+              <a:t>If you don’t specify a namespace when running a </a:t>
+            </a:r>
+            <a:r>
               <a:rPr lang="en-US" dirty="0" err="1"/>
-              <a:t>ou</a:t>
-            </a:r>
-            <a:r>
-              <a:rPr lang="en-US" dirty="0"/>
-              <a:t> can constrain a </a:t>
-            </a:r>
-            <a:r>
-              <a:rPr lang="en-US" dirty="0">
-                <a:hlinkClick r:id="rId3"/>
-              </a:rPr>
-              <a:t>Pod</a:t>
-            </a:r>
-            <a:r>
-              <a:rPr lang="en-US" dirty="0"/>
-              <a:t> so that it is </a:t>
-            </a:r>
-            <a:r>
-              <a:rPr lang="en-US" i="1" dirty="0"/>
-              <a:t>restricted</a:t>
-            </a:r>
-            <a:r>
-              <a:rPr lang="en-US" dirty="0"/>
-              <a:t> to run on particular </a:t>
-            </a:r>
-            <a:r>
-              <a:rPr lang="en-US" dirty="0">
-                <a:hlinkClick r:id="rId4"/>
-              </a:rPr>
-              <a:t>node(s)</a:t>
-            </a:r>
-            <a:r>
-              <a:rPr lang="en-US" dirty="0"/>
-              <a:t>, or to </a:t>
-            </a:r>
-            <a:r>
-              <a:rPr lang="en-US" i="1" dirty="0"/>
-              <a:t>prefer</a:t>
-            </a:r>
-            <a:r>
-              <a:rPr lang="en-US" dirty="0"/>
-              <a:t> to run on particular nodes. There are several ways to do this and the recommended approaches all use </a:t>
-            </a:r>
-            <a:r>
-              <a:rPr lang="en-US" dirty="0">
-                <a:hlinkClick r:id="rId5"/>
-              </a:rPr>
-              <a:t>label selectors</a:t>
-            </a:r>
-            <a:r>
-              <a:rPr lang="en-US" dirty="0"/>
-              <a:t> to facilitate the selection. Often, you do not need to set any such constraints; the </a:t>
-            </a:r>
-            <a:r>
-              <a:rPr lang="en-US" dirty="0">
-                <a:hlinkClick r:id="rId6"/>
-              </a:rPr>
-              <a:t>scheduler</a:t>
-            </a:r>
-            <a:r>
-              <a:rPr lang="en-US" dirty="0"/>
-              <a:t> will automatically do a reasonable placement (for example, spreading your Pods across nodes so as not place Pods on a node with insufficient free resources). However, there are some circumstances where you may want to control which node the Pod deploys to, for example, to ensure that a Pod ends up on a node with an SSD attached to it, or to co-locate Pods from two different services that communicate a lot into the same availability zone.</a:t>
-            </a:r>
-          </a:p>
-          <a:p>
-            <a:r>
-              <a:rPr lang="en-US" dirty="0"/>
-              <a:t>You can use any of the following methods to choose where Kubernetes schedules specific Pods:</a:t>
-            </a:r>
-          </a:p>
-          <a:p>
-            <a:pPr>
-              <a:buFont typeface="Arial" panose="020B0604020202020204" pitchFamily="34" charset="0"/>
-              <a:buChar char="•"/>
-            </a:pPr>
-            <a:r>
-              <a:rPr lang="en-US" dirty="0" err="1">
-                <a:hlinkClick r:id="rId7"/>
-              </a:rPr>
-              <a:t>nodeSelector</a:t>
-            </a:r>
-            <a:r>
-              <a:rPr lang="en-US" dirty="0"/>
-              <a:t> field matching against </a:t>
-            </a:r>
-            <a:r>
-              <a:rPr lang="en-US" dirty="0">
-                <a:hlinkClick r:id="rId8"/>
-              </a:rPr>
-              <a:t>node labels</a:t>
-            </a:r>
-            <a:endParaRPr lang="en-US" dirty="0"/>
-          </a:p>
-          <a:p>
-            <a:pPr>
-              <a:buFont typeface="Arial" panose="020B0604020202020204" pitchFamily="34" charset="0"/>
-              <a:buChar char="•"/>
-            </a:pPr>
-            <a:r>
-              <a:rPr lang="en-US" dirty="0">
-                <a:hlinkClick r:id="rId9"/>
-              </a:rPr>
-              <a:t>Affinity and anti-affinity</a:t>
-            </a:r>
-            <a:endParaRPr lang="en-US" dirty="0"/>
-          </a:p>
-          <a:p>
-            <a:pPr>
-              <a:buFont typeface="Arial" panose="020B0604020202020204" pitchFamily="34" charset="0"/>
-              <a:buChar char="•"/>
-            </a:pPr>
-            <a:r>
-              <a:rPr lang="en-US" dirty="0" err="1">
-                <a:hlinkClick r:id="rId10"/>
-              </a:rPr>
-              <a:t>nodeName</a:t>
-            </a:r>
-            <a:r>
-              <a:rPr lang="en-US" dirty="0"/>
-              <a:t> field</a:t>
-            </a:r>
-          </a:p>
-          <a:p>
-            <a:pPr>
-              <a:buFont typeface="Arial" panose="020B0604020202020204" pitchFamily="34" charset="0"/>
-              <a:buChar char="•"/>
-            </a:pPr>
-            <a:r>
-              <a:rPr lang="en-US" dirty="0">
-                <a:hlinkClick r:id="rId11"/>
-              </a:rPr>
-              <a:t>Pod topology spread constraints</a:t>
-            </a:r>
-            <a:endParaRPr lang="en-US" dirty="0"/>
-          </a:p>
-          <a:p>
-            <a:endParaRPr lang="en-US" dirty="0"/>
-          </a:p>
-          <a:p>
-            <a:r>
-              <a:rPr lang="en-US" b="1" dirty="0" err="1"/>
-              <a:t>nodeSelector</a:t>
-            </a:r>
-            <a:endParaRPr lang="en-US" b="1" dirty="0"/>
-          </a:p>
-          <a:p>
+              <a:t>kubectl</a:t>
+            </a:r>
+            <a:r>
+              <a:rPr lang="en-US" dirty="0"/>
+              <a:t> command, such as </a:t>
+            </a:r>
             <a:r>
               <a:rPr lang="en-US" dirty="0" err="1"/>
-              <a:t>nodeSelector</a:t>
-            </a:r>
-            <a:r>
-              <a:rPr lang="en-US" dirty="0"/>
-              <a:t> is the simplest recommended form of node selection constraint. You can add the </a:t>
+              <a:t>kubectl</a:t>
+            </a:r>
+            <a:r>
+              <a:rPr lang="en-US" dirty="0"/>
+              <a:t> run, your command will operate on the default namespace.</a:t>
+            </a:r>
+          </a:p>
+          <a:p>
+            <a:r>
+              <a:rPr lang="en-US" dirty="0"/>
+              <a:t>If you’re wondering what the </a:t>
             </a:r>
             <a:r>
               <a:rPr lang="en-US" dirty="0" err="1"/>
-              <a:t>nodeSelector</a:t>
-            </a:r>
-            <a:r>
-              <a:rPr lang="en-US" dirty="0"/>
-              <a:t> field to your Pod specification and specify the </a:t>
-            </a:r>
-            <a:r>
-              <a:rPr lang="en-US" dirty="0">
-                <a:hlinkClick r:id="rId8"/>
-              </a:rPr>
-              <a:t>node labels</a:t>
-            </a:r>
-            <a:r>
-              <a:rPr lang="en-US" dirty="0"/>
-              <a:t> you want the target node to have. Kubernetes only schedules the Pod onto nodes that have each of the labels you specify.</a:t>
+              <a:t>kube</a:t>
+            </a:r>
+            <a:r>
+              <a:rPr lang="en-US" dirty="0"/>
+              <a:t>-system namespace is, that’s where the Kubernetes internal system components run so that they’re segregated from your own applications. </a:t>
+            </a:r>
+          </a:p>
+          <a:p>
+            <a:r>
+              <a:rPr lang="en-US" dirty="0"/>
+              <a:t>If, instead, you specify a namespace with the --namespace flag (or -n for short), your command will use that namespace. </a:t>
+            </a:r>
+          </a:p>
+          <a:p>
+            <a:r>
+              <a:rPr lang="en-US" dirty="0"/>
+              <a:t>For example, to get a list of Pods in the prod namespace, run: </a:t>
+            </a:r>
+            <a:r>
+              <a:rPr lang="en-US" dirty="0" err="1"/>
+              <a:t>kubectl</a:t>
+            </a:r>
+            <a:r>
+              <a:rPr lang="en-US" dirty="0"/>
+              <a:t> get pods --namespace prod</a:t>
             </a:r>
           </a:p>
           <a:p>
             <a:r>
               <a:rPr lang="en-US" b="1" dirty="0"/>
-              <a:t>Affinity and anti-affinity</a:t>
-            </a:r>
-          </a:p>
-          <a:p>
-            <a:r>
-              <a:rPr lang="en-US" dirty="0" err="1"/>
-              <a:t>nodeSelector</a:t>
-            </a:r>
-            <a:r>
-              <a:rPr lang="en-US" dirty="0"/>
-              <a:t> is the simplest way to constrain Pods to nodes with specific labels. Affinity and anti-affinity expands the types of constraints you can define. Some of the benefits of affinity and anti-affinity include:</a:t>
-            </a:r>
-          </a:p>
-          <a:p>
-            <a:pPr>
-              <a:buFont typeface="Arial" panose="020B0604020202020204" pitchFamily="34" charset="0"/>
-              <a:buChar char="•"/>
-            </a:pPr>
-            <a:r>
-              <a:rPr lang="en-US" dirty="0"/>
-              <a:t>The affinity/anti-affinity language is more expressive. </a:t>
-            </a:r>
-            <a:r>
-              <a:rPr lang="en-US" dirty="0" err="1"/>
-              <a:t>nodeSelector</a:t>
-            </a:r>
-            <a:r>
-              <a:rPr lang="en-US" dirty="0"/>
-              <a:t> only selects nodes with all the specified labels. Affinity/anti-affinity gives you more control over the selection logic.</a:t>
-            </a:r>
-          </a:p>
-          <a:p>
-            <a:pPr>
-              <a:buFont typeface="Arial" panose="020B0604020202020204" pitchFamily="34" charset="0"/>
-              <a:buChar char="•"/>
-            </a:pPr>
-            <a:r>
-              <a:rPr lang="en-US" dirty="0"/>
-              <a:t>You can indicate that a rule is </a:t>
-            </a:r>
-            <a:r>
-              <a:rPr lang="en-US" i="1" dirty="0"/>
-              <a:t>soft</a:t>
-            </a:r>
-            <a:r>
-              <a:rPr lang="en-US" dirty="0"/>
-              <a:t> or </a:t>
-            </a:r>
-            <a:r>
-              <a:rPr lang="en-US" i="1" dirty="0"/>
-              <a:t>preferred</a:t>
-            </a:r>
-            <a:r>
-              <a:rPr lang="en-US" dirty="0"/>
-              <a:t>, so that the scheduler still schedules the Pod even if it can't find a matching node.</a:t>
-            </a:r>
-          </a:p>
-          <a:p>
-            <a:pPr>
-              <a:buFont typeface="Arial" panose="020B0604020202020204" pitchFamily="34" charset="0"/>
-              <a:buChar char="•"/>
-            </a:pPr>
-            <a:r>
-              <a:rPr lang="en-US" dirty="0"/>
-              <a:t>You can constrain a Pod using labels on other Pods running on the node (or other topological domain), instead of just node labels, which allows you to define rules for which Pods can be co-located on a node.</a:t>
-            </a:r>
-          </a:p>
-          <a:p>
-            <a:r>
-              <a:rPr lang="en-US" dirty="0"/>
-              <a:t>The affinity feature consists of two types of affinity:</a:t>
-            </a:r>
-          </a:p>
-          <a:p>
-            <a:pPr>
-              <a:buFont typeface="Arial" panose="020B0604020202020204" pitchFamily="34" charset="0"/>
-              <a:buChar char="•"/>
-            </a:pPr>
-            <a:r>
-              <a:rPr lang="en-US" i="1" dirty="0"/>
-              <a:t>Node affinity</a:t>
-            </a:r>
-            <a:r>
-              <a:rPr lang="en-US" dirty="0"/>
-              <a:t> functions like the </a:t>
-            </a:r>
-            <a:r>
-              <a:rPr lang="en-US" dirty="0" err="1"/>
-              <a:t>nodeSelector</a:t>
-            </a:r>
-            <a:r>
-              <a:rPr lang="en-US" dirty="0"/>
-              <a:t> field but is more expressive and allows you to specify soft rules.</a:t>
-            </a:r>
-          </a:p>
-          <a:p>
-            <a:pPr>
-              <a:buFont typeface="Arial" panose="020B0604020202020204" pitchFamily="34" charset="0"/>
-              <a:buChar char="•"/>
-            </a:pPr>
-            <a:r>
-              <a:rPr lang="en-US" i="1" dirty="0"/>
-              <a:t>Inter-pod affinity/anti-affinity</a:t>
-            </a:r>
-            <a:r>
-              <a:rPr lang="en-US" dirty="0"/>
-              <a:t> allows you to constrain Pods against labels on other Pods.</a:t>
-            </a:r>
-          </a:p>
-          <a:p>
-            <a:pPr lvl="1"/>
-            <a:r>
-              <a:rPr lang="en-US" b="1" dirty="0"/>
-              <a:t>Node affinity</a:t>
-            </a:r>
-          </a:p>
-          <a:p>
-            <a:pPr lvl="2"/>
-            <a:r>
-              <a:rPr lang="en-US" dirty="0"/>
-              <a:t>Node affinity is conceptually similar to </a:t>
-            </a:r>
-            <a:r>
-              <a:rPr lang="en-US" dirty="0" err="1"/>
-              <a:t>nodeSelector</a:t>
-            </a:r>
-            <a:r>
-              <a:rPr lang="en-US" dirty="0"/>
-              <a:t>, allowing you to constrain which nodes your Pod can be scheduled on based on node labels. There are two types of node affinity:</a:t>
-            </a:r>
-          </a:p>
-          <a:p>
-            <a:pPr lvl="2">
-              <a:buFont typeface="Arial" panose="020B0604020202020204" pitchFamily="34" charset="0"/>
-              <a:buChar char="•"/>
-            </a:pPr>
-            <a:r>
-              <a:rPr lang="en-US" dirty="0" err="1"/>
-              <a:t>requiredDuringSchedulingIgnoredDuringExecution</a:t>
-            </a:r>
-            <a:r>
-              <a:rPr lang="en-US" dirty="0"/>
-              <a:t>: The scheduler can't schedule the Pod unless the rule is met. This functions like </a:t>
-            </a:r>
-            <a:r>
-              <a:rPr lang="en-US" dirty="0" err="1"/>
-              <a:t>nodeSelector</a:t>
-            </a:r>
-            <a:r>
-              <a:rPr lang="en-US" dirty="0"/>
-              <a:t>, but with a more expressive syntax.</a:t>
-            </a:r>
-          </a:p>
-          <a:p>
-            <a:pPr lvl="2">
-              <a:buFont typeface="Arial" panose="020B0604020202020204" pitchFamily="34" charset="0"/>
-              <a:buChar char="•"/>
-            </a:pPr>
-            <a:r>
-              <a:rPr lang="en-US" dirty="0" err="1"/>
-              <a:t>preferredDuringSchedulingIgnoredDuringExecution</a:t>
-            </a:r>
-            <a:r>
-              <a:rPr lang="en-US" dirty="0"/>
-              <a:t>: The scheduler tries to find a node that meets the rule. If a matching node is not available, the scheduler still schedules the Pod.</a:t>
-            </a:r>
-          </a:p>
-          <a:p>
-            <a:pPr lvl="1"/>
-            <a:r>
-              <a:rPr lang="en-US" b="1" dirty="0"/>
-              <a:t>Node affinity weight</a:t>
-            </a:r>
-          </a:p>
-          <a:p>
-            <a:pPr lvl="2"/>
-            <a:r>
-              <a:rPr lang="en-US" dirty="0"/>
-              <a:t>You can specify a weight between 1 and 100 for each instance of the </a:t>
-            </a:r>
-            <a:r>
-              <a:rPr lang="en-US" dirty="0" err="1"/>
-              <a:t>preferredDuringSchedulingIgnoredDuringExecution</a:t>
-            </a:r>
-            <a:r>
-              <a:rPr lang="en-US" dirty="0"/>
-              <a:t> affinity type. When the scheduler finds nodes that meet all the other scheduling requirements of the Pod, the scheduler iterates through every preferred rule that the node satisfies and adds the value of the weight for that expression to a sum.</a:t>
-            </a:r>
-          </a:p>
-          <a:p>
-            <a:pPr lvl="2"/>
-            <a:r>
-              <a:rPr lang="en-US" dirty="0"/>
-              <a:t>The final sum is added to the score of other priority functions for the node. Nodes with the highest total score are prioritized when the scheduler makes a scheduling decision for the Pod.</a:t>
-            </a:r>
-          </a:p>
-          <a:p>
-            <a:pPr lvl="1"/>
-            <a:r>
-              <a:rPr lang="en-US" b="1" dirty="0"/>
-              <a:t>Inter-pod affinity and anti-affinity</a:t>
-            </a:r>
-          </a:p>
-          <a:p>
-            <a:pPr lvl="2"/>
-            <a:r>
-              <a:rPr lang="en-US" dirty="0"/>
-              <a:t>Inter-pod affinity and anti-affinity allow you to constrain which nodes your Pods can be scheduled on based on the labels of </a:t>
-            </a:r>
-            <a:r>
-              <a:rPr lang="en-US" b="1" dirty="0"/>
-              <a:t>Pods</a:t>
-            </a:r>
-            <a:r>
-              <a:rPr lang="en-US" dirty="0"/>
-              <a:t> already running on that node, instead of the node labels.</a:t>
-            </a:r>
-          </a:p>
-          <a:p>
-            <a:pPr lvl="2"/>
-            <a:r>
-              <a:rPr lang="en-US" dirty="0"/>
-              <a:t>Inter-pod affinity and anti-affinity rules take the form "this Pod should (or, in the case of anti-affinity, should not) run in an X if that X is already running one or more Pods that meet rule Y", where X is a topology domain like node, rack, cloud provider zone or region, or similar and Y is the rule Kubernetes tries to satisfy.</a:t>
-            </a:r>
-          </a:p>
-          <a:p>
-            <a:pPr lvl="2"/>
-            <a:r>
-              <a:rPr lang="en-US" dirty="0"/>
-              <a:t>You express these rules (Y) as </a:t>
-            </a:r>
-            <a:r>
-              <a:rPr lang="en-US" dirty="0">
-                <a:hlinkClick r:id="rId12"/>
-              </a:rPr>
-              <a:t>label selectors</a:t>
-            </a:r>
-            <a:r>
-              <a:rPr lang="en-US" dirty="0"/>
-              <a:t> with an optional associated list of namespaces. Pods are </a:t>
-            </a:r>
-            <a:r>
-              <a:rPr lang="en-US" dirty="0" err="1"/>
-              <a:t>namespaced</a:t>
-            </a:r>
-            <a:r>
-              <a:rPr lang="en-US" dirty="0"/>
-              <a:t> objects in Kubernetes, so Pod labels also implicitly have namespaces. Any label selectors for Pod labels should specify the namespaces in which Kubernetes should look for those labels.</a:t>
-            </a:r>
-          </a:p>
-          <a:p>
-            <a:pPr lvl="2"/>
-            <a:r>
-              <a:rPr lang="en-US" dirty="0"/>
-              <a:t>You express the topology domain (X) using a </a:t>
-            </a:r>
-            <a:r>
-              <a:rPr lang="en-US" dirty="0" err="1"/>
-              <a:t>topologyKey</a:t>
-            </a:r>
-            <a:r>
-              <a:rPr lang="en-US" dirty="0"/>
-              <a:t>, which is the key for the node label that the system uses to denote the domain. For examples, see </a:t>
-            </a:r>
-            <a:r>
-              <a:rPr lang="en-US" dirty="0">
-                <a:hlinkClick r:id="rId13"/>
-              </a:rPr>
-              <a:t>Well-Known Labels, Annotations and Taints</a:t>
-            </a:r>
-            <a:r>
-              <a:rPr lang="en-US" dirty="0"/>
-              <a:t>.</a:t>
-            </a:r>
-          </a:p>
-          <a:p>
-            <a:r>
-              <a:rPr lang="en-US" b="1" dirty="0" err="1"/>
-              <a:t>nodeName</a:t>
-            </a:r>
-            <a:endParaRPr lang="en-US" b="1" dirty="0"/>
-          </a:p>
-          <a:p>
-            <a:r>
-              <a:rPr lang="en-US" dirty="0" err="1"/>
-              <a:t>nodeName</a:t>
-            </a:r>
-            <a:r>
-              <a:rPr lang="en-US" dirty="0"/>
-              <a:t> is a more direct form of node selection than affinity or </a:t>
-            </a:r>
-            <a:r>
-              <a:rPr lang="en-US" dirty="0" err="1"/>
-              <a:t>nodeSelector</a:t>
-            </a:r>
-            <a:r>
-              <a:rPr lang="en-US" dirty="0"/>
-              <a:t>. </a:t>
-            </a:r>
-            <a:r>
-              <a:rPr lang="en-US" dirty="0" err="1"/>
-              <a:t>nodeName</a:t>
-            </a:r>
-            <a:r>
-              <a:rPr lang="en-US" dirty="0"/>
-              <a:t> is a field in the Pod spec. If the </a:t>
-            </a:r>
-            <a:r>
-              <a:rPr lang="en-US" dirty="0" err="1"/>
-              <a:t>nodeName</a:t>
-            </a:r>
-            <a:r>
-              <a:rPr lang="en-US" dirty="0"/>
-              <a:t> field is not empty, the scheduler ignores the Pod and the </a:t>
-            </a:r>
-            <a:r>
-              <a:rPr lang="en-US" dirty="0" err="1"/>
-              <a:t>kubelet</a:t>
-            </a:r>
-            <a:r>
-              <a:rPr lang="en-US" dirty="0"/>
-              <a:t> on the named node tries to place the Pod on that node. Using </a:t>
-            </a:r>
-            <a:r>
-              <a:rPr lang="en-US" dirty="0" err="1"/>
-              <a:t>nodeName</a:t>
-            </a:r>
-            <a:r>
-              <a:rPr lang="en-US" dirty="0"/>
-              <a:t> overrules using </a:t>
-            </a:r>
-            <a:r>
-              <a:rPr lang="en-US" dirty="0" err="1"/>
-              <a:t>nodeSelector</a:t>
-            </a:r>
-            <a:r>
-              <a:rPr lang="en-US" dirty="0"/>
-              <a:t> or affinity and anti-affinity rules.</a:t>
-            </a:r>
-          </a:p>
-          <a:p>
-            <a:r>
-              <a:rPr lang="en-US" dirty="0"/>
-              <a:t>Some of the limitations of using </a:t>
-            </a:r>
-            <a:r>
-              <a:rPr lang="en-US" dirty="0" err="1"/>
-              <a:t>nodeName</a:t>
-            </a:r>
-            <a:r>
-              <a:rPr lang="en-US" dirty="0"/>
-              <a:t> to select nodes are:</a:t>
-            </a:r>
-          </a:p>
-          <a:p>
-            <a:pPr>
-              <a:buFont typeface="Arial" panose="020B0604020202020204" pitchFamily="34" charset="0"/>
-              <a:buChar char="•"/>
-            </a:pPr>
-            <a:r>
-              <a:rPr lang="en-US" dirty="0"/>
-              <a:t>If the named node does not exist, the Pod will not run, and in some cases may be automatically deleted.</a:t>
-            </a:r>
-          </a:p>
-          <a:p>
-            <a:pPr>
-              <a:buFont typeface="Arial" panose="020B0604020202020204" pitchFamily="34" charset="0"/>
-              <a:buChar char="•"/>
-            </a:pPr>
-            <a:r>
-              <a:rPr lang="en-US" dirty="0"/>
-              <a:t>If the named node does not have the resources to accommodate the Pod, the Pod will fail and its reason will indicate why, for example </a:t>
-            </a:r>
-            <a:r>
-              <a:rPr lang="en-US" dirty="0" err="1"/>
-              <a:t>OutOfmemory</a:t>
-            </a:r>
-            <a:r>
-              <a:rPr lang="en-US" dirty="0"/>
-              <a:t> or </a:t>
-            </a:r>
-            <a:r>
-              <a:rPr lang="en-US" dirty="0" err="1"/>
-              <a:t>OutOfcpu</a:t>
-            </a:r>
-            <a:r>
-              <a:rPr lang="en-US" dirty="0"/>
-              <a:t>.</a:t>
-            </a:r>
-          </a:p>
-          <a:p>
-            <a:pPr>
-              <a:buFont typeface="Arial" panose="020B0604020202020204" pitchFamily="34" charset="0"/>
-              <a:buChar char="•"/>
-            </a:pPr>
-            <a:r>
-              <a:rPr lang="en-US" dirty="0"/>
-              <a:t>Node names in cloud environments are not always predictable or stable.</a:t>
-            </a:r>
-          </a:p>
-          <a:p>
-            <a:r>
-              <a:rPr lang="en-US" b="1" dirty="0"/>
-              <a:t>Pod topology spread constraints</a:t>
-            </a:r>
-          </a:p>
-          <a:p>
-            <a:r>
-              <a:rPr lang="en-US" dirty="0"/>
-              <a:t>You can use </a:t>
-            </a:r>
-            <a:r>
-              <a:rPr lang="en-US" i="1" dirty="0"/>
-              <a:t>topology spread constraints</a:t>
-            </a:r>
-            <a:r>
-              <a:rPr lang="en-US" dirty="0"/>
-              <a:t> to control how </a:t>
-            </a:r>
-            <a:r>
-              <a:rPr lang="en-US" dirty="0">
-                <a:hlinkClick r:id="rId3"/>
-              </a:rPr>
-              <a:t>Pods</a:t>
-            </a:r>
-            <a:r>
-              <a:rPr lang="en-US" dirty="0"/>
-              <a:t> are spread across your cluster among failure-domains such as regions, zones, nodes, or among any other topology domains that you define. You might do this to improve performance, expected availability, or overall utilization.</a:t>
-            </a:r>
-          </a:p>
-          <a:p>
-            <a:pPr lvl="4"/>
-            <a:endParaRPr lang="en-US" dirty="0"/>
-          </a:p>
-          <a:p>
-            <a:endParaRPr lang="en-US" dirty="0"/>
+              <a:t>namespaces are logically isolated from one another, they can still communicate with Services in other namespaces.</a:t>
+            </a:r>
           </a:p>
         </p:txBody>
       </p:sp>
@@ -4085,7 +3473,7 @@
     </p:spTree>
     <p:extLst>
       <p:ext uri="{BB962C8B-B14F-4D97-AF65-F5344CB8AC3E}">
-        <p14:creationId xmlns:p14="http://schemas.microsoft.com/office/powerpoint/2010/main" val="3128113552"/>
+        <p14:creationId xmlns:p14="http://schemas.microsoft.com/office/powerpoint/2010/main" val="2457576411"/>
       </p:ext>
     </p:extLst>
   </p:cSld>
@@ -4139,7 +3527,619 @@
           <a:bodyPr/>
           <a:lstStyle/>
           <a:p>
-            <a:endParaRPr lang="en-US"/>
+            <a:r>
+              <a:rPr lang="en-US" dirty="0" err="1"/>
+              <a:t>ou</a:t>
+            </a:r>
+            <a:r>
+              <a:rPr lang="en-US" dirty="0"/>
+              <a:t> can constrain a </a:t>
+            </a:r>
+            <a:r>
+              <a:rPr lang="en-US" dirty="0">
+                <a:hlinkClick r:id="rId3"/>
+              </a:rPr>
+              <a:t>Pod</a:t>
+            </a:r>
+            <a:r>
+              <a:rPr lang="en-US" dirty="0"/>
+              <a:t> so that it is </a:t>
+            </a:r>
+            <a:r>
+              <a:rPr lang="en-US" i="1" dirty="0"/>
+              <a:t>restricted</a:t>
+            </a:r>
+            <a:r>
+              <a:rPr lang="en-US" dirty="0"/>
+              <a:t> to run on particular </a:t>
+            </a:r>
+            <a:r>
+              <a:rPr lang="en-US" dirty="0">
+                <a:hlinkClick r:id="rId4"/>
+              </a:rPr>
+              <a:t>node(s)</a:t>
+            </a:r>
+            <a:r>
+              <a:rPr lang="en-US" dirty="0"/>
+              <a:t>, or to </a:t>
+            </a:r>
+            <a:r>
+              <a:rPr lang="en-US" i="1" dirty="0"/>
+              <a:t>prefer</a:t>
+            </a:r>
+            <a:r>
+              <a:rPr lang="en-US" dirty="0"/>
+              <a:t> to run on particular nodes. There are several ways to do this and the recommended approaches all use </a:t>
+            </a:r>
+            <a:r>
+              <a:rPr lang="en-US" dirty="0">
+                <a:hlinkClick r:id="rId5"/>
+              </a:rPr>
+              <a:t>label selectors</a:t>
+            </a:r>
+            <a:r>
+              <a:rPr lang="en-US" dirty="0"/>
+              <a:t> to facilitate the selection. Often, you do not need to set any such constraints; the </a:t>
+            </a:r>
+            <a:r>
+              <a:rPr lang="en-US" dirty="0">
+                <a:hlinkClick r:id="rId6"/>
+              </a:rPr>
+              <a:t>scheduler</a:t>
+            </a:r>
+            <a:r>
+              <a:rPr lang="en-US" dirty="0"/>
+              <a:t> will automatically do a reasonable placement (for example, spreading your Pods across nodes so as not place Pods on a node with insufficient free resources). However, there are some circumstances where you may want to control which node the Pod deploys to, for example, to ensure that a Pod ends up on a node with an SSD attached to it, or to co-locate Pods from two different services that communicate a lot into the same availability zone.</a:t>
+            </a:r>
+          </a:p>
+          <a:p>
+            <a:r>
+              <a:rPr lang="en-US" dirty="0"/>
+              <a:t>You can use any of the following methods to choose where Kubernetes schedules specific Pods:</a:t>
+            </a:r>
+          </a:p>
+          <a:p>
+            <a:pPr>
+              <a:buFont typeface="Arial" panose="020B0604020202020204" pitchFamily="34" charset="0"/>
+              <a:buChar char="•"/>
+            </a:pPr>
+            <a:r>
+              <a:rPr lang="en-US" dirty="0" err="1">
+                <a:hlinkClick r:id="rId7"/>
+              </a:rPr>
+              <a:t>nodeSelector</a:t>
+            </a:r>
+            <a:r>
+              <a:rPr lang="en-US" dirty="0"/>
+              <a:t> field matching against </a:t>
+            </a:r>
+            <a:r>
+              <a:rPr lang="en-US" dirty="0">
+                <a:hlinkClick r:id="rId8"/>
+              </a:rPr>
+              <a:t>node labels</a:t>
+            </a:r>
+            <a:endParaRPr lang="en-US" dirty="0"/>
+          </a:p>
+          <a:p>
+            <a:pPr>
+              <a:buFont typeface="Arial" panose="020B0604020202020204" pitchFamily="34" charset="0"/>
+              <a:buChar char="•"/>
+            </a:pPr>
+            <a:r>
+              <a:rPr lang="en-US" dirty="0">
+                <a:hlinkClick r:id="rId9"/>
+              </a:rPr>
+              <a:t>Affinity and anti-affinity</a:t>
+            </a:r>
+            <a:endParaRPr lang="en-US" dirty="0"/>
+          </a:p>
+          <a:p>
+            <a:pPr>
+              <a:buFont typeface="Arial" panose="020B0604020202020204" pitchFamily="34" charset="0"/>
+              <a:buChar char="•"/>
+            </a:pPr>
+            <a:r>
+              <a:rPr lang="en-US" dirty="0" err="1">
+                <a:hlinkClick r:id="rId10"/>
+              </a:rPr>
+              <a:t>nodeName</a:t>
+            </a:r>
+            <a:r>
+              <a:rPr lang="en-US" dirty="0"/>
+              <a:t> field</a:t>
+            </a:r>
+          </a:p>
+          <a:p>
+            <a:pPr>
+              <a:buFont typeface="Arial" panose="020B0604020202020204" pitchFamily="34" charset="0"/>
+              <a:buChar char="•"/>
+            </a:pPr>
+            <a:r>
+              <a:rPr lang="en-US" dirty="0">
+                <a:hlinkClick r:id="rId11"/>
+              </a:rPr>
+              <a:t>Pod topology spread constraints</a:t>
+            </a:r>
+            <a:endParaRPr lang="en-US" dirty="0"/>
+          </a:p>
+          <a:p>
+            <a:endParaRPr lang="en-US" dirty="0"/>
+          </a:p>
+          <a:p>
+            <a:r>
+              <a:rPr lang="en-US" b="1" dirty="0" err="1"/>
+              <a:t>nodeSelector</a:t>
+            </a:r>
+            <a:endParaRPr lang="en-US" b="1" dirty="0"/>
+          </a:p>
+          <a:p>
+            <a:r>
+              <a:rPr lang="en-US" dirty="0" err="1"/>
+              <a:t>nodeSelector</a:t>
+            </a:r>
+            <a:r>
+              <a:rPr lang="en-US" dirty="0"/>
+              <a:t> is the simplest recommended form of node selection constraint. You can add the </a:t>
+            </a:r>
+            <a:r>
+              <a:rPr lang="en-US" dirty="0" err="1"/>
+              <a:t>nodeSelector</a:t>
+            </a:r>
+            <a:r>
+              <a:rPr lang="en-US" dirty="0"/>
+              <a:t> field to your Pod specification and specify the </a:t>
+            </a:r>
+            <a:r>
+              <a:rPr lang="en-US" dirty="0">
+                <a:hlinkClick r:id="rId8"/>
+              </a:rPr>
+              <a:t>node labels</a:t>
+            </a:r>
+            <a:r>
+              <a:rPr lang="en-US" dirty="0"/>
+              <a:t> you want the target node to have. Kubernetes only schedules the Pod onto nodes that have each of the labels you specify.</a:t>
+            </a:r>
+          </a:p>
+          <a:p>
+            <a:r>
+              <a:rPr lang="en-US" b="1" dirty="0"/>
+              <a:t>Affinity and anti-affinity</a:t>
+            </a:r>
+          </a:p>
+          <a:p>
+            <a:r>
+              <a:rPr lang="en-US" dirty="0" err="1"/>
+              <a:t>nodeSelector</a:t>
+            </a:r>
+            <a:r>
+              <a:rPr lang="en-US" dirty="0"/>
+              <a:t> is the simplest way to constrain Pods to nodes with specific labels. Affinity and anti-affinity expands the types of constraints you can define. Some of the benefits of affinity and anti-affinity include:</a:t>
+            </a:r>
+          </a:p>
+          <a:p>
+            <a:pPr>
+              <a:buFont typeface="Arial" panose="020B0604020202020204" pitchFamily="34" charset="0"/>
+              <a:buChar char="•"/>
+            </a:pPr>
+            <a:r>
+              <a:rPr lang="en-US" dirty="0"/>
+              <a:t>The affinity/anti-affinity language is more expressive. </a:t>
+            </a:r>
+            <a:r>
+              <a:rPr lang="en-US" dirty="0" err="1"/>
+              <a:t>nodeSelector</a:t>
+            </a:r>
+            <a:r>
+              <a:rPr lang="en-US" dirty="0"/>
+              <a:t> only selects nodes with all the specified labels. Affinity/anti-affinity gives you more control over the selection logic.</a:t>
+            </a:r>
+          </a:p>
+          <a:p>
+            <a:pPr>
+              <a:buFont typeface="Arial" panose="020B0604020202020204" pitchFamily="34" charset="0"/>
+              <a:buChar char="•"/>
+            </a:pPr>
+            <a:r>
+              <a:rPr lang="en-US" dirty="0"/>
+              <a:t>You can indicate that a rule is </a:t>
+            </a:r>
+            <a:r>
+              <a:rPr lang="en-US" i="1" dirty="0"/>
+              <a:t>soft</a:t>
+            </a:r>
+            <a:r>
+              <a:rPr lang="en-US" dirty="0"/>
+              <a:t> or </a:t>
+            </a:r>
+            <a:r>
+              <a:rPr lang="en-US" i="1" dirty="0"/>
+              <a:t>preferred</a:t>
+            </a:r>
+            <a:r>
+              <a:rPr lang="en-US" dirty="0"/>
+              <a:t>, so that the scheduler still schedules the Pod even if it can't find a matching node.</a:t>
+            </a:r>
+          </a:p>
+          <a:p>
+            <a:pPr>
+              <a:buFont typeface="Arial" panose="020B0604020202020204" pitchFamily="34" charset="0"/>
+              <a:buChar char="•"/>
+            </a:pPr>
+            <a:r>
+              <a:rPr lang="en-US" dirty="0"/>
+              <a:t>You can constrain a Pod using labels on other Pods running on the node (or other topological domain), instead of just node labels, which allows you to define rules for which Pods can be co-located on a node.</a:t>
+            </a:r>
+          </a:p>
+          <a:p>
+            <a:r>
+              <a:rPr lang="en-US" dirty="0"/>
+              <a:t>The affinity feature consists of two types of affinity:</a:t>
+            </a:r>
+          </a:p>
+          <a:p>
+            <a:pPr>
+              <a:buFont typeface="Arial" panose="020B0604020202020204" pitchFamily="34" charset="0"/>
+              <a:buChar char="•"/>
+            </a:pPr>
+            <a:r>
+              <a:rPr lang="en-US" i="1" dirty="0"/>
+              <a:t>Node affinity</a:t>
+            </a:r>
+            <a:r>
+              <a:rPr lang="en-US" dirty="0"/>
+              <a:t> functions like the </a:t>
+            </a:r>
+            <a:r>
+              <a:rPr lang="en-US" dirty="0" err="1"/>
+              <a:t>nodeSelector</a:t>
+            </a:r>
+            <a:r>
+              <a:rPr lang="en-US" dirty="0"/>
+              <a:t> field but is more expressive and allows you to specify soft rules.</a:t>
+            </a:r>
+          </a:p>
+          <a:p>
+            <a:pPr>
+              <a:buFont typeface="Arial" panose="020B0604020202020204" pitchFamily="34" charset="0"/>
+              <a:buChar char="•"/>
+            </a:pPr>
+            <a:r>
+              <a:rPr lang="en-US" i="1" dirty="0"/>
+              <a:t>Inter-pod affinity/anti-affinity</a:t>
+            </a:r>
+            <a:r>
+              <a:rPr lang="en-US" dirty="0"/>
+              <a:t> allows you to constrain Pods against labels on other Pods.</a:t>
+            </a:r>
+          </a:p>
+          <a:p>
+            <a:pPr lvl="1"/>
+            <a:r>
+              <a:rPr lang="en-US" b="1" dirty="0"/>
+              <a:t>Node affinity</a:t>
+            </a:r>
+          </a:p>
+          <a:p>
+            <a:pPr lvl="2"/>
+            <a:r>
+              <a:rPr lang="en-US" dirty="0"/>
+              <a:t>Node affinity is conceptually similar to </a:t>
+            </a:r>
+            <a:r>
+              <a:rPr lang="en-US" dirty="0" err="1"/>
+              <a:t>nodeSelector</a:t>
+            </a:r>
+            <a:r>
+              <a:rPr lang="en-US" dirty="0"/>
+              <a:t>, allowing you to constrain which nodes your Pod can be scheduled on based on node labels. There are two types of node affinity:</a:t>
+            </a:r>
+          </a:p>
+          <a:p>
+            <a:pPr lvl="2">
+              <a:buFont typeface="Arial" panose="020B0604020202020204" pitchFamily="34" charset="0"/>
+              <a:buChar char="•"/>
+            </a:pPr>
+            <a:r>
+              <a:rPr lang="en-US" dirty="0" err="1"/>
+              <a:t>requiredDuringSchedulingIgnoredDuringExecution</a:t>
+            </a:r>
+            <a:r>
+              <a:rPr lang="en-US" dirty="0"/>
+              <a:t>: The scheduler can't schedule the Pod unless the rule is met. This functions like </a:t>
+            </a:r>
+            <a:r>
+              <a:rPr lang="en-US" dirty="0" err="1"/>
+              <a:t>nodeSelector</a:t>
+            </a:r>
+            <a:r>
+              <a:rPr lang="en-US" dirty="0"/>
+              <a:t>, but with a more expressive syntax.</a:t>
+            </a:r>
+          </a:p>
+          <a:p>
+            <a:pPr lvl="2">
+              <a:buFont typeface="Arial" panose="020B0604020202020204" pitchFamily="34" charset="0"/>
+              <a:buChar char="•"/>
+            </a:pPr>
+            <a:r>
+              <a:rPr lang="en-US" dirty="0" err="1"/>
+              <a:t>preferredDuringSchedulingIgnoredDuringExecution</a:t>
+            </a:r>
+            <a:r>
+              <a:rPr lang="en-US" dirty="0"/>
+              <a:t>: The scheduler tries to find a node that meets the rule. If a matching node is not available, the scheduler still schedules the Pod.</a:t>
+            </a:r>
+          </a:p>
+          <a:p>
+            <a:pPr lvl="1"/>
+            <a:r>
+              <a:rPr lang="en-US" b="1" dirty="0"/>
+              <a:t>Node affinity weight</a:t>
+            </a:r>
+          </a:p>
+          <a:p>
+            <a:pPr lvl="2"/>
+            <a:r>
+              <a:rPr lang="en-US" dirty="0"/>
+              <a:t>You can specify a weight between 1 and 100 for each instance of the </a:t>
+            </a:r>
+            <a:r>
+              <a:rPr lang="en-US" dirty="0" err="1"/>
+              <a:t>preferredDuringSchedulingIgnoredDuringExecution</a:t>
+            </a:r>
+            <a:r>
+              <a:rPr lang="en-US" dirty="0"/>
+              <a:t> affinity type. When the scheduler finds nodes that meet all the other scheduling requirements of the Pod, the scheduler iterates through every preferred rule that the node satisfies and adds the value of the weight for that expression to a sum.</a:t>
+            </a:r>
+          </a:p>
+          <a:p>
+            <a:pPr lvl="2"/>
+            <a:r>
+              <a:rPr lang="en-US" dirty="0"/>
+              <a:t>The final sum is added to the score of other priority functions for the node. Nodes with the highest total score are prioritized when the scheduler makes a scheduling decision for the Pod.</a:t>
+            </a:r>
+          </a:p>
+          <a:p>
+            <a:pPr lvl="1"/>
+            <a:r>
+              <a:rPr lang="en-US" b="1" dirty="0"/>
+              <a:t>Inter-pod affinity and anti-affinity</a:t>
+            </a:r>
+          </a:p>
+          <a:p>
+            <a:pPr lvl="2"/>
+            <a:r>
+              <a:rPr lang="en-US" dirty="0"/>
+              <a:t>Inter-pod affinity and anti-affinity allow you to constrain which nodes your Pods can be scheduled on based on the labels of </a:t>
+            </a:r>
+            <a:r>
+              <a:rPr lang="en-US" b="1" dirty="0"/>
+              <a:t>Pods</a:t>
+            </a:r>
+            <a:r>
+              <a:rPr lang="en-US" dirty="0"/>
+              <a:t> already running on that node, instead of the node labels.</a:t>
+            </a:r>
+          </a:p>
+          <a:p>
+            <a:pPr lvl="2"/>
+            <a:r>
+              <a:rPr lang="en-US" dirty="0"/>
+              <a:t>Inter-pod affinity and anti-affinity rules take the form "this Pod should (or, in the case of anti-affinity, should not) run in an X if that X is already running one or more Pods that meet rule Y", where X is a topology domain like node, rack, cloud provider zone or region, or similar and Y is the rule Kubernetes tries to satisfy.</a:t>
+            </a:r>
+          </a:p>
+          <a:p>
+            <a:pPr lvl="2"/>
+            <a:r>
+              <a:rPr lang="en-US" dirty="0"/>
+              <a:t>You express these rules (Y) as </a:t>
+            </a:r>
+            <a:r>
+              <a:rPr lang="en-US" dirty="0">
+                <a:hlinkClick r:id="rId12"/>
+              </a:rPr>
+              <a:t>label selectors</a:t>
+            </a:r>
+            <a:r>
+              <a:rPr lang="en-US" dirty="0"/>
+              <a:t> with an optional associated list of namespaces. Pods are </a:t>
+            </a:r>
+            <a:r>
+              <a:rPr lang="en-US" dirty="0" err="1"/>
+              <a:t>namespaced</a:t>
+            </a:r>
+            <a:r>
+              <a:rPr lang="en-US" dirty="0"/>
+              <a:t> objects in Kubernetes, so Pod labels also implicitly have namespaces. Any label selectors for Pod labels should specify the namespaces in which Kubernetes should look for those labels.</a:t>
+            </a:r>
+          </a:p>
+          <a:p>
+            <a:pPr lvl="2"/>
+            <a:r>
+              <a:rPr lang="en-US" dirty="0"/>
+              <a:t>You express the topology domain (X) using a </a:t>
+            </a:r>
+            <a:r>
+              <a:rPr lang="en-US" dirty="0" err="1"/>
+              <a:t>topologyKey</a:t>
+            </a:r>
+            <a:r>
+              <a:rPr lang="en-US" dirty="0"/>
+              <a:t>, which is the key for the node label that the system uses to denote the domain. For examples, see </a:t>
+            </a:r>
+            <a:r>
+              <a:rPr lang="en-US" dirty="0">
+                <a:hlinkClick r:id="rId13"/>
+              </a:rPr>
+              <a:t>Well-Known Labels, Annotations and Taints</a:t>
+            </a:r>
+            <a:r>
+              <a:rPr lang="en-US" dirty="0"/>
+              <a:t>.</a:t>
+            </a:r>
+          </a:p>
+          <a:p>
+            <a:r>
+              <a:rPr lang="en-US" b="1" dirty="0" err="1"/>
+              <a:t>nodeName</a:t>
+            </a:r>
+            <a:endParaRPr lang="en-US" b="1" dirty="0"/>
+          </a:p>
+          <a:p>
+            <a:r>
+              <a:rPr lang="en-US" dirty="0" err="1"/>
+              <a:t>nodeName</a:t>
+            </a:r>
+            <a:r>
+              <a:rPr lang="en-US" dirty="0"/>
+              <a:t> is a more direct form of node selection than affinity or </a:t>
+            </a:r>
+            <a:r>
+              <a:rPr lang="en-US" dirty="0" err="1"/>
+              <a:t>nodeSelector</a:t>
+            </a:r>
+            <a:r>
+              <a:rPr lang="en-US" dirty="0"/>
+              <a:t>. </a:t>
+            </a:r>
+            <a:r>
+              <a:rPr lang="en-US" dirty="0" err="1"/>
+              <a:t>nodeName</a:t>
+            </a:r>
+            <a:r>
+              <a:rPr lang="en-US" dirty="0"/>
+              <a:t> is a field in the Pod spec. If the </a:t>
+            </a:r>
+            <a:r>
+              <a:rPr lang="en-US" dirty="0" err="1"/>
+              <a:t>nodeName</a:t>
+            </a:r>
+            <a:r>
+              <a:rPr lang="en-US" dirty="0"/>
+              <a:t> field is not empty, the scheduler ignores the Pod and the </a:t>
+            </a:r>
+            <a:r>
+              <a:rPr lang="en-US" dirty="0" err="1"/>
+              <a:t>kubelet</a:t>
+            </a:r>
+            <a:r>
+              <a:rPr lang="en-US" dirty="0"/>
+              <a:t> on the named node tries to place the Pod on that node. Using </a:t>
+            </a:r>
+            <a:r>
+              <a:rPr lang="en-US" dirty="0" err="1"/>
+              <a:t>nodeName</a:t>
+            </a:r>
+            <a:r>
+              <a:rPr lang="en-US" dirty="0"/>
+              <a:t> overrules using </a:t>
+            </a:r>
+            <a:r>
+              <a:rPr lang="en-US" dirty="0" err="1"/>
+              <a:t>nodeSelector</a:t>
+            </a:r>
+            <a:r>
+              <a:rPr lang="en-US" dirty="0"/>
+              <a:t> or affinity and anti-affinity rules.</a:t>
+            </a:r>
+          </a:p>
+          <a:p>
+            <a:r>
+              <a:rPr lang="en-US" dirty="0"/>
+              <a:t>Some of the limitations of using </a:t>
+            </a:r>
+            <a:r>
+              <a:rPr lang="en-US" dirty="0" err="1"/>
+              <a:t>nodeName</a:t>
+            </a:r>
+            <a:r>
+              <a:rPr lang="en-US" dirty="0"/>
+              <a:t> to select nodes are:</a:t>
+            </a:r>
+          </a:p>
+          <a:p>
+            <a:pPr>
+              <a:buFont typeface="Arial" panose="020B0604020202020204" pitchFamily="34" charset="0"/>
+              <a:buChar char="•"/>
+            </a:pPr>
+            <a:r>
+              <a:rPr lang="en-US" dirty="0"/>
+              <a:t>If the named node does not exist, the Pod will not run, and in some cases may be automatically deleted.</a:t>
+            </a:r>
+          </a:p>
+          <a:p>
+            <a:pPr>
+              <a:buFont typeface="Arial" panose="020B0604020202020204" pitchFamily="34" charset="0"/>
+              <a:buChar char="•"/>
+            </a:pPr>
+            <a:r>
+              <a:rPr lang="en-US" dirty="0"/>
+              <a:t>If the named node does not have the resources to accommodate the Pod, the Pod will fail and its reason will indicate why, for example </a:t>
+            </a:r>
+            <a:r>
+              <a:rPr lang="en-US" dirty="0" err="1"/>
+              <a:t>OutOfmemory</a:t>
+            </a:r>
+            <a:r>
+              <a:rPr lang="en-US" dirty="0"/>
+              <a:t> or </a:t>
+            </a:r>
+            <a:r>
+              <a:rPr lang="en-US" dirty="0" err="1"/>
+              <a:t>OutOfcpu</a:t>
+            </a:r>
+            <a:r>
+              <a:rPr lang="en-US" dirty="0"/>
+              <a:t>.</a:t>
+            </a:r>
+          </a:p>
+          <a:p>
+            <a:pPr>
+              <a:buFont typeface="Arial" panose="020B0604020202020204" pitchFamily="34" charset="0"/>
+              <a:buChar char="•"/>
+            </a:pPr>
+            <a:r>
+              <a:rPr lang="en-US" dirty="0"/>
+              <a:t>Node names in cloud environments are not always predictable or stable.</a:t>
+            </a:r>
+          </a:p>
+          <a:p>
+            <a:r>
+              <a:rPr lang="en-US" b="1" dirty="0"/>
+              <a:t>Pod topology spread constraints</a:t>
+            </a:r>
+          </a:p>
+          <a:p>
+            <a:r>
+              <a:rPr lang="en-US" dirty="0"/>
+              <a:t>You can use </a:t>
+            </a:r>
+            <a:r>
+              <a:rPr lang="en-US" i="1" dirty="0"/>
+              <a:t>topology spread constraints</a:t>
+            </a:r>
+            <a:r>
+              <a:rPr lang="en-US" dirty="0"/>
+              <a:t> to control how </a:t>
+            </a:r>
+            <a:r>
+              <a:rPr lang="en-US" dirty="0">
+                <a:hlinkClick r:id="rId3"/>
+              </a:rPr>
+              <a:t>Pods</a:t>
+            </a:r>
+            <a:r>
+              <a:rPr lang="en-US" dirty="0"/>
+              <a:t> are spread across your cluster among failure-domains such as regions, zones, nodes, or among any other topology domains that you define. You might do this to improve performance, expected availability, or overall utilization.</a:t>
+            </a:r>
+          </a:p>
+          <a:p>
+            <a:pPr lvl="4"/>
+            <a:endParaRPr lang="en-US" dirty="0"/>
+          </a:p>
+          <a:p>
+            <a:endParaRPr lang="en-US" dirty="0"/>
           </a:p>
         </p:txBody>
       </p:sp>
@@ -4169,7 +4169,7 @@
     </p:spTree>
     <p:extLst>
       <p:ext uri="{BB962C8B-B14F-4D97-AF65-F5344CB8AC3E}">
-        <p14:creationId xmlns:p14="http://schemas.microsoft.com/office/powerpoint/2010/main" val="2099149823"/>
+        <p14:creationId xmlns:p14="http://schemas.microsoft.com/office/powerpoint/2010/main" val="3128113552"/>
       </p:ext>
     </p:extLst>
   </p:cSld>
@@ -4253,7 +4253,7 @@
     </p:spTree>
     <p:extLst>
       <p:ext uri="{BB962C8B-B14F-4D97-AF65-F5344CB8AC3E}">
-        <p14:creationId xmlns:p14="http://schemas.microsoft.com/office/powerpoint/2010/main" val="446927794"/>
+        <p14:creationId xmlns:p14="http://schemas.microsoft.com/office/powerpoint/2010/main" val="2099149823"/>
       </p:ext>
     </p:extLst>
   </p:cSld>
@@ -6652,22 +6652,7 @@
           <a:bodyPr/>
           <a:lstStyle/>
           <a:p>
-            <a:r>
-              <a:rPr lang="en-US" dirty="0"/>
-              <a:t>Intra-pod: All containers within a pod share a network namespace and see each other on localhost.</a:t>
-            </a:r>
-          </a:p>
-          <a:p>
-            <a:r>
-              <a:rPr lang="en-US" dirty="0"/>
-              <a:t>Inter-pod networking Two types of east–west traffic are supported: pods can directly communicate with other pods or, preferably, pods can leverage services to communicate with other pods.</a:t>
-            </a:r>
-          </a:p>
-          <a:p>
-            <a:r>
-              <a:rPr lang="en-US" dirty="0"/>
-              <a:t>Ingress and egress Ingress refers to routing traffic from external users or apps to pods, and egress refers to calling external APIs from pods.</a:t>
-            </a:r>
+            <a:endParaRPr lang="en-US"/>
           </a:p>
         </p:txBody>
       </p:sp>
@@ -6697,7 +6682,7 @@
     </p:spTree>
     <p:extLst>
       <p:ext uri="{BB962C8B-B14F-4D97-AF65-F5344CB8AC3E}">
-        <p14:creationId xmlns:p14="http://schemas.microsoft.com/office/powerpoint/2010/main" val="864107586"/>
+        <p14:creationId xmlns:p14="http://schemas.microsoft.com/office/powerpoint/2010/main" val="446927794"/>
       </p:ext>
     </p:extLst>
   </p:cSld>
@@ -6753,54 +6738,19 @@
           <a:p>
             <a:r>
               <a:rPr lang="en-US" dirty="0"/>
-              <a:t>Kubernetes requires each pod to have an IP in a flat networking name‐ space with full connectivity to other nodes and pods across the network. This IP-per-pod model yields a backward-compatible way for you to treat a pod almost identically to a VM or a physical host, in the context of naming, service discovery, or port allocations. The model allows for a smoother transition from non–cloud native apps and environments.</a:t>
-            </a:r>
-          </a:p>
-          <a:p>
-            <a:r>
-              <a:rPr lang="en-US" dirty="0"/>
-              <a:t>In Kubernetes, each pod has a routable IP, allowing pods to communicate across cluster nodes without NAT and no need to manage port allocations. </a:t>
-            </a:r>
-          </a:p>
-          <a:p>
-            <a:r>
-              <a:rPr lang="en-US" dirty="0"/>
-              <a:t>Because every pod gets a real (that is, not machine-local) IP address, pods can communicate without proxies or translations (such as NAT). The pod can use well-known ports and can avoid the use of higher-level service discovery mechanisms.</a:t>
-            </a:r>
-          </a:p>
-          <a:p>
-            <a:r>
-              <a:rPr lang="en-US" dirty="0"/>
-              <a:t>We distinguish between two types of inter-pod communication, sometimes also called East-West traffic:</a:t>
-            </a:r>
-          </a:p>
-          <a:p>
-            <a:r>
-              <a:rPr lang="en-US" dirty="0"/>
-              <a:t> • Pods can directly communicate with other pods; in this case the caller pod needs to find out the IP address of the callee and risks repeating this operation since pods come and go (cattle </a:t>
-            </a:r>
-            <a:r>
-              <a:rPr lang="en-US" dirty="0" err="1"/>
-              <a:t>behaviour</a:t>
-            </a:r>
-            <a:r>
-              <a:rPr lang="en-US" dirty="0"/>
-              <a:t>).</a:t>
-            </a:r>
-          </a:p>
-          <a:p>
-            <a:r>
-              <a:rPr lang="en-US" dirty="0"/>
-              <a:t> • Preferably, pods use services to communicate with other pods. In this case, the service provides a stable (virtual) IP address that can be discovered, for example, via DNS.</a:t>
-            </a:r>
-          </a:p>
-          <a:p>
-            <a:endParaRPr lang="en-US" dirty="0"/>
-          </a:p>
-          <a:p>
-            <a:r>
-              <a:rPr lang="en-US" dirty="0"/>
-              <a:t>While in the case of Ingress we’re interested in routing traffic from outside the cluster to a service, in the case of Egress we are dealing with the opposite: how does an app in a pod call out to (cluster-)external APIs? One may want to control which pods are allowed to have a communication path to outside services and on top of that impose other policies. Note that by default all containers in a pod can perform Egress. These policies can be enforced using network policies</a:t>
+              <a:t>Intra-pod: All containers within a pod share a network namespace and see each other on localhost.</a:t>
+            </a:r>
+          </a:p>
+          <a:p>
+            <a:r>
+              <a:rPr lang="en-US" dirty="0"/>
+              <a:t>Inter-pod networking Two types of east–west traffic are supported: pods can directly communicate with other pods or, preferably, pods can leverage services to communicate with other pods.</a:t>
+            </a:r>
+          </a:p>
+          <a:p>
+            <a:r>
+              <a:rPr lang="en-US" dirty="0"/>
+              <a:t>Ingress and egress Ingress refers to routing traffic from external users or apps to pods, and egress refers to calling external APIs from pods.</a:t>
             </a:r>
           </a:p>
         </p:txBody>
@@ -6831,7 +6781,7 @@
     </p:spTree>
     <p:extLst>
       <p:ext uri="{BB962C8B-B14F-4D97-AF65-F5344CB8AC3E}">
-        <p14:creationId xmlns:p14="http://schemas.microsoft.com/office/powerpoint/2010/main" val="2702506998"/>
+        <p14:creationId xmlns:p14="http://schemas.microsoft.com/office/powerpoint/2010/main" val="864107586"/>
       </p:ext>
     </p:extLst>
   </p:cSld>
@@ -6887,31 +6837,54 @@
           <a:p>
             <a:r>
               <a:rPr lang="en-US" dirty="0"/>
-              <a:t>Suppose you want to make a network connection to a Pod (such as our example application). </a:t>
-            </a:r>
-          </a:p>
-          <a:p>
-            <a:r>
-              <a:rPr lang="en-US" dirty="0"/>
-              <a:t>How do you do that? You could find out the Pod’s IP address and connect directly to that address and the app’s port number. </a:t>
-            </a:r>
-          </a:p>
-          <a:p>
-            <a:r>
-              <a:rPr lang="en-US" dirty="0"/>
-              <a:t>But the IP address may change when the Pod is restarted, so you’ll have to keep looking it up to make sure it’s up-to-date. </a:t>
-            </a:r>
-          </a:p>
-          <a:p>
-            <a:r>
-              <a:rPr lang="en-US" dirty="0"/>
-              <a:t>Worse, there may be multiple replicas of the Pod, each with different addresses. </a:t>
-            </a:r>
-          </a:p>
-          <a:p>
-            <a:r>
-              <a:rPr lang="en-US" dirty="0"/>
-              <a:t>Every other application that needs to contact the Pod would have to maintain a list of those addresses, which doesn’t sound like a great idea.</a:t>
+              <a:t>Kubernetes requires each pod to have an IP in a flat networking name‐ space with full connectivity to other nodes and pods across the network. This IP-per-pod model yields a backward-compatible way for you to treat a pod almost identically to a VM or a physical host, in the context of naming, service discovery, or port allocations. The model allows for a smoother transition from non–cloud native apps and environments.</a:t>
+            </a:r>
+          </a:p>
+          <a:p>
+            <a:r>
+              <a:rPr lang="en-US" dirty="0"/>
+              <a:t>In Kubernetes, each pod has a routable IP, allowing pods to communicate across cluster nodes without NAT and no need to manage port allocations. </a:t>
+            </a:r>
+          </a:p>
+          <a:p>
+            <a:r>
+              <a:rPr lang="en-US" dirty="0"/>
+              <a:t>Because every pod gets a real (that is, not machine-local) IP address, pods can communicate without proxies or translations (such as NAT). The pod can use well-known ports and can avoid the use of higher-level service discovery mechanisms.</a:t>
+            </a:r>
+          </a:p>
+          <a:p>
+            <a:r>
+              <a:rPr lang="en-US" dirty="0"/>
+              <a:t>We distinguish between two types of inter-pod communication, sometimes also called East-West traffic:</a:t>
+            </a:r>
+          </a:p>
+          <a:p>
+            <a:r>
+              <a:rPr lang="en-US" dirty="0"/>
+              <a:t> • Pods can directly communicate with other pods; in this case the caller pod needs to find out the IP address of the callee and risks repeating this operation since pods come and go (cattle </a:t>
+            </a:r>
+            <a:r>
+              <a:rPr lang="en-US" dirty="0" err="1"/>
+              <a:t>behaviour</a:t>
+            </a:r>
+            <a:r>
+              <a:rPr lang="en-US" dirty="0"/>
+              <a:t>).</a:t>
+            </a:r>
+          </a:p>
+          <a:p>
+            <a:r>
+              <a:rPr lang="en-US" dirty="0"/>
+              <a:t> • Preferably, pods use services to communicate with other pods. In this case, the service provides a stable (virtual) IP address that can be discovered, for example, via DNS.</a:t>
+            </a:r>
+          </a:p>
+          <a:p>
+            <a:endParaRPr lang="en-US" dirty="0"/>
+          </a:p>
+          <a:p>
+            <a:r>
+              <a:rPr lang="en-US" dirty="0"/>
+              <a:t>While in the case of Ingress we’re interested in routing traffic from outside the cluster to a service, in the case of Egress we are dealing with the opposite: how does an app in a pod call out to (cluster-)external APIs? One may want to control which pods are allowed to have a communication path to outside services and on top of that impose other policies. Note that by default all containers in a pod can perform Egress. These policies can be enforced using network policies</a:t>
             </a:r>
           </a:p>
         </p:txBody>
@@ -6942,7 +6915,7 @@
     </p:spTree>
     <p:extLst>
       <p:ext uri="{BB962C8B-B14F-4D97-AF65-F5344CB8AC3E}">
-        <p14:creationId xmlns:p14="http://schemas.microsoft.com/office/powerpoint/2010/main" val="773711818"/>
+        <p14:creationId xmlns:p14="http://schemas.microsoft.com/office/powerpoint/2010/main" val="2702506998"/>
       </p:ext>
     </p:extLst>
   </p:cSld>
@@ -6998,186 +6971,31 @@
           <a:p>
             <a:r>
               <a:rPr lang="en-US" dirty="0"/>
-              <a:t>A selector is an expression that matches a label (or set of labels). It’s a way of specifying a group of resources by their labels.</a:t>
-            </a:r>
-          </a:p>
-          <a:p>
-            <a:r>
-              <a:rPr lang="en-US" dirty="0"/>
-              <a:t>Labels are key/value pairs that are attached to objects, such as pods. </a:t>
-            </a:r>
-          </a:p>
-          <a:p>
-            <a:r>
-              <a:rPr lang="en-US" dirty="0"/>
-              <a:t>Labels are intended to be used to specify identifying attributes of objects that are meaningful and relevant to users, but do not directly imply semantics to the core system. </a:t>
-            </a:r>
-          </a:p>
-          <a:p>
-            <a:endParaRPr lang="en-US" dirty="0"/>
-          </a:p>
-          <a:p>
-            <a:r>
-              <a:rPr lang="en-US" dirty="0"/>
-              <a:t>If you set the type field to </a:t>
-            </a:r>
-            <a:r>
-              <a:rPr lang="en-US" b="1" dirty="0" err="1"/>
-              <a:t>NodePort</a:t>
-            </a:r>
-            <a:r>
-              <a:rPr lang="en-US" dirty="0"/>
-              <a:t>, the Kubernetes control plane allocates a port from a range specified by --service-node-port-range flag (default: 30000-32767). Each node proxies that port (the same port number on every Node) into your Service.</a:t>
-            </a:r>
-          </a:p>
-          <a:p>
-            <a:endParaRPr lang="en-US" dirty="0"/>
-          </a:p>
-          <a:p>
-            <a:r>
-              <a:rPr lang="en-US" dirty="0" err="1"/>
-              <a:t>ClusterIP</a:t>
-            </a:r>
-            <a:r>
-              <a:rPr lang="en-US" dirty="0"/>
-              <a:t>: Exposes the Service on a cluster-internal IP. Choosing this value makes the Service only reachable from within the cluster. This is the default </a:t>
-            </a:r>
-            <a:r>
-              <a:rPr lang="en-US" dirty="0" err="1"/>
-              <a:t>ServiceType</a:t>
-            </a:r>
-            <a:r>
-              <a:rPr lang="en-US" dirty="0"/>
-              <a:t>.</a:t>
-            </a:r>
-          </a:p>
-          <a:p>
-            <a:r>
-              <a:rPr lang="en-US" b="1" i="1" dirty="0" err="1"/>
-              <a:t>ClusterIP</a:t>
-            </a:r>
-            <a:r>
-              <a:rPr lang="en-US" dirty="0"/>
-              <a:t> addresses are drawn from a private, non-routable IP address space (subnet), often called the overlay network. Non-routable means that the </a:t>
-            </a:r>
-            <a:r>
-              <a:rPr lang="en-US" dirty="0" err="1"/>
-              <a:t>ClusterIP</a:t>
-            </a:r>
-            <a:r>
-              <a:rPr lang="en-US" dirty="0"/>
-              <a:t> address cannot be reached from outside the cluster. a problem arises when you want clients or users external to the cluster to have access to one or more pods or services</a:t>
-            </a:r>
-          </a:p>
-          <a:p>
-            <a:endParaRPr lang="en-US" dirty="0"/>
-          </a:p>
-          <a:p>
-            <a:r>
-              <a:rPr lang="en-US" dirty="0" err="1">
-                <a:hlinkClick r:id="rId3"/>
-              </a:rPr>
-              <a:t>NodePort</a:t>
-            </a:r>
-            <a:r>
-              <a:rPr lang="en-US" dirty="0"/>
-              <a:t>: Exposes the Service on each Node's IP at a static port (the </a:t>
-            </a:r>
-            <a:r>
-              <a:rPr lang="en-US" dirty="0" err="1"/>
-              <a:t>NodePort</a:t>
-            </a:r>
-            <a:r>
-              <a:rPr lang="en-US" dirty="0"/>
-              <a:t>). A </a:t>
-            </a:r>
-            <a:r>
-              <a:rPr lang="en-US" dirty="0" err="1"/>
-              <a:t>ClusterIP</a:t>
-            </a:r>
-            <a:r>
-              <a:rPr lang="en-US" dirty="0"/>
-              <a:t> Service, to which the </a:t>
-            </a:r>
-            <a:r>
-              <a:rPr lang="en-US" dirty="0" err="1"/>
-              <a:t>NodePort</a:t>
-            </a:r>
-            <a:r>
-              <a:rPr lang="en-US" dirty="0"/>
-              <a:t> Service routes, is automatically created. You'll be able to contact the </a:t>
-            </a:r>
-            <a:r>
-              <a:rPr lang="en-US" dirty="0" err="1"/>
-              <a:t>NodePort</a:t>
-            </a:r>
-            <a:r>
-              <a:rPr lang="en-US" dirty="0"/>
-              <a:t> Service, from outside the cluster, by requesting &lt;</a:t>
-            </a:r>
-            <a:r>
-              <a:rPr lang="en-US" dirty="0" err="1"/>
-              <a:t>NodeIP</a:t>
-            </a:r>
-            <a:r>
-              <a:rPr lang="en-US" dirty="0"/>
-              <a:t>&gt;:&lt;</a:t>
-            </a:r>
-            <a:r>
-              <a:rPr lang="en-US" dirty="0" err="1"/>
-              <a:t>NodePort</a:t>
-            </a:r>
-            <a:r>
-              <a:rPr lang="en-US" dirty="0"/>
-              <a:t>&gt;.</a:t>
-            </a:r>
-          </a:p>
-          <a:p>
-            <a:r>
-              <a:rPr lang="en-US" dirty="0" err="1">
-                <a:hlinkClick r:id="rId4"/>
-              </a:rPr>
-              <a:t>LoadBalancer</a:t>
-            </a:r>
-            <a:r>
-              <a:rPr lang="en-US" dirty="0"/>
-              <a:t>: Exposes the Service externally using a cloud provider's load balancer. </a:t>
-            </a:r>
-            <a:r>
-              <a:rPr lang="en-US" dirty="0" err="1"/>
-              <a:t>NodePort</a:t>
-            </a:r>
-            <a:r>
-              <a:rPr lang="en-US" dirty="0"/>
-              <a:t> and </a:t>
-            </a:r>
-            <a:r>
-              <a:rPr lang="en-US" dirty="0" err="1"/>
-              <a:t>ClusterIP</a:t>
-            </a:r>
-            <a:r>
-              <a:rPr lang="en-US" dirty="0"/>
-              <a:t> Services, to which the external load balancer routes, are automatically created.</a:t>
-            </a:r>
-          </a:p>
-          <a:p>
-            <a:r>
-              <a:rPr lang="en-US" dirty="0" err="1">
-                <a:hlinkClick r:id="rId5"/>
-              </a:rPr>
-              <a:t>ExternalName</a:t>
-            </a:r>
-            <a:r>
-              <a:rPr lang="en-US" dirty="0"/>
-              <a:t>: Maps the Service to the contents of the </a:t>
-            </a:r>
-            <a:r>
-              <a:rPr lang="en-US" dirty="0" err="1"/>
-              <a:t>externalName</a:t>
-            </a:r>
-            <a:r>
-              <a:rPr lang="en-US" dirty="0"/>
-              <a:t> field (e.g. foo.bar.example.com), by returning a CNAME record with its value. No proxying of any kind is set up.</a:t>
+              <a:t>Suppose you want to make a network connection to a Pod (such as our example application). </a:t>
+            </a:r>
+          </a:p>
+          <a:p>
+            <a:r>
+              <a:rPr lang="en-US" dirty="0"/>
+              <a:t>How do you do that? You could find out the Pod’s IP address and connect directly to that address and the app’s port number. </a:t>
+            </a:r>
+          </a:p>
+          <a:p>
+            <a:r>
+              <a:rPr lang="en-US" dirty="0"/>
+              <a:t>But the IP address may change when the Pod is restarted, so you’ll have to keep looking it up to make sure it’s up-to-date. </a:t>
+            </a:r>
+          </a:p>
+          <a:p>
+            <a:r>
+              <a:rPr lang="en-US" dirty="0"/>
+              <a:t>Worse, there may be multiple replicas of the Pod, each with different addresses. </a:t>
+            </a:r>
+          </a:p>
+          <a:p>
+            <a:r>
+              <a:rPr lang="en-US" dirty="0"/>
+              <a:t>Every other application that needs to contact the Pod would have to maintain a list of those addresses, which doesn’t sound like a great idea.</a:t>
             </a:r>
           </a:p>
         </p:txBody>
@@ -7208,7 +7026,7 @@
     </p:spTree>
     <p:extLst>
       <p:ext uri="{BB962C8B-B14F-4D97-AF65-F5344CB8AC3E}">
-        <p14:creationId xmlns:p14="http://schemas.microsoft.com/office/powerpoint/2010/main" val="900117688"/>
+        <p14:creationId xmlns:p14="http://schemas.microsoft.com/office/powerpoint/2010/main" val="773711818"/>
       </p:ext>
     </p:extLst>
   </p:cSld>
@@ -7263,16 +7081,188 @@
           <a:lstStyle/>
           <a:p>
             <a:r>
-              <a:rPr lang="it-IT" dirty="0"/>
-              <a:t>Kube-proxy uses iptables where random selection is the native method for the load-balancing.</a:t>
-            </a:r>
-          </a:p>
-          <a:p>
-            <a:r>
-              <a:rPr lang="it-IT" dirty="0"/>
-              <a:t>Ingress uses a controller.</a:t>
-            </a:r>
+              <a:rPr lang="en-US" dirty="0"/>
+              <a:t>A selector is an expression that matches a label (or set of labels). It’s a way of specifying a group of resources by their labels.</a:t>
+            </a:r>
+          </a:p>
+          <a:p>
+            <a:r>
+              <a:rPr lang="en-US" dirty="0"/>
+              <a:t>Labels are key/value pairs that are attached to objects, such as pods. </a:t>
+            </a:r>
+          </a:p>
+          <a:p>
+            <a:r>
+              <a:rPr lang="en-US" dirty="0"/>
+              <a:t>Labels are intended to be used to specify identifying attributes of objects that are meaningful and relevant to users, but do not directly imply semantics to the core system. </a:t>
+            </a:r>
+          </a:p>
+          <a:p>
             <a:endParaRPr lang="en-US" dirty="0"/>
+          </a:p>
+          <a:p>
+            <a:r>
+              <a:rPr lang="en-US" dirty="0"/>
+              <a:t>If you set the type field to </a:t>
+            </a:r>
+            <a:r>
+              <a:rPr lang="en-US" b="1" dirty="0" err="1"/>
+              <a:t>NodePort</a:t>
+            </a:r>
+            <a:r>
+              <a:rPr lang="en-US" dirty="0"/>
+              <a:t>, the Kubernetes control plane allocates a port from a range specified by --service-node-port-range flag (default: 30000-32767). Each node proxies that port (the same port number on every Node) into your Service.</a:t>
+            </a:r>
+          </a:p>
+          <a:p>
+            <a:endParaRPr lang="en-US" dirty="0"/>
+          </a:p>
+          <a:p>
+            <a:r>
+              <a:rPr lang="en-US" dirty="0" err="1"/>
+              <a:t>ClusterIP</a:t>
+            </a:r>
+            <a:r>
+              <a:rPr lang="en-US" dirty="0"/>
+              <a:t>: Exposes the Service on a cluster-internal IP. Choosing this value makes the Service only reachable from within the cluster. This is the default </a:t>
+            </a:r>
+            <a:r>
+              <a:rPr lang="en-US" dirty="0" err="1"/>
+              <a:t>ServiceType</a:t>
+            </a:r>
+            <a:r>
+              <a:rPr lang="en-US" dirty="0"/>
+              <a:t>.</a:t>
+            </a:r>
+          </a:p>
+          <a:p>
+            <a:r>
+              <a:rPr lang="en-US" b="1" i="1" dirty="0" err="1"/>
+              <a:t>ClusterIP</a:t>
+            </a:r>
+            <a:r>
+              <a:rPr lang="en-US" dirty="0"/>
+              <a:t> addresses are drawn from a private, non-routable IP address space (subnet), often called the overlay network. Non-routable means that the </a:t>
+            </a:r>
+            <a:r>
+              <a:rPr lang="en-US" dirty="0" err="1"/>
+              <a:t>ClusterIP</a:t>
+            </a:r>
+            <a:r>
+              <a:rPr lang="en-US" dirty="0"/>
+              <a:t> address cannot be reached from outside the cluster. a problem arises when you want clients or users external to the cluster to have access to one or more pods or services</a:t>
+            </a:r>
+          </a:p>
+          <a:p>
+            <a:endParaRPr lang="en-US" dirty="0"/>
+          </a:p>
+          <a:p>
+            <a:r>
+              <a:rPr lang="en-US" dirty="0" err="1">
+                <a:hlinkClick r:id="rId3"/>
+              </a:rPr>
+              <a:t>NodePort</a:t>
+            </a:r>
+            <a:r>
+              <a:rPr lang="en-US" dirty="0"/>
+              <a:t>: Exposes the Service on each Node's IP at a static port (the </a:t>
+            </a:r>
+            <a:r>
+              <a:rPr lang="en-US" dirty="0" err="1"/>
+              <a:t>NodePort</a:t>
+            </a:r>
+            <a:r>
+              <a:rPr lang="en-US" dirty="0"/>
+              <a:t>). A </a:t>
+            </a:r>
+            <a:r>
+              <a:rPr lang="en-US" dirty="0" err="1"/>
+              <a:t>ClusterIP</a:t>
+            </a:r>
+            <a:r>
+              <a:rPr lang="en-US" dirty="0"/>
+              <a:t> Service, to which the </a:t>
+            </a:r>
+            <a:r>
+              <a:rPr lang="en-US" dirty="0" err="1"/>
+              <a:t>NodePort</a:t>
+            </a:r>
+            <a:r>
+              <a:rPr lang="en-US" dirty="0"/>
+              <a:t> Service routes, is automatically created. You'll be able to contact the </a:t>
+            </a:r>
+            <a:r>
+              <a:rPr lang="en-US" dirty="0" err="1"/>
+              <a:t>NodePort</a:t>
+            </a:r>
+            <a:r>
+              <a:rPr lang="en-US" dirty="0"/>
+              <a:t> Service, from outside the cluster, by requesting &lt;</a:t>
+            </a:r>
+            <a:r>
+              <a:rPr lang="en-US" dirty="0" err="1"/>
+              <a:t>NodeIP</a:t>
+            </a:r>
+            <a:r>
+              <a:rPr lang="en-US" dirty="0"/>
+              <a:t>&gt;:&lt;</a:t>
+            </a:r>
+            <a:r>
+              <a:rPr lang="en-US" dirty="0" err="1"/>
+              <a:t>NodePort</a:t>
+            </a:r>
+            <a:r>
+              <a:rPr lang="en-US" dirty="0"/>
+              <a:t>&gt;.</a:t>
+            </a:r>
+          </a:p>
+          <a:p>
+            <a:r>
+              <a:rPr lang="en-US" dirty="0" err="1">
+                <a:hlinkClick r:id="rId4"/>
+              </a:rPr>
+              <a:t>LoadBalancer</a:t>
+            </a:r>
+            <a:r>
+              <a:rPr lang="en-US" dirty="0"/>
+              <a:t>: Exposes the Service externally using a cloud provider's load balancer. </a:t>
+            </a:r>
+            <a:r>
+              <a:rPr lang="en-US" dirty="0" err="1"/>
+              <a:t>NodePort</a:t>
+            </a:r>
+            <a:r>
+              <a:rPr lang="en-US" dirty="0"/>
+              <a:t> and </a:t>
+            </a:r>
+            <a:r>
+              <a:rPr lang="en-US" dirty="0" err="1"/>
+              <a:t>ClusterIP</a:t>
+            </a:r>
+            <a:r>
+              <a:rPr lang="en-US" dirty="0"/>
+              <a:t> Services, to which the external load balancer routes, are automatically created.</a:t>
+            </a:r>
+          </a:p>
+          <a:p>
+            <a:r>
+              <a:rPr lang="en-US" dirty="0" err="1">
+                <a:hlinkClick r:id="rId5"/>
+              </a:rPr>
+              <a:t>ExternalName</a:t>
+            </a:r>
+            <a:r>
+              <a:rPr lang="en-US" dirty="0"/>
+              <a:t>: Maps the Service to the contents of the </a:t>
+            </a:r>
+            <a:r>
+              <a:rPr lang="en-US" dirty="0" err="1"/>
+              <a:t>externalName</a:t>
+            </a:r>
+            <a:r>
+              <a:rPr lang="en-US" dirty="0"/>
+              <a:t> field (e.g. foo.bar.example.com), by returning a CNAME record with its value. No proxying of any kind is set up.</a:t>
+            </a:r>
           </a:p>
         </p:txBody>
       </p:sp>
@@ -7302,7 +7292,7 @@
     </p:spTree>
     <p:extLst>
       <p:ext uri="{BB962C8B-B14F-4D97-AF65-F5344CB8AC3E}">
-        <p14:creationId xmlns:p14="http://schemas.microsoft.com/office/powerpoint/2010/main" val="148744501"/>
+        <p14:creationId xmlns:p14="http://schemas.microsoft.com/office/powerpoint/2010/main" val="900117688"/>
       </p:ext>
     </p:extLst>
   </p:cSld>
@@ -17841,7 +17831,7 @@
           <a:p>
             <a:fld id="{824B3425-3263-431D-8622-23DC26B96104}" type="datetimeFigureOut">
               <a:rPr lang="en-US" smtClean="0"/>
-              <a:t>10/18/2022</a:t>
+              <a:t>10/20/2022</a:t>
             </a:fld>
             <a:endParaRPr lang="en-US"/>
           </a:p>
@@ -18039,7 +18029,7 @@
           <a:p>
             <a:fld id="{824B3425-3263-431D-8622-23DC26B96104}" type="datetimeFigureOut">
               <a:rPr lang="en-US" smtClean="0"/>
-              <a:t>10/18/2022</a:t>
+              <a:t>10/20/2022</a:t>
             </a:fld>
             <a:endParaRPr lang="en-US"/>
           </a:p>
@@ -18247,7 +18237,7 @@
           <a:p>
             <a:fld id="{824B3425-3263-431D-8622-23DC26B96104}" type="datetimeFigureOut">
               <a:rPr lang="en-US" smtClean="0"/>
-              <a:t>10/18/2022</a:t>
+              <a:t>10/20/2022</a:t>
             </a:fld>
             <a:endParaRPr lang="en-US"/>
           </a:p>
@@ -18445,7 +18435,7 @@
           <a:p>
             <a:fld id="{824B3425-3263-431D-8622-23DC26B96104}" type="datetimeFigureOut">
               <a:rPr lang="en-US" smtClean="0"/>
-              <a:t>10/18/2022</a:t>
+              <a:t>10/20/2022</a:t>
             </a:fld>
             <a:endParaRPr lang="en-US"/>
           </a:p>
@@ -18720,7 +18710,7 @@
           <a:p>
             <a:fld id="{824B3425-3263-431D-8622-23DC26B96104}" type="datetimeFigureOut">
               <a:rPr lang="en-US" smtClean="0"/>
-              <a:t>10/18/2022</a:t>
+              <a:t>10/20/2022</a:t>
             </a:fld>
             <a:endParaRPr lang="en-US"/>
           </a:p>
@@ -18985,7 +18975,7 @@
           <a:p>
             <a:fld id="{824B3425-3263-431D-8622-23DC26B96104}" type="datetimeFigureOut">
               <a:rPr lang="en-US" smtClean="0"/>
-              <a:t>10/18/2022</a:t>
+              <a:t>10/20/2022</a:t>
             </a:fld>
             <a:endParaRPr lang="en-US"/>
           </a:p>
@@ -19397,7 +19387,7 @@
           <a:p>
             <a:fld id="{824B3425-3263-431D-8622-23DC26B96104}" type="datetimeFigureOut">
               <a:rPr lang="en-US" smtClean="0"/>
-              <a:t>10/18/2022</a:t>
+              <a:t>10/20/2022</a:t>
             </a:fld>
             <a:endParaRPr lang="en-US"/>
           </a:p>
@@ -19538,7 +19528,7 @@
           <a:p>
             <a:fld id="{824B3425-3263-431D-8622-23DC26B96104}" type="datetimeFigureOut">
               <a:rPr lang="en-US" smtClean="0"/>
-              <a:t>10/18/2022</a:t>
+              <a:t>10/20/2022</a:t>
             </a:fld>
             <a:endParaRPr lang="en-US"/>
           </a:p>
@@ -19651,7 +19641,7 @@
           <a:p>
             <a:fld id="{824B3425-3263-431D-8622-23DC26B96104}" type="datetimeFigureOut">
               <a:rPr lang="en-US" smtClean="0"/>
-              <a:t>10/18/2022</a:t>
+              <a:t>10/20/2022</a:t>
             </a:fld>
             <a:endParaRPr lang="en-US"/>
           </a:p>
@@ -19962,7 +19952,7 @@
           <a:p>
             <a:fld id="{824B3425-3263-431D-8622-23DC26B96104}" type="datetimeFigureOut">
               <a:rPr lang="en-US" smtClean="0"/>
-              <a:t>10/18/2022</a:t>
+              <a:t>10/20/2022</a:t>
             </a:fld>
             <a:endParaRPr lang="en-US"/>
           </a:p>
@@ -20250,7 +20240,7 @@
           <a:p>
             <a:fld id="{824B3425-3263-431D-8622-23DC26B96104}" type="datetimeFigureOut">
               <a:rPr lang="en-US" smtClean="0"/>
-              <a:t>10/18/2022</a:t>
+              <a:t>10/20/2022</a:t>
             </a:fld>
             <a:endParaRPr lang="en-US"/>
           </a:p>
@@ -20491,7 +20481,7 @@
           <a:p>
             <a:fld id="{824B3425-3263-431D-8622-23DC26B96104}" type="datetimeFigureOut">
               <a:rPr lang="en-US" smtClean="0"/>
-              <a:t>10/18/2022</a:t>
+              <a:t>10/20/2022</a:t>
             </a:fld>
             <a:endParaRPr lang="en-US"/>
           </a:p>
@@ -32047,10 +32037,10 @@
       </p:sp>
       <p:pic>
         <p:nvPicPr>
-          <p:cNvPr id="9" name="Picture 8">
-            <a:extLst>
-              <a:ext uri="{FF2B5EF4-FFF2-40B4-BE49-F238E27FC236}">
-                <a16:creationId xmlns:a16="http://schemas.microsoft.com/office/drawing/2014/main" id="{3081268E-8056-C780-2727-108240D8FAD1}"/>
+          <p:cNvPr id="4" name="Picture 3">
+            <a:extLst>
+              <a:ext uri="{FF2B5EF4-FFF2-40B4-BE49-F238E27FC236}">
+                <a16:creationId xmlns:a16="http://schemas.microsoft.com/office/drawing/2014/main" id="{AD339229-70EA-12CA-CF9F-BDF00AD7C7DC}"/>
               </a:ext>
             </a:extLst>
           </p:cNvPr>
@@ -32067,8 +32057,8 @@
         </p:blipFill>
         <p:spPr>
           <a:xfrm>
-            <a:off x="1890125" y="2800262"/>
-            <a:ext cx="8411749" cy="1257475"/>
+            <a:off x="1856783" y="1957182"/>
+            <a:ext cx="8478433" cy="2943636"/>
           </a:xfrm>
           <a:prstGeom prst="rect">
             <a:avLst/>
@@ -32110,7 +32100,7 @@
           <p:cNvPr id="2" name="Title 1">
             <a:extLst>
               <a:ext uri="{FF2B5EF4-FFF2-40B4-BE49-F238E27FC236}">
-                <a16:creationId xmlns:a16="http://schemas.microsoft.com/office/drawing/2014/main" id="{69125872-403D-2599-5C71-364BCD3123CF}"/>
+                <a16:creationId xmlns:a16="http://schemas.microsoft.com/office/drawing/2014/main" id="{818F110F-7675-5E8A-6383-D9AF4227F5E2}"/>
               </a:ext>
             </a:extLst>
           </p:cNvPr>
@@ -32127,53 +32117,22 @@
           <a:lstStyle/>
           <a:p>
             <a:r>
-              <a:rPr lang="it-IT" dirty="0"/>
-              <a:t>ReplicaSets</a:t>
-            </a:r>
-            <a:endParaRPr lang="en-US" dirty="0"/>
-          </a:p>
-        </p:txBody>
-      </p:sp>
-      <p:sp>
-        <p:nvSpPr>
-          <p:cNvPr id="3" name="Content Placeholder 2">
-            <a:extLst>
-              <a:ext uri="{FF2B5EF4-FFF2-40B4-BE49-F238E27FC236}">
-                <a16:creationId xmlns:a16="http://schemas.microsoft.com/office/drawing/2014/main" id="{FF6CA6F3-B3F7-47BC-175A-6CE98D8F9CD4}"/>
-              </a:ext>
-            </a:extLst>
-          </p:cNvPr>
-          <p:cNvSpPr>
-            <a:spLocks noGrp="1"/>
-          </p:cNvSpPr>
-          <p:nvPr>
-            <p:ph idx="1"/>
-          </p:nvPr>
-        </p:nvSpPr>
-        <p:spPr>
-          <a:xfrm>
-            <a:off x="838200" y="1790769"/>
-            <a:ext cx="10515600" cy="838062"/>
-          </a:xfrm>
-        </p:spPr>
-        <p:txBody>
-          <a:bodyPr>
-            <a:normAutofit lnSpcReduction="10000"/>
-          </a:bodyPr>
-          <a:lstStyle/>
-          <a:p>
-            <a:r>
-              <a:rPr lang="en-US" dirty="0"/>
-              <a:t>A </a:t>
-            </a:r>
-            <a:r>
-              <a:rPr lang="en-US" dirty="0" err="1"/>
-              <a:t>ReplicaSet</a:t>
-            </a:r>
-            <a:r>
-              <a:rPr lang="en-US" dirty="0"/>
-              <a:t> is responsible for a group of identical Pods, or replicas. </a:t>
-            </a:r>
+              <a:rPr lang="it-IT" dirty="0">
+                <a:solidFill>
+                  <a:schemeClr val="bg2">
+                    <a:lumMod val="90000"/>
+                  </a:schemeClr>
+                </a:solidFill>
+              </a:rPr>
+              <a:t>Deployments </a:t>
+            </a:r>
+            <a:endParaRPr lang="en-US" dirty="0">
+              <a:solidFill>
+                <a:schemeClr val="bg2">
+                  <a:lumMod val="75000"/>
+                </a:schemeClr>
+              </a:solidFill>
+            </a:endParaRPr>
           </a:p>
         </p:txBody>
       </p:sp>
@@ -32182,7 +32141,7 @@
           <p:cNvPr id="5" name="Picture 4">
             <a:extLst>
               <a:ext uri="{FF2B5EF4-FFF2-40B4-BE49-F238E27FC236}">
-                <a16:creationId xmlns:a16="http://schemas.microsoft.com/office/drawing/2014/main" id="{B0E19A02-A1BC-DFB6-7436-4B10C7E80C07}"/>
+                <a16:creationId xmlns:a16="http://schemas.microsoft.com/office/drawing/2014/main" id="{9F3A26FF-F9C7-5408-FDC0-6B43AD8F7762}"/>
               </a:ext>
             </a:extLst>
           </p:cNvPr>
@@ -32199,54 +32158,78 @@
         </p:blipFill>
         <p:spPr>
           <a:xfrm>
-            <a:off x="4024023" y="3080314"/>
-            <a:ext cx="4143953" cy="2791215"/>
+            <a:off x="2780837" y="1690688"/>
+            <a:ext cx="6630325" cy="2381582"/>
           </a:xfrm>
           <a:prstGeom prst="rect">
             <a:avLst/>
           </a:prstGeom>
         </p:spPr>
       </p:pic>
-      <p:sp>
-        <p:nvSpPr>
-          <p:cNvPr id="6" name="TextBox 5">
-            <a:extLst>
-              <a:ext uri="{FF2B5EF4-FFF2-40B4-BE49-F238E27FC236}">
-                <a16:creationId xmlns:a16="http://schemas.microsoft.com/office/drawing/2014/main" id="{AF83AA35-4C75-F5F2-D80A-12676C7E2BD7}"/>
-              </a:ext>
-            </a:extLst>
-          </p:cNvPr>
-          <p:cNvSpPr txBox="1"/>
+      <p:pic>
+        <p:nvPicPr>
+          <p:cNvPr id="7" name="Picture 6">
+            <a:extLst>
+              <a:ext uri="{FF2B5EF4-FFF2-40B4-BE49-F238E27FC236}">
+                <a16:creationId xmlns:a16="http://schemas.microsoft.com/office/drawing/2014/main" id="{D20A1B82-A5BB-912C-773D-9447C5392C3D}"/>
+              </a:ext>
+            </a:extLst>
+          </p:cNvPr>
+          <p:cNvPicPr>
+            <a:picLocks noChangeAspect="1"/>
+          </p:cNvPicPr>
           <p:nvPr/>
-        </p:nvSpPr>
+        </p:nvPicPr>
+        <p:blipFill>
+          <a:blip r:embed="rId4"/>
+          <a:stretch>
+            <a:fillRect/>
+          </a:stretch>
+        </p:blipFill>
         <p:spPr>
           <a:xfrm>
-            <a:off x="1172816" y="6323012"/>
-            <a:ext cx="9846366" cy="317362"/>
+            <a:off x="2780837" y="4366369"/>
+            <a:ext cx="3629532" cy="219106"/>
           </a:xfrm>
           <a:prstGeom prst="rect">
             <a:avLst/>
           </a:prstGeom>
-          <a:noFill/>
         </p:spPr>
-        <p:txBody>
-          <a:bodyPr wrap="square" rtlCol="0">
-            <a:spAutoFit/>
-          </a:bodyPr>
-          <a:lstStyle/>
-          <a:p>
-            <a:r>
-              <a:rPr lang="it-IT" sz="1400" dirty="0"/>
-              <a:t>Source: «Cloud Native DevOps with Kubernetes», O’Reilly, Justin Domingous &amp; John Arundel</a:t>
-            </a:r>
-            <a:endParaRPr lang="en-US" sz="1400" dirty="0"/>
-          </a:p>
-        </p:txBody>
-      </p:sp>
+      </p:pic>
+      <p:pic>
+        <p:nvPicPr>
+          <p:cNvPr id="9" name="Picture 8">
+            <a:extLst>
+              <a:ext uri="{FF2B5EF4-FFF2-40B4-BE49-F238E27FC236}">
+                <a16:creationId xmlns:a16="http://schemas.microsoft.com/office/drawing/2014/main" id="{EB0B6884-2E71-BD8C-03D0-BDD5CAABB3AF}"/>
+              </a:ext>
+            </a:extLst>
+          </p:cNvPr>
+          <p:cNvPicPr>
+            <a:picLocks noChangeAspect="1"/>
+          </p:cNvPicPr>
+          <p:nvPr/>
+        </p:nvPicPr>
+        <p:blipFill>
+          <a:blip r:embed="rId5"/>
+          <a:stretch>
+            <a:fillRect/>
+          </a:stretch>
+        </p:blipFill>
+        <p:spPr>
+          <a:xfrm>
+            <a:off x="1085149" y="4585475"/>
+            <a:ext cx="10021699" cy="1171739"/>
+          </a:xfrm>
+          <a:prstGeom prst="rect">
+            <a:avLst/>
+          </a:prstGeom>
+        </p:spPr>
+      </p:pic>
     </p:spTree>
     <p:extLst>
       <p:ext uri="{BB962C8B-B14F-4D97-AF65-F5344CB8AC3E}">
-        <p14:creationId xmlns:p14="http://schemas.microsoft.com/office/powerpoint/2010/main" val="3731167862"/>
+        <p14:creationId xmlns:p14="http://schemas.microsoft.com/office/powerpoint/2010/main" val="3348820139"/>
       </p:ext>
     </p:extLst>
   </p:cSld>
@@ -32278,7 +32261,7 @@
           <p:cNvPr id="2" name="Title 1">
             <a:extLst>
               <a:ext uri="{FF2B5EF4-FFF2-40B4-BE49-F238E27FC236}">
-                <a16:creationId xmlns:a16="http://schemas.microsoft.com/office/drawing/2014/main" id="{580A9C2E-F633-473C-F312-CE1EA6E4156D}"/>
+                <a16:creationId xmlns:a16="http://schemas.microsoft.com/office/drawing/2014/main" id="{69125872-403D-2599-5C71-364BCD3123CF}"/>
               </a:ext>
             </a:extLst>
           </p:cNvPr>
@@ -32295,19 +32278,92 @@
           <a:lstStyle/>
           <a:p>
             <a:r>
+              <a:rPr lang="it-IT" dirty="0"/>
+              <a:t>ReplicaSets</a:t>
+            </a:r>
+            <a:endParaRPr lang="en-US" dirty="0"/>
+          </a:p>
+        </p:txBody>
+      </p:sp>
+      <p:sp>
+        <p:nvSpPr>
+          <p:cNvPr id="3" name="Content Placeholder 2">
+            <a:extLst>
+              <a:ext uri="{FF2B5EF4-FFF2-40B4-BE49-F238E27FC236}">
+                <a16:creationId xmlns:a16="http://schemas.microsoft.com/office/drawing/2014/main" id="{FF6CA6F3-B3F7-47BC-175A-6CE98D8F9CD4}"/>
+              </a:ext>
+            </a:extLst>
+          </p:cNvPr>
+          <p:cNvSpPr>
+            <a:spLocks noGrp="1"/>
+          </p:cNvSpPr>
+          <p:nvPr>
+            <p:ph idx="1"/>
+          </p:nvPr>
+        </p:nvSpPr>
+        <p:spPr>
+          <a:xfrm>
+            <a:off x="838200" y="1790769"/>
+            <a:ext cx="10515600" cy="838062"/>
+          </a:xfrm>
+        </p:spPr>
+        <p:txBody>
+          <a:bodyPr>
+            <a:normAutofit lnSpcReduction="10000"/>
+          </a:bodyPr>
+          <a:lstStyle/>
+          <a:p>
+            <a:r>
+              <a:rPr lang="en-US" dirty="0"/>
+              <a:t>A </a:t>
+            </a:r>
+            <a:r>
               <a:rPr lang="en-US" dirty="0" err="1"/>
-              <a:t>DaemonSets</a:t>
-            </a:r>
-            <a:endParaRPr lang="en-US" dirty="0"/>
-          </a:p>
-        </p:txBody>
-      </p:sp>
-      <p:sp>
-        <p:nvSpPr>
-          <p:cNvPr id="4" name="TextBox 3">
-            <a:extLst>
-              <a:ext uri="{FF2B5EF4-FFF2-40B4-BE49-F238E27FC236}">
-                <a16:creationId xmlns:a16="http://schemas.microsoft.com/office/drawing/2014/main" id="{A6608EE7-0883-B863-4AE6-8D4CCF0D7325}"/>
+              <a:t>ReplicaSet</a:t>
+            </a:r>
+            <a:r>
+              <a:rPr lang="en-US" dirty="0"/>
+              <a:t> is responsible for a group of identical Pods, or replicas. </a:t>
+            </a:r>
+          </a:p>
+        </p:txBody>
+      </p:sp>
+      <p:pic>
+        <p:nvPicPr>
+          <p:cNvPr id="5" name="Picture 4">
+            <a:extLst>
+              <a:ext uri="{FF2B5EF4-FFF2-40B4-BE49-F238E27FC236}">
+                <a16:creationId xmlns:a16="http://schemas.microsoft.com/office/drawing/2014/main" id="{B0E19A02-A1BC-DFB6-7436-4B10C7E80C07}"/>
+              </a:ext>
+            </a:extLst>
+          </p:cNvPr>
+          <p:cNvPicPr>
+            <a:picLocks noChangeAspect="1"/>
+          </p:cNvPicPr>
+          <p:nvPr/>
+        </p:nvPicPr>
+        <p:blipFill>
+          <a:blip r:embed="rId3"/>
+          <a:stretch>
+            <a:fillRect/>
+          </a:stretch>
+        </p:blipFill>
+        <p:spPr>
+          <a:xfrm>
+            <a:off x="4024023" y="3080314"/>
+            <a:ext cx="4143953" cy="2791215"/>
+          </a:xfrm>
+          <a:prstGeom prst="rect">
+            <a:avLst/>
+          </a:prstGeom>
+        </p:spPr>
+      </p:pic>
+      <p:sp>
+        <p:nvSpPr>
+          <p:cNvPr id="6" name="TextBox 5">
+            <a:extLst>
+              <a:ext uri="{FF2B5EF4-FFF2-40B4-BE49-F238E27FC236}">
+                <a16:creationId xmlns:a16="http://schemas.microsoft.com/office/drawing/2014/main" id="{AF83AA35-4C75-F5F2-D80A-12676C7E2BD7}"/>
               </a:ext>
             </a:extLst>
           </p:cNvPr>
@@ -32316,8 +32372,8 @@
         </p:nvSpPr>
         <p:spPr>
           <a:xfrm>
-            <a:off x="3816626" y="1690688"/>
-            <a:ext cx="4558748" cy="3754874"/>
+            <a:off x="1172816" y="6323012"/>
+            <a:ext cx="9846366" cy="317362"/>
           </a:xfrm>
           <a:prstGeom prst="rect">
             <a:avLst/>
@@ -32331,214 +32387,9 @@
           <a:lstStyle/>
           <a:p>
             <a:r>
-              <a:rPr lang="en-US" sz="1400" dirty="0" err="1">
-                <a:solidFill>
-                  <a:schemeClr val="accent6">
-                    <a:lumMod val="75000"/>
-                  </a:schemeClr>
-                </a:solidFill>
-              </a:rPr>
-              <a:t>apiVersion</a:t>
-            </a:r>
-            <a:r>
-              <a:rPr lang="en-US" sz="1400" dirty="0"/>
-              <a:t>: apps/v1</a:t>
-            </a:r>
-          </a:p>
-          <a:p>
-            <a:endParaRPr lang="en-US" sz="1400" dirty="0"/>
-          </a:p>
-          <a:p>
-            <a:r>
-              <a:rPr lang="en-US" sz="1400" dirty="0">
-                <a:solidFill>
-                  <a:schemeClr val="accent6">
-                    <a:lumMod val="75000"/>
-                  </a:schemeClr>
-                </a:solidFill>
-              </a:rPr>
-              <a:t>kind</a:t>
-            </a:r>
-            <a:r>
-              <a:rPr lang="en-US" sz="1400" dirty="0"/>
-              <a:t>: </a:t>
-            </a:r>
-            <a:r>
-              <a:rPr lang="en-US" sz="1400" dirty="0" err="1"/>
-              <a:t>DaemonSet</a:t>
-            </a:r>
-            <a:endParaRPr lang="en-US" sz="1400" dirty="0"/>
-          </a:p>
-          <a:p>
-            <a:endParaRPr lang="en-US" sz="1400" dirty="0"/>
-          </a:p>
-          <a:p>
-            <a:r>
-              <a:rPr lang="en-US" sz="1400" dirty="0">
-                <a:solidFill>
-                  <a:schemeClr val="accent6">
-                    <a:lumMod val="75000"/>
-                  </a:schemeClr>
-                </a:solidFill>
-              </a:rPr>
-              <a:t>metadata</a:t>
-            </a:r>
-            <a:r>
-              <a:rPr lang="en-US" sz="1400" dirty="0"/>
-              <a:t>:</a:t>
-            </a:r>
-          </a:p>
-          <a:p>
-            <a:r>
-              <a:rPr lang="en-US" sz="1400" dirty="0"/>
-              <a:t> </a:t>
-            </a:r>
-            <a:r>
-              <a:rPr lang="en-US" sz="1400" dirty="0">
-                <a:solidFill>
-                  <a:schemeClr val="accent6">
-                    <a:lumMod val="75000"/>
-                  </a:schemeClr>
-                </a:solidFill>
-              </a:rPr>
-              <a:t>name</a:t>
-            </a:r>
-            <a:r>
-              <a:rPr lang="en-US" sz="1400" dirty="0"/>
-              <a:t>: </a:t>
-            </a:r>
-            <a:r>
-              <a:rPr lang="en-US" sz="1400" dirty="0" err="1"/>
-              <a:t>fluentd-eAlasticsearch</a:t>
-            </a:r>
-            <a:endParaRPr lang="en-US" sz="1400" dirty="0"/>
-          </a:p>
-          <a:p>
-            <a:r>
-              <a:rPr lang="en-US" sz="1400" dirty="0"/>
-              <a:t> ...</a:t>
-            </a:r>
-          </a:p>
-          <a:p>
-            <a:endParaRPr lang="en-US" sz="1400" dirty="0"/>
-          </a:p>
-          <a:p>
-            <a:r>
-              <a:rPr lang="en-US" sz="1400" dirty="0">
-                <a:solidFill>
-                  <a:schemeClr val="accent6">
-                    <a:lumMod val="75000"/>
-                  </a:schemeClr>
-                </a:solidFill>
-              </a:rPr>
-              <a:t>spec</a:t>
-            </a:r>
-            <a:r>
-              <a:rPr lang="en-US" sz="1400" dirty="0"/>
-              <a:t>:</a:t>
-            </a:r>
-          </a:p>
-          <a:p>
-            <a:r>
-              <a:rPr lang="en-US" sz="1400" dirty="0"/>
-              <a:t> ...</a:t>
-            </a:r>
-          </a:p>
-          <a:p>
-            <a:r>
-              <a:rPr lang="en-US" sz="1400" dirty="0"/>
-              <a:t> </a:t>
-            </a:r>
-            <a:r>
-              <a:rPr lang="en-US" sz="1400" dirty="0">
-                <a:solidFill>
-                  <a:schemeClr val="accent6">
-                    <a:lumMod val="75000"/>
-                  </a:schemeClr>
-                </a:solidFill>
-              </a:rPr>
-              <a:t>template</a:t>
-            </a:r>
-            <a:r>
-              <a:rPr lang="en-US" sz="1400" dirty="0"/>
-              <a:t>:</a:t>
-            </a:r>
-          </a:p>
-          <a:p>
-            <a:r>
-              <a:rPr lang="en-US" sz="1400" dirty="0"/>
-              <a:t> ...</a:t>
-            </a:r>
-          </a:p>
-          <a:p>
-            <a:r>
-              <a:rPr lang="en-US" sz="1400" dirty="0"/>
-              <a:t> </a:t>
-            </a:r>
-            <a:r>
-              <a:rPr lang="en-US" sz="1400" dirty="0">
-                <a:solidFill>
-                  <a:schemeClr val="accent6">
-                    <a:lumMod val="75000"/>
-                  </a:schemeClr>
-                </a:solidFill>
-              </a:rPr>
-              <a:t>spec</a:t>
-            </a:r>
-            <a:r>
-              <a:rPr lang="en-US" sz="1400" dirty="0"/>
-              <a:t>:</a:t>
-            </a:r>
-          </a:p>
-          <a:p>
-            <a:endParaRPr lang="en-US" sz="1400" dirty="0"/>
-          </a:p>
-          <a:p>
-            <a:r>
-              <a:rPr lang="en-US" sz="1400" dirty="0"/>
-              <a:t> </a:t>
-            </a:r>
-            <a:r>
-              <a:rPr lang="en-US" sz="1400" dirty="0">
-                <a:solidFill>
-                  <a:schemeClr val="accent6">
-                    <a:lumMod val="75000"/>
-                  </a:schemeClr>
-                </a:solidFill>
-              </a:rPr>
-              <a:t>containers</a:t>
-            </a:r>
-            <a:r>
-              <a:rPr lang="en-US" sz="1400" dirty="0"/>
-              <a:t>:</a:t>
-            </a:r>
-          </a:p>
-          <a:p>
-            <a:r>
-              <a:rPr lang="en-US" sz="1400" dirty="0"/>
-              <a:t> - </a:t>
-            </a:r>
-            <a:r>
-              <a:rPr lang="en-US" sz="1400" dirty="0">
-                <a:solidFill>
-                  <a:schemeClr val="accent6">
-                    <a:lumMod val="75000"/>
-                  </a:schemeClr>
-                </a:solidFill>
-              </a:rPr>
-              <a:t>name</a:t>
-            </a:r>
-            <a:r>
-              <a:rPr lang="en-US" sz="1400" dirty="0"/>
-              <a:t>: </a:t>
-            </a:r>
-            <a:r>
-              <a:rPr lang="en-US" sz="1400" dirty="0" err="1"/>
-              <a:t>fluentd-elasticsearch</a:t>
-            </a:r>
-            <a:endParaRPr lang="en-US" sz="1400" dirty="0"/>
-          </a:p>
-          <a:p>
+              <a:rPr lang="it-IT" sz="1400" dirty="0"/>
+              <a:t>Source: «Cloud Native DevOps with Kubernetes», O’Reilly, Justin Domingous &amp; John Arundel</a:t>
+            </a:r>
             <a:endParaRPr lang="en-US" sz="1400" dirty="0"/>
           </a:p>
         </p:txBody>
@@ -32546,7 +32397,7 @@
     </p:spTree>
     <p:extLst>
       <p:ext uri="{BB962C8B-B14F-4D97-AF65-F5344CB8AC3E}">
-        <p14:creationId xmlns:p14="http://schemas.microsoft.com/office/powerpoint/2010/main" val="2624097550"/>
+        <p14:creationId xmlns:p14="http://schemas.microsoft.com/office/powerpoint/2010/main" val="3731167862"/>
       </p:ext>
     </p:extLst>
   </p:cSld>
@@ -32578,7 +32429,7 @@
           <p:cNvPr id="2" name="Title 1">
             <a:extLst>
               <a:ext uri="{FF2B5EF4-FFF2-40B4-BE49-F238E27FC236}">
-                <a16:creationId xmlns:a16="http://schemas.microsoft.com/office/drawing/2014/main" id="{B03CA562-1186-EAC5-5047-D8EBE4CB770F}"/>
+                <a16:creationId xmlns:a16="http://schemas.microsoft.com/office/drawing/2014/main" id="{580A9C2E-F633-473C-F312-CE1EA6E4156D}"/>
               </a:ext>
             </a:extLst>
           </p:cNvPr>
@@ -32596,64 +32447,28 @@
           <a:p>
             <a:r>
               <a:rPr lang="en-US" dirty="0" err="1"/>
-              <a:t>StatefulSets</a:t>
+              <a:t>DaemonSets</a:t>
             </a:r>
             <a:endParaRPr lang="en-US" dirty="0"/>
           </a:p>
         </p:txBody>
       </p:sp>
-      <p:pic>
-        <p:nvPicPr>
-          <p:cNvPr id="5" name="Picture 4" descr="Diagram&#10;&#10;Description automatically generated">
-            <a:extLst>
-              <a:ext uri="{FF2B5EF4-FFF2-40B4-BE49-F238E27FC236}">
-                <a16:creationId xmlns:a16="http://schemas.microsoft.com/office/drawing/2014/main" id="{89ACEBC7-5DFA-2D0D-0598-FA5563F415B1}"/>
-              </a:ext>
-            </a:extLst>
-          </p:cNvPr>
-          <p:cNvPicPr>
-            <a:picLocks noChangeAspect="1"/>
-          </p:cNvPicPr>
+      <p:sp>
+        <p:nvSpPr>
+          <p:cNvPr id="4" name="TextBox 3">
+            <a:extLst>
+              <a:ext uri="{FF2B5EF4-FFF2-40B4-BE49-F238E27FC236}">
+                <a16:creationId xmlns:a16="http://schemas.microsoft.com/office/drawing/2014/main" id="{A6608EE7-0883-B863-4AE6-8D4CCF0D7325}"/>
+              </a:ext>
+            </a:extLst>
+          </p:cNvPr>
+          <p:cNvSpPr txBox="1"/>
           <p:nvPr/>
-        </p:nvPicPr>
-        <p:blipFill>
-          <a:blip r:embed="rId3">
-            <a:extLst>
-              <a:ext uri="{28A0092B-C50C-407E-A947-70E740481C1C}">
-                <a14:useLocalDpi xmlns:a14="http://schemas.microsoft.com/office/drawing/2010/main" val="0"/>
-              </a:ext>
-            </a:extLst>
-          </a:blip>
-          <a:stretch>
-            <a:fillRect/>
-          </a:stretch>
-        </p:blipFill>
+        </p:nvSpPr>
         <p:spPr>
           <a:xfrm>
-            <a:off x="3537916" y="1284117"/>
-            <a:ext cx="5116167" cy="5431008"/>
-          </a:xfrm>
-          <a:prstGeom prst="rect">
-            <a:avLst/>
-          </a:prstGeom>
-        </p:spPr>
-      </p:pic>
-      <p:sp>
-        <p:nvSpPr>
-          <p:cNvPr id="8" name="TextBox 7">
-            <a:extLst>
-              <a:ext uri="{FF2B5EF4-FFF2-40B4-BE49-F238E27FC236}">
-                <a16:creationId xmlns:a16="http://schemas.microsoft.com/office/drawing/2014/main" id="{20FD66D3-E3C6-8353-961D-F4768409E70D}"/>
-              </a:ext>
-            </a:extLst>
-          </p:cNvPr>
-          <p:cNvSpPr txBox="1"/>
-          <p:nvPr/>
-        </p:nvSpPr>
-        <p:spPr>
-          <a:xfrm>
-            <a:off x="1573379" y="6492875"/>
-            <a:ext cx="9045241" cy="307777"/>
+            <a:off x="3816626" y="1690688"/>
+            <a:ext cx="4558748" cy="3754874"/>
           </a:xfrm>
           <a:prstGeom prst="rect">
             <a:avLst/>
@@ -32667,26 +32482,222 @@
           <a:lstStyle/>
           <a:p>
             <a:r>
-              <a:rPr lang="it-IT" sz="1400" dirty="0"/>
-              <a:t>Source: </a:t>
-            </a:r>
+              <a:rPr lang="en-US" sz="1400" dirty="0" err="1">
+                <a:solidFill>
+                  <a:schemeClr val="accent6">
+                    <a:lumMod val="75000"/>
+                  </a:schemeClr>
+                </a:solidFill>
+              </a:rPr>
+              <a:t>apiVersion</a:t>
+            </a:r>
+            <a:r>
+              <a:rPr lang="en-US" sz="1400" dirty="0"/>
+              <a:t>: apps/v1</a:t>
+            </a:r>
+          </a:p>
+          <a:p>
+            <a:endParaRPr lang="en-US" sz="1400" dirty="0"/>
+          </a:p>
+          <a:p>
             <a:r>
               <a:rPr lang="en-US" sz="1400" dirty="0">
-                <a:hlinkClick r:id="rId4"/>
-              </a:rPr>
-              <a:t>https://loft.sh/blog/kubernetes-statefulset-examples-and-best-practices/</a:t>
-            </a:r>
+                <a:solidFill>
+                  <a:schemeClr val="accent6">
+                    <a:lumMod val="75000"/>
+                  </a:schemeClr>
+                </a:solidFill>
+              </a:rPr>
+              <a:t>kind</a:t>
+            </a:r>
+            <a:r>
+              <a:rPr lang="en-US" sz="1400" dirty="0"/>
+              <a:t>: </a:t>
+            </a:r>
+            <a:r>
+              <a:rPr lang="en-US" sz="1400" dirty="0" err="1"/>
+              <a:t>DaemonSet</a:t>
+            </a:r>
+            <a:endParaRPr lang="en-US" sz="1400" dirty="0"/>
+          </a:p>
+          <a:p>
+            <a:endParaRPr lang="en-US" sz="1400" dirty="0"/>
+          </a:p>
+          <a:p>
+            <a:r>
+              <a:rPr lang="en-US" sz="1400" dirty="0">
+                <a:solidFill>
+                  <a:schemeClr val="accent6">
+                    <a:lumMod val="75000"/>
+                  </a:schemeClr>
+                </a:solidFill>
+              </a:rPr>
+              <a:t>metadata</a:t>
+            </a:r>
+            <a:r>
+              <a:rPr lang="en-US" sz="1400" dirty="0"/>
+              <a:t>:</a:t>
+            </a:r>
+          </a:p>
+          <a:p>
             <a:r>
               <a:rPr lang="en-US" sz="1400" dirty="0"/>
               <a:t> </a:t>
             </a:r>
+            <a:r>
+              <a:rPr lang="en-US" sz="1400" dirty="0">
+                <a:solidFill>
+                  <a:schemeClr val="accent6">
+                    <a:lumMod val="75000"/>
+                  </a:schemeClr>
+                </a:solidFill>
+              </a:rPr>
+              <a:t>name</a:t>
+            </a:r>
+            <a:r>
+              <a:rPr lang="en-US" sz="1400" dirty="0"/>
+              <a:t>: </a:t>
+            </a:r>
+            <a:r>
+              <a:rPr lang="en-US" sz="1400" dirty="0" err="1"/>
+              <a:t>fluentd-eAlasticsearch</a:t>
+            </a:r>
+            <a:endParaRPr lang="en-US" sz="1400" dirty="0"/>
+          </a:p>
+          <a:p>
+            <a:r>
+              <a:rPr lang="en-US" sz="1400" dirty="0"/>
+              <a:t> ...</a:t>
+            </a:r>
+          </a:p>
+          <a:p>
+            <a:endParaRPr lang="en-US" sz="1400" dirty="0"/>
+          </a:p>
+          <a:p>
+            <a:r>
+              <a:rPr lang="en-US" sz="1400" dirty="0">
+                <a:solidFill>
+                  <a:schemeClr val="accent6">
+                    <a:lumMod val="75000"/>
+                  </a:schemeClr>
+                </a:solidFill>
+              </a:rPr>
+              <a:t>spec</a:t>
+            </a:r>
+            <a:r>
+              <a:rPr lang="en-US" sz="1400" dirty="0"/>
+              <a:t>:</a:t>
+            </a:r>
+          </a:p>
+          <a:p>
+            <a:r>
+              <a:rPr lang="en-US" sz="1400" dirty="0"/>
+              <a:t> ...</a:t>
+            </a:r>
+          </a:p>
+          <a:p>
+            <a:r>
+              <a:rPr lang="en-US" sz="1400" dirty="0"/>
+              <a:t> </a:t>
+            </a:r>
+            <a:r>
+              <a:rPr lang="en-US" sz="1400" dirty="0">
+                <a:solidFill>
+                  <a:schemeClr val="accent6">
+                    <a:lumMod val="75000"/>
+                  </a:schemeClr>
+                </a:solidFill>
+              </a:rPr>
+              <a:t>template</a:t>
+            </a:r>
+            <a:r>
+              <a:rPr lang="en-US" sz="1400" dirty="0"/>
+              <a:t>:</a:t>
+            </a:r>
+          </a:p>
+          <a:p>
+            <a:r>
+              <a:rPr lang="en-US" sz="1400" dirty="0"/>
+              <a:t> ...</a:t>
+            </a:r>
+          </a:p>
+          <a:p>
+            <a:r>
+              <a:rPr lang="en-US" sz="1400" dirty="0"/>
+              <a:t> </a:t>
+            </a:r>
+            <a:r>
+              <a:rPr lang="en-US" sz="1400" dirty="0">
+                <a:solidFill>
+                  <a:schemeClr val="accent6">
+                    <a:lumMod val="75000"/>
+                  </a:schemeClr>
+                </a:solidFill>
+              </a:rPr>
+              <a:t>spec</a:t>
+            </a:r>
+            <a:r>
+              <a:rPr lang="en-US" sz="1400" dirty="0"/>
+              <a:t>:</a:t>
+            </a:r>
+          </a:p>
+          <a:p>
+            <a:endParaRPr lang="en-US" sz="1400" dirty="0"/>
+          </a:p>
+          <a:p>
+            <a:r>
+              <a:rPr lang="en-US" sz="1400" dirty="0"/>
+              <a:t> </a:t>
+            </a:r>
+            <a:r>
+              <a:rPr lang="en-US" sz="1400" dirty="0">
+                <a:solidFill>
+                  <a:schemeClr val="accent6">
+                    <a:lumMod val="75000"/>
+                  </a:schemeClr>
+                </a:solidFill>
+              </a:rPr>
+              <a:t>containers</a:t>
+            </a:r>
+            <a:r>
+              <a:rPr lang="en-US" sz="1400" dirty="0"/>
+              <a:t>:</a:t>
+            </a:r>
+          </a:p>
+          <a:p>
+            <a:r>
+              <a:rPr lang="en-US" sz="1400" dirty="0"/>
+              <a:t> - </a:t>
+            </a:r>
+            <a:r>
+              <a:rPr lang="en-US" sz="1400" dirty="0">
+                <a:solidFill>
+                  <a:schemeClr val="accent6">
+                    <a:lumMod val="75000"/>
+                  </a:schemeClr>
+                </a:solidFill>
+              </a:rPr>
+              <a:t>name</a:t>
+            </a:r>
+            <a:r>
+              <a:rPr lang="en-US" sz="1400" dirty="0"/>
+              <a:t>: </a:t>
+            </a:r>
+            <a:r>
+              <a:rPr lang="en-US" sz="1400" dirty="0" err="1"/>
+              <a:t>fluentd-elasticsearch</a:t>
+            </a:r>
+            <a:endParaRPr lang="en-US" sz="1400" dirty="0"/>
+          </a:p>
+          <a:p>
+            <a:endParaRPr lang="en-US" sz="1400" dirty="0"/>
           </a:p>
         </p:txBody>
       </p:sp>
     </p:spTree>
     <p:extLst>
       <p:ext uri="{BB962C8B-B14F-4D97-AF65-F5344CB8AC3E}">
-        <p14:creationId xmlns:p14="http://schemas.microsoft.com/office/powerpoint/2010/main" val="2612528455"/>
+        <p14:creationId xmlns:p14="http://schemas.microsoft.com/office/powerpoint/2010/main" val="2624097550"/>
       </p:ext>
     </p:extLst>
   </p:cSld>
@@ -32735,31 +32746,19 @@
           <a:lstStyle/>
           <a:p>
             <a:r>
-              <a:rPr lang="en-US" dirty="0" err="1">
-                <a:solidFill>
-                  <a:schemeClr val="bg2">
-                    <a:lumMod val="90000"/>
-                  </a:schemeClr>
-                </a:solidFill>
-              </a:rPr>
+              <a:rPr lang="en-US" dirty="0" err="1"/>
               <a:t>StatefulSets</a:t>
             </a:r>
-            <a:endParaRPr lang="en-US" dirty="0">
-              <a:solidFill>
-                <a:schemeClr val="bg2">
-                  <a:lumMod val="90000"/>
-                </a:schemeClr>
-              </a:solidFill>
-            </a:endParaRPr>
+            <a:endParaRPr lang="en-US" dirty="0"/>
           </a:p>
         </p:txBody>
       </p:sp>
       <p:pic>
         <p:nvPicPr>
-          <p:cNvPr id="7" name="Picture 6" descr="A picture containing Teams&#10;&#10;Description automatically generated">
-            <a:extLst>
-              <a:ext uri="{FF2B5EF4-FFF2-40B4-BE49-F238E27FC236}">
-                <a16:creationId xmlns:a16="http://schemas.microsoft.com/office/drawing/2014/main" id="{C53055B5-F7C9-686A-699D-F9912ED2F1B6}"/>
+          <p:cNvPr id="5" name="Picture 4" descr="Diagram&#10;&#10;Description automatically generated">
+            <a:extLst>
+              <a:ext uri="{FF2B5EF4-FFF2-40B4-BE49-F238E27FC236}">
+                <a16:creationId xmlns:a16="http://schemas.microsoft.com/office/drawing/2014/main" id="{89ACEBC7-5DFA-2D0D-0598-FA5563F415B1}"/>
               </a:ext>
             </a:extLst>
           </p:cNvPr>
@@ -32782,8 +32781,8 @@
         </p:blipFill>
         <p:spPr>
           <a:xfrm>
-            <a:off x="1143000" y="1539875"/>
-            <a:ext cx="9906000" cy="4953000"/>
+            <a:off x="3537916" y="1284117"/>
+            <a:ext cx="5116167" cy="5431008"/>
           </a:xfrm>
           <a:prstGeom prst="rect">
             <a:avLst/>
@@ -32795,7 +32794,7 @@
           <p:cNvPr id="8" name="TextBox 7">
             <a:extLst>
               <a:ext uri="{FF2B5EF4-FFF2-40B4-BE49-F238E27FC236}">
-                <a16:creationId xmlns:a16="http://schemas.microsoft.com/office/drawing/2014/main" id="{4A18A50A-DA57-7518-5FDC-8F54588FA993}"/>
+                <a16:creationId xmlns:a16="http://schemas.microsoft.com/office/drawing/2014/main" id="{20FD66D3-E3C6-8353-961D-F4768409E70D}"/>
               </a:ext>
             </a:extLst>
           </p:cNvPr>
@@ -32838,7 +32837,7 @@
     </p:spTree>
     <p:extLst>
       <p:ext uri="{BB962C8B-B14F-4D97-AF65-F5344CB8AC3E}">
-        <p14:creationId xmlns:p14="http://schemas.microsoft.com/office/powerpoint/2010/main" val="344676055"/>
+        <p14:creationId xmlns:p14="http://schemas.microsoft.com/office/powerpoint/2010/main" val="2612528455"/>
       </p:ext>
     </p:extLst>
   </p:cSld>
@@ -32870,6 +32869,158 @@
           <p:cNvPr id="2" name="Title 1">
             <a:extLst>
               <a:ext uri="{FF2B5EF4-FFF2-40B4-BE49-F238E27FC236}">
+                <a16:creationId xmlns:a16="http://schemas.microsoft.com/office/drawing/2014/main" id="{B03CA562-1186-EAC5-5047-D8EBE4CB770F}"/>
+              </a:ext>
+            </a:extLst>
+          </p:cNvPr>
+          <p:cNvSpPr>
+            <a:spLocks noGrp="1"/>
+          </p:cNvSpPr>
+          <p:nvPr>
+            <p:ph type="title"/>
+          </p:nvPr>
+        </p:nvSpPr>
+        <p:spPr/>
+        <p:txBody>
+          <a:bodyPr/>
+          <a:lstStyle/>
+          <a:p>
+            <a:r>
+              <a:rPr lang="en-US" dirty="0" err="1">
+                <a:solidFill>
+                  <a:schemeClr val="bg2">
+                    <a:lumMod val="90000"/>
+                  </a:schemeClr>
+                </a:solidFill>
+              </a:rPr>
+              <a:t>StatefulSets</a:t>
+            </a:r>
+            <a:endParaRPr lang="en-US" dirty="0">
+              <a:solidFill>
+                <a:schemeClr val="bg2">
+                  <a:lumMod val="90000"/>
+                </a:schemeClr>
+              </a:solidFill>
+            </a:endParaRPr>
+          </a:p>
+        </p:txBody>
+      </p:sp>
+      <p:pic>
+        <p:nvPicPr>
+          <p:cNvPr id="7" name="Picture 6" descr="A picture containing Teams&#10;&#10;Description automatically generated">
+            <a:extLst>
+              <a:ext uri="{FF2B5EF4-FFF2-40B4-BE49-F238E27FC236}">
+                <a16:creationId xmlns:a16="http://schemas.microsoft.com/office/drawing/2014/main" id="{C53055B5-F7C9-686A-699D-F9912ED2F1B6}"/>
+              </a:ext>
+            </a:extLst>
+          </p:cNvPr>
+          <p:cNvPicPr>
+            <a:picLocks noChangeAspect="1"/>
+          </p:cNvPicPr>
+          <p:nvPr/>
+        </p:nvPicPr>
+        <p:blipFill>
+          <a:blip r:embed="rId3">
+            <a:extLst>
+              <a:ext uri="{28A0092B-C50C-407E-A947-70E740481C1C}">
+                <a14:useLocalDpi xmlns:a14="http://schemas.microsoft.com/office/drawing/2010/main" val="0"/>
+              </a:ext>
+            </a:extLst>
+          </a:blip>
+          <a:stretch>
+            <a:fillRect/>
+          </a:stretch>
+        </p:blipFill>
+        <p:spPr>
+          <a:xfrm>
+            <a:off x="1143000" y="1539875"/>
+            <a:ext cx="9906000" cy="4953000"/>
+          </a:xfrm>
+          <a:prstGeom prst="rect">
+            <a:avLst/>
+          </a:prstGeom>
+        </p:spPr>
+      </p:pic>
+      <p:sp>
+        <p:nvSpPr>
+          <p:cNvPr id="8" name="TextBox 7">
+            <a:extLst>
+              <a:ext uri="{FF2B5EF4-FFF2-40B4-BE49-F238E27FC236}">
+                <a16:creationId xmlns:a16="http://schemas.microsoft.com/office/drawing/2014/main" id="{4A18A50A-DA57-7518-5FDC-8F54588FA993}"/>
+              </a:ext>
+            </a:extLst>
+          </p:cNvPr>
+          <p:cNvSpPr txBox="1"/>
+          <p:nvPr/>
+        </p:nvSpPr>
+        <p:spPr>
+          <a:xfrm>
+            <a:off x="1573379" y="6492875"/>
+            <a:ext cx="9045241" cy="307777"/>
+          </a:xfrm>
+          <a:prstGeom prst="rect">
+            <a:avLst/>
+          </a:prstGeom>
+          <a:noFill/>
+        </p:spPr>
+        <p:txBody>
+          <a:bodyPr wrap="square" rtlCol="0">
+            <a:spAutoFit/>
+          </a:bodyPr>
+          <a:lstStyle/>
+          <a:p>
+            <a:r>
+              <a:rPr lang="it-IT" sz="1400" dirty="0"/>
+              <a:t>Source: </a:t>
+            </a:r>
+            <a:r>
+              <a:rPr lang="en-US" sz="1400" dirty="0">
+                <a:hlinkClick r:id="rId4"/>
+              </a:rPr>
+              <a:t>https://loft.sh/blog/kubernetes-statefulset-examples-and-best-practices/</a:t>
+            </a:r>
+            <a:r>
+              <a:rPr lang="en-US" sz="1400" dirty="0"/>
+              <a:t> </a:t>
+            </a:r>
+          </a:p>
+        </p:txBody>
+      </p:sp>
+    </p:spTree>
+    <p:extLst>
+      <p:ext uri="{BB962C8B-B14F-4D97-AF65-F5344CB8AC3E}">
+        <p14:creationId xmlns:p14="http://schemas.microsoft.com/office/powerpoint/2010/main" val="344676055"/>
+      </p:ext>
+    </p:extLst>
+  </p:cSld>
+  <p:clrMapOvr>
+    <a:masterClrMapping/>
+  </p:clrMapOvr>
+</p:sld>
+</file>
+
+<file path=ppt/slides/slide26.xml><?xml version="1.0" encoding="utf-8"?>
+<p:sld xmlns:a="http://schemas.openxmlformats.org/drawingml/2006/main" xmlns:r="http://schemas.openxmlformats.org/officeDocument/2006/relationships" xmlns:p="http://schemas.openxmlformats.org/presentationml/2006/main">
+  <p:cSld>
+    <p:spTree>
+      <p:nvGrpSpPr>
+        <p:cNvPr id="1" name=""/>
+        <p:cNvGrpSpPr/>
+        <p:nvPr/>
+      </p:nvGrpSpPr>
+      <p:grpSpPr>
+        <a:xfrm>
+          <a:off x="0" y="0"/>
+          <a:ext cx="0" cy="0"/>
+          <a:chOff x="0" y="0"/>
+          <a:chExt cx="0" cy="0"/>
+        </a:xfrm>
+      </p:grpSpPr>
+      <p:sp>
+        <p:nvSpPr>
+          <p:cNvPr id="2" name="Title 1">
+            <a:extLst>
+              <a:ext uri="{FF2B5EF4-FFF2-40B4-BE49-F238E27FC236}">
                 <a16:creationId xmlns:a16="http://schemas.microsoft.com/office/drawing/2014/main" id="{663A6A37-5804-2A0C-B72F-476F91F0A4EF}"/>
               </a:ext>
             </a:extLst>
@@ -33373,7 +33524,7 @@
 </p:sld>
 </file>
 
-<file path=ppt/slides/slide26.xml><?xml version="1.0" encoding="utf-8"?>
+<file path=ppt/slides/slide27.xml><?xml version="1.0" encoding="utf-8"?>
 <p:sld xmlns:a="http://schemas.openxmlformats.org/drawingml/2006/main" xmlns:r="http://schemas.openxmlformats.org/officeDocument/2006/relationships" xmlns:p="http://schemas.openxmlformats.org/presentationml/2006/main">
   <p:cSld>
     <p:spTree>
@@ -33503,147 +33654,6 @@
 </p:sld>
 </file>
 
-<file path=ppt/slides/slide27.xml><?xml version="1.0" encoding="utf-8"?>
-<p:sld xmlns:a="http://schemas.openxmlformats.org/drawingml/2006/main" xmlns:r="http://schemas.openxmlformats.org/officeDocument/2006/relationships" xmlns:p="http://schemas.openxmlformats.org/presentationml/2006/main">
-  <p:cSld>
-    <p:spTree>
-      <p:nvGrpSpPr>
-        <p:cNvPr id="1" name=""/>
-        <p:cNvGrpSpPr/>
-        <p:nvPr/>
-      </p:nvGrpSpPr>
-      <p:grpSpPr>
-        <a:xfrm>
-          <a:off x="0" y="0"/>
-          <a:ext cx="0" cy="0"/>
-          <a:chOff x="0" y="0"/>
-          <a:chExt cx="0" cy="0"/>
-        </a:xfrm>
-      </p:grpSpPr>
-      <p:sp>
-        <p:nvSpPr>
-          <p:cNvPr id="2" name="Title 1">
-            <a:extLst>
-              <a:ext uri="{FF2B5EF4-FFF2-40B4-BE49-F238E27FC236}">
-                <a16:creationId xmlns:a16="http://schemas.microsoft.com/office/drawing/2014/main" id="{75A3DFB9-283F-B94E-529A-A99A76E9A130}"/>
-              </a:ext>
-            </a:extLst>
-          </p:cNvPr>
-          <p:cNvSpPr>
-            <a:spLocks noGrp="1"/>
-          </p:cNvSpPr>
-          <p:nvPr>
-            <p:ph type="title"/>
-          </p:nvPr>
-        </p:nvSpPr>
-        <p:spPr/>
-        <p:txBody>
-          <a:bodyPr/>
-          <a:lstStyle/>
-          <a:p>
-            <a:r>
-              <a:rPr lang="en-US" dirty="0"/>
-              <a:t>Assigning Pods to Nodes</a:t>
-            </a:r>
-          </a:p>
-        </p:txBody>
-      </p:sp>
-      <p:sp>
-        <p:nvSpPr>
-          <p:cNvPr id="3" name="Content Placeholder 2">
-            <a:extLst>
-              <a:ext uri="{FF2B5EF4-FFF2-40B4-BE49-F238E27FC236}">
-                <a16:creationId xmlns:a16="http://schemas.microsoft.com/office/drawing/2014/main" id="{2B05D593-5454-FF1C-FAD1-17382BAEEA7D}"/>
-              </a:ext>
-            </a:extLst>
-          </p:cNvPr>
-          <p:cNvSpPr>
-            <a:spLocks noGrp="1"/>
-          </p:cNvSpPr>
-          <p:nvPr>
-            <p:ph idx="1"/>
-          </p:nvPr>
-        </p:nvSpPr>
-        <p:spPr/>
-        <p:txBody>
-          <a:bodyPr/>
-          <a:lstStyle/>
-          <a:p>
-            <a:r>
-              <a:rPr lang="it-IT" dirty="0">
-                <a:latin typeface="+mj-lt"/>
-              </a:rPr>
-              <a:t>nodeSelector</a:t>
-            </a:r>
-          </a:p>
-          <a:p>
-            <a:endParaRPr lang="it-IT" dirty="0">
-              <a:latin typeface="+mj-lt"/>
-            </a:endParaRPr>
-          </a:p>
-          <a:p>
-            <a:r>
-              <a:rPr lang="en-US" dirty="0">
-                <a:latin typeface="+mj-lt"/>
-              </a:rPr>
-              <a:t>Affinity and anti-affinity</a:t>
-            </a:r>
-            <a:r>
-              <a:rPr lang="en-US" dirty="0">
-                <a:effectLst/>
-                <a:latin typeface="+mj-lt"/>
-                <a:hlinkClick r:id="rId3"/>
-              </a:rPr>
-              <a:t> </a:t>
-            </a:r>
-            <a:endParaRPr lang="en-US" dirty="0">
-              <a:effectLst/>
-              <a:latin typeface="+mj-lt"/>
-            </a:endParaRPr>
-          </a:p>
-          <a:p>
-            <a:endParaRPr lang="en-US" dirty="0">
-              <a:latin typeface="+mj-lt"/>
-            </a:endParaRPr>
-          </a:p>
-          <a:p>
-            <a:r>
-              <a:rPr lang="en-US" dirty="0" err="1">
-                <a:latin typeface="+mj-lt"/>
-              </a:rPr>
-              <a:t>nodeName</a:t>
-            </a:r>
-            <a:endParaRPr lang="en-US" dirty="0">
-              <a:latin typeface="+mj-lt"/>
-            </a:endParaRPr>
-          </a:p>
-          <a:p>
-            <a:endParaRPr lang="en-US" dirty="0"/>
-          </a:p>
-          <a:p>
-            <a:r>
-              <a:rPr lang="en-US" dirty="0"/>
-              <a:t>Pod topology spread constraints</a:t>
-            </a:r>
-          </a:p>
-          <a:p>
-            <a:endParaRPr lang="en-US" dirty="0"/>
-          </a:p>
-        </p:txBody>
-      </p:sp>
-    </p:spTree>
-    <p:extLst>
-      <p:ext uri="{BB962C8B-B14F-4D97-AF65-F5344CB8AC3E}">
-        <p14:creationId xmlns:p14="http://schemas.microsoft.com/office/powerpoint/2010/main" val="2537384838"/>
-      </p:ext>
-    </p:extLst>
-  </p:cSld>
-  <p:clrMapOvr>
-    <a:masterClrMapping/>
-  </p:clrMapOvr>
-</p:sld>
-</file>
-
 <file path=ppt/slides/slide28.xml><?xml version="1.0" encoding="utf-8"?>
 <p:sld xmlns:a="http://schemas.openxmlformats.org/drawingml/2006/main" xmlns:r="http://schemas.openxmlformats.org/officeDocument/2006/relationships" xmlns:p="http://schemas.openxmlformats.org/presentationml/2006/main">
   <p:cSld>
@@ -33666,7 +33676,7 @@
           <p:cNvPr id="2" name="Title 1">
             <a:extLst>
               <a:ext uri="{FF2B5EF4-FFF2-40B4-BE49-F238E27FC236}">
-                <a16:creationId xmlns:a16="http://schemas.microsoft.com/office/drawing/2014/main" id="{B72AB02D-8874-8E98-D448-96A7CEE5E29D}"/>
+                <a16:creationId xmlns:a16="http://schemas.microsoft.com/office/drawing/2014/main" id="{75A3DFB9-283F-B94E-529A-A99A76E9A130}"/>
               </a:ext>
             </a:extLst>
           </p:cNvPr>
@@ -33674,35 +33684,108 @@
             <a:spLocks noGrp="1"/>
           </p:cNvSpPr>
           <p:nvPr>
-            <p:ph type="ctrTitle"/>
+            <p:ph type="title"/>
           </p:nvPr>
         </p:nvSpPr>
-        <p:spPr>
-          <a:xfrm>
-            <a:off x="1524000" y="2929871"/>
-            <a:ext cx="9144000" cy="998257"/>
-          </a:xfrm>
-        </p:spPr>
+        <p:spPr/>
         <p:txBody>
           <a:bodyPr/>
           <a:lstStyle/>
           <a:p>
             <a:r>
+              <a:rPr lang="en-US" dirty="0"/>
+              <a:t>Assigning Pods to Nodes</a:t>
+            </a:r>
+          </a:p>
+        </p:txBody>
+      </p:sp>
+      <p:sp>
+        <p:nvSpPr>
+          <p:cNvPr id="3" name="Content Placeholder 2">
+            <a:extLst>
+              <a:ext uri="{FF2B5EF4-FFF2-40B4-BE49-F238E27FC236}">
+                <a16:creationId xmlns:a16="http://schemas.microsoft.com/office/drawing/2014/main" id="{2B05D593-5454-FF1C-FAD1-17382BAEEA7D}"/>
+              </a:ext>
+            </a:extLst>
+          </p:cNvPr>
+          <p:cNvSpPr>
+            <a:spLocks noGrp="1"/>
+          </p:cNvSpPr>
+          <p:nvPr>
+            <p:ph idx="1"/>
+          </p:nvPr>
+        </p:nvSpPr>
+        <p:spPr/>
+        <p:txBody>
+          <a:bodyPr/>
+          <a:lstStyle/>
+          <a:p>
+            <a:r>
               <a:rPr lang="it-IT" dirty="0">
-                <a:latin typeface="Space Mono" panose="02000509040000020004" pitchFamily="49" charset="0"/>
-              </a:rPr>
-              <a:t>Networking</a:t>
+                <a:latin typeface="+mj-lt"/>
+              </a:rPr>
+              <a:t>nodeSelector</a:t>
+            </a:r>
+          </a:p>
+          <a:p>
+            <a:endParaRPr lang="it-IT" dirty="0">
+              <a:latin typeface="+mj-lt"/>
+            </a:endParaRPr>
+          </a:p>
+          <a:p>
+            <a:r>
+              <a:rPr lang="en-US" dirty="0">
+                <a:latin typeface="+mj-lt"/>
+              </a:rPr>
+              <a:t>Affinity and anti-affinity</a:t>
+            </a:r>
+            <a:r>
+              <a:rPr lang="en-US" dirty="0">
+                <a:effectLst/>
+                <a:latin typeface="+mj-lt"/>
+                <a:hlinkClick r:id="rId3"/>
+              </a:rPr>
+              <a:t> </a:t>
             </a:r>
             <a:endParaRPr lang="en-US" dirty="0">
-              <a:latin typeface="Space Mono" panose="02000509040000020004" pitchFamily="49" charset="0"/>
+              <a:effectLst/>
+              <a:latin typeface="+mj-lt"/>
             </a:endParaRPr>
+          </a:p>
+          <a:p>
+            <a:endParaRPr lang="en-US" dirty="0">
+              <a:latin typeface="+mj-lt"/>
+            </a:endParaRPr>
+          </a:p>
+          <a:p>
+            <a:r>
+              <a:rPr lang="en-US" dirty="0" err="1">
+                <a:latin typeface="+mj-lt"/>
+              </a:rPr>
+              <a:t>nodeName</a:t>
+            </a:r>
+            <a:endParaRPr lang="en-US" dirty="0">
+              <a:latin typeface="+mj-lt"/>
+            </a:endParaRPr>
+          </a:p>
+          <a:p>
+            <a:endParaRPr lang="en-US" dirty="0"/>
+          </a:p>
+          <a:p>
+            <a:r>
+              <a:rPr lang="en-US" dirty="0"/>
+              <a:t>Pod topology spread constraints</a:t>
+            </a:r>
+          </a:p>
+          <a:p>
+            <a:endParaRPr lang="en-US" dirty="0"/>
           </a:p>
         </p:txBody>
       </p:sp>
     </p:spTree>
     <p:extLst>
       <p:ext uri="{BB962C8B-B14F-4D97-AF65-F5344CB8AC3E}">
-        <p14:creationId xmlns:p14="http://schemas.microsoft.com/office/powerpoint/2010/main" val="1064382158"/>
+        <p14:creationId xmlns:p14="http://schemas.microsoft.com/office/powerpoint/2010/main" val="2537384838"/>
       </p:ext>
     </p:extLst>
   </p:cSld>
@@ -33734,7 +33817,7 @@
           <p:cNvPr id="2" name="Title 1">
             <a:extLst>
               <a:ext uri="{FF2B5EF4-FFF2-40B4-BE49-F238E27FC236}">
-                <a16:creationId xmlns:a16="http://schemas.microsoft.com/office/drawing/2014/main" id="{C979CA31-ADE2-7D54-E8E0-E74205513980}"/>
+                <a16:creationId xmlns:a16="http://schemas.microsoft.com/office/drawing/2014/main" id="{B72AB02D-8874-8E98-D448-96A7CEE5E29D}"/>
               </a:ext>
             </a:extLst>
           </p:cNvPr>
@@ -33742,81 +33825,35 @@
             <a:spLocks noGrp="1"/>
           </p:cNvSpPr>
           <p:nvPr>
-            <p:ph type="title"/>
+            <p:ph type="ctrTitle"/>
           </p:nvPr>
         </p:nvSpPr>
-        <p:spPr/>
+        <p:spPr>
+          <a:xfrm>
+            <a:off x="1524000" y="2929871"/>
+            <a:ext cx="9144000" cy="998257"/>
+          </a:xfrm>
+        </p:spPr>
         <p:txBody>
           <a:bodyPr/>
           <a:lstStyle/>
           <a:p>
             <a:r>
-              <a:rPr lang="it-IT" dirty="0"/>
-              <a:t>Requirements</a:t>
-            </a:r>
-            <a:endParaRPr lang="en-US" dirty="0"/>
-          </a:p>
-        </p:txBody>
-      </p:sp>
-      <p:sp>
-        <p:nvSpPr>
-          <p:cNvPr id="3" name="Content Placeholder 2">
-            <a:extLst>
-              <a:ext uri="{FF2B5EF4-FFF2-40B4-BE49-F238E27FC236}">
-                <a16:creationId xmlns:a16="http://schemas.microsoft.com/office/drawing/2014/main" id="{C57FA6B9-A50A-798F-F76A-813FD00B9C1C}"/>
-              </a:ext>
-            </a:extLst>
-          </p:cNvPr>
-          <p:cNvSpPr>
-            <a:spLocks noGrp="1"/>
-          </p:cNvSpPr>
-          <p:nvPr>
-            <p:ph idx="1"/>
-          </p:nvPr>
-        </p:nvSpPr>
-        <p:spPr/>
-        <p:txBody>
-          <a:bodyPr/>
-          <a:lstStyle/>
-          <a:p>
-            <a:r>
-              <a:rPr lang="en-US" dirty="0"/>
-              <a:t>Containers can communicate with all other containers without NAT.</a:t>
-            </a:r>
-          </a:p>
-          <a:p>
-            <a:pPr marL="0" indent="0">
-              <a:buNone/>
-            </a:pPr>
-            <a:r>
-              <a:rPr lang="en-US" dirty="0"/>
-              <a:t> </a:t>
-            </a:r>
-          </a:p>
-          <a:p>
-            <a:r>
-              <a:rPr lang="en-US" dirty="0"/>
-              <a:t>Nodes can communicate with all containers (and vice versa) without NAT. </a:t>
-            </a:r>
-          </a:p>
-          <a:p>
-            <a:pPr marL="0" indent="0">
-              <a:buNone/>
-            </a:pPr>
-            <a:endParaRPr lang="en-US" dirty="0"/>
-          </a:p>
-          <a:p>
-            <a:r>
-              <a:rPr lang="en-US" dirty="0"/>
-              <a:t>The IP a container sees itself is the same IP as others see it.</a:t>
-            </a:r>
+              <a:rPr lang="it-IT" dirty="0">
+                <a:latin typeface="Space Mono" panose="02000509040000020004" pitchFamily="49" charset="0"/>
+              </a:rPr>
+              <a:t>Networking</a:t>
+            </a:r>
+            <a:endParaRPr lang="en-US" dirty="0">
+              <a:latin typeface="Space Mono" panose="02000509040000020004" pitchFamily="49" charset="0"/>
+            </a:endParaRPr>
           </a:p>
         </p:txBody>
       </p:sp>
     </p:spTree>
     <p:extLst>
       <p:ext uri="{BB962C8B-B14F-4D97-AF65-F5344CB8AC3E}">
-        <p14:creationId xmlns:p14="http://schemas.microsoft.com/office/powerpoint/2010/main" val="1461737038"/>
+        <p14:creationId xmlns:p14="http://schemas.microsoft.com/office/powerpoint/2010/main" val="1064382158"/>
       </p:ext>
     </p:extLst>
   </p:cSld>
@@ -34034,7 +34071,7 @@
           <p:cNvPr id="2" name="Title 1">
             <a:extLst>
               <a:ext uri="{FF2B5EF4-FFF2-40B4-BE49-F238E27FC236}">
-                <a16:creationId xmlns:a16="http://schemas.microsoft.com/office/drawing/2014/main" id="{A585C4D2-770B-9AC3-CA71-174A08E0EAF5}"/>
+                <a16:creationId xmlns:a16="http://schemas.microsoft.com/office/drawing/2014/main" id="{C979CA31-ADE2-7D54-E8E0-E74205513980}"/>
               </a:ext>
             </a:extLst>
           </p:cNvPr>
@@ -34052,7 +34089,7 @@
           <a:p>
             <a:r>
               <a:rPr lang="it-IT" dirty="0"/>
-              <a:t>Networking model</a:t>
+              <a:t>Requirements</a:t>
             </a:r>
             <a:endParaRPr lang="en-US" dirty="0"/>
           </a:p>
@@ -34063,7 +34100,7 @@
           <p:cNvPr id="3" name="Content Placeholder 2">
             <a:extLst>
               <a:ext uri="{FF2B5EF4-FFF2-40B4-BE49-F238E27FC236}">
-                <a16:creationId xmlns:a16="http://schemas.microsoft.com/office/drawing/2014/main" id="{FCAD784C-5B4C-C354-F03E-2617C0631E3E}"/>
+                <a16:creationId xmlns:a16="http://schemas.microsoft.com/office/drawing/2014/main" id="{C57FA6B9-A50A-798F-F76A-813FD00B9C1C}"/>
               </a:ext>
             </a:extLst>
           </p:cNvPr>
@@ -34080,46 +34117,43 @@
           <a:lstStyle/>
           <a:p>
             <a:r>
-              <a:rPr lang="it-IT" dirty="0"/>
-              <a:t>container-to-container</a:t>
-            </a:r>
-          </a:p>
-          <a:p>
-            <a:endParaRPr lang="it-IT" dirty="0"/>
-          </a:p>
-          <a:p>
-            <a:r>
-              <a:rPr lang="it-IT" dirty="0"/>
-              <a:t>pod-to-pod</a:t>
-            </a:r>
-          </a:p>
-          <a:p>
-            <a:endParaRPr lang="it-IT" dirty="0"/>
-          </a:p>
-          <a:p>
-            <a:r>
-              <a:rPr lang="it-IT" dirty="0"/>
-              <a:t>pod-to-service</a:t>
-            </a:r>
-          </a:p>
-          <a:p>
-            <a:endParaRPr lang="it-IT" dirty="0"/>
-          </a:p>
-          <a:p>
-            <a:r>
-              <a:rPr lang="it-IT" dirty="0"/>
-              <a:t>external-to-service</a:t>
-            </a:r>
-          </a:p>
-          <a:p>
+              <a:rPr lang="en-US" dirty="0"/>
+              <a:t>Containers can communicate with all other containers without NAT.</a:t>
+            </a:r>
+          </a:p>
+          <a:p>
+            <a:pPr marL="0" indent="0">
+              <a:buNone/>
+            </a:pPr>
+            <a:r>
+              <a:rPr lang="en-US" dirty="0"/>
+              <a:t> </a:t>
+            </a:r>
+          </a:p>
+          <a:p>
+            <a:r>
+              <a:rPr lang="en-US" dirty="0"/>
+              <a:t>Nodes can communicate with all containers (and vice versa) without NAT. </a:t>
+            </a:r>
+          </a:p>
+          <a:p>
+            <a:pPr marL="0" indent="0">
+              <a:buNone/>
+            </a:pPr>
             <a:endParaRPr lang="en-US" dirty="0"/>
+          </a:p>
+          <a:p>
+            <a:r>
+              <a:rPr lang="en-US" dirty="0"/>
+              <a:t>The IP a container sees itself is the same IP as others see it.</a:t>
+            </a:r>
           </a:p>
         </p:txBody>
       </p:sp>
     </p:spTree>
     <p:extLst>
       <p:ext uri="{BB962C8B-B14F-4D97-AF65-F5344CB8AC3E}">
-        <p14:creationId xmlns:p14="http://schemas.microsoft.com/office/powerpoint/2010/main" val="4225607017"/>
+        <p14:creationId xmlns:p14="http://schemas.microsoft.com/office/powerpoint/2010/main" val="1461737038"/>
       </p:ext>
     </p:extLst>
   </p:cSld>
@@ -34151,7 +34185,7 @@
           <p:cNvPr id="2" name="Title 1">
             <a:extLst>
               <a:ext uri="{FF2B5EF4-FFF2-40B4-BE49-F238E27FC236}">
-                <a16:creationId xmlns:a16="http://schemas.microsoft.com/office/drawing/2014/main" id="{55915320-34CF-D8DF-C199-81CAF2CFEF4F}"/>
+                <a16:creationId xmlns:a16="http://schemas.microsoft.com/office/drawing/2014/main" id="{A585C4D2-770B-9AC3-CA71-174A08E0EAF5}"/>
               </a:ext>
             </a:extLst>
           </p:cNvPr>
@@ -34168,102 +34202,75 @@
           <a:lstStyle/>
           <a:p>
             <a:r>
-              <a:rPr lang="it-IT" dirty="0">
-                <a:solidFill>
-                  <a:schemeClr val="bg2">
-                    <a:lumMod val="90000"/>
-                  </a:schemeClr>
-                </a:solidFill>
-              </a:rPr>
+              <a:rPr lang="it-IT" dirty="0"/>
               <a:t>Networking model</a:t>
             </a:r>
-            <a:endParaRPr lang="en-US" dirty="0">
-              <a:solidFill>
-                <a:schemeClr val="bg2">
-                  <a:lumMod val="90000"/>
-                </a:schemeClr>
-              </a:solidFill>
-            </a:endParaRPr>
-          </a:p>
-        </p:txBody>
-      </p:sp>
-      <p:pic>
-        <p:nvPicPr>
-          <p:cNvPr id="5" name="Content Placeholder 4">
-            <a:extLst>
-              <a:ext uri="{FF2B5EF4-FFF2-40B4-BE49-F238E27FC236}">
-                <a16:creationId xmlns:a16="http://schemas.microsoft.com/office/drawing/2014/main" id="{2601FC67-C423-D2B7-D6CB-8E87133ED3DA}"/>
-              </a:ext>
-            </a:extLst>
-          </p:cNvPr>
-          <p:cNvPicPr>
-            <a:picLocks noGrp="1" noChangeAspect="1"/>
-          </p:cNvPicPr>
+            <a:endParaRPr lang="en-US" dirty="0"/>
+          </a:p>
+        </p:txBody>
+      </p:sp>
+      <p:sp>
+        <p:nvSpPr>
+          <p:cNvPr id="3" name="Content Placeholder 2">
+            <a:extLst>
+              <a:ext uri="{FF2B5EF4-FFF2-40B4-BE49-F238E27FC236}">
+                <a16:creationId xmlns:a16="http://schemas.microsoft.com/office/drawing/2014/main" id="{FCAD784C-5B4C-C354-F03E-2617C0631E3E}"/>
+              </a:ext>
+            </a:extLst>
+          </p:cNvPr>
+          <p:cNvSpPr>
+            <a:spLocks noGrp="1"/>
+          </p:cNvSpPr>
           <p:nvPr>
             <p:ph idx="1"/>
           </p:nvPr>
-        </p:nvPicPr>
-        <p:blipFill>
-          <a:blip r:embed="rId3"/>
-          <a:stretch>
-            <a:fillRect/>
-          </a:stretch>
-        </p:blipFill>
-        <p:spPr>
-          <a:xfrm>
-            <a:off x="3450945" y="1687375"/>
-            <a:ext cx="5290110" cy="4351338"/>
-          </a:xfrm>
-        </p:spPr>
-      </p:pic>
-      <p:sp>
-        <p:nvSpPr>
-          <p:cNvPr id="6" name="TextBox 5">
-            <a:extLst>
-              <a:ext uri="{FF2B5EF4-FFF2-40B4-BE49-F238E27FC236}">
-                <a16:creationId xmlns:a16="http://schemas.microsoft.com/office/drawing/2014/main" id="{C0509DE2-1E8D-9CF2-C210-D1BEE183D156}"/>
-              </a:ext>
-            </a:extLst>
-          </p:cNvPr>
-          <p:cNvSpPr txBox="1"/>
-          <p:nvPr/>
-        </p:nvSpPr>
-        <p:spPr>
-          <a:xfrm>
-            <a:off x="2673626" y="6185098"/>
-            <a:ext cx="6844748" cy="307777"/>
-          </a:xfrm>
-          <a:prstGeom prst="rect">
-            <a:avLst/>
-          </a:prstGeom>
-          <a:noFill/>
-        </p:spPr>
-        <p:txBody>
-          <a:bodyPr wrap="square" rtlCol="0">
-            <a:spAutoFit/>
-          </a:bodyPr>
-          <a:lstStyle/>
-          <a:p>
-            <a:r>
-              <a:rPr lang="it-IT" sz="1400" dirty="0"/>
-              <a:t>Source: «Container Networking», O’Reilly, </a:t>
-            </a:r>
-            <a:r>
-              <a:rPr lang="en-US" sz="1400" dirty="0"/>
-              <a:t>Michael </a:t>
-            </a:r>
-            <a:r>
-              <a:rPr lang="en-US" sz="1400" dirty="0" err="1"/>
-              <a:t>Hausenblas</a:t>
-            </a:r>
-            <a:endParaRPr lang="en-US" sz="1400" dirty="0"/>
+        </p:nvSpPr>
+        <p:spPr/>
+        <p:txBody>
+          <a:bodyPr/>
+          <a:lstStyle/>
+          <a:p>
+            <a:r>
+              <a:rPr lang="it-IT" dirty="0"/>
+              <a:t>container-to-container</a:t>
+            </a:r>
+          </a:p>
+          <a:p>
+            <a:endParaRPr lang="it-IT" dirty="0"/>
+          </a:p>
+          <a:p>
+            <a:r>
+              <a:rPr lang="it-IT" dirty="0"/>
+              <a:t>pod-to-pod</a:t>
+            </a:r>
+          </a:p>
+          <a:p>
+            <a:endParaRPr lang="it-IT" dirty="0"/>
+          </a:p>
+          <a:p>
+            <a:r>
+              <a:rPr lang="it-IT" dirty="0"/>
+              <a:t>pod-to-service</a:t>
+            </a:r>
+          </a:p>
+          <a:p>
+            <a:endParaRPr lang="it-IT" dirty="0"/>
+          </a:p>
+          <a:p>
+            <a:r>
+              <a:rPr lang="it-IT" dirty="0"/>
+              <a:t>external-to-service</a:t>
+            </a:r>
+          </a:p>
+          <a:p>
+            <a:endParaRPr lang="en-US" dirty="0"/>
           </a:p>
         </p:txBody>
       </p:sp>
     </p:spTree>
     <p:extLst>
       <p:ext uri="{BB962C8B-B14F-4D97-AF65-F5344CB8AC3E}">
-        <p14:creationId xmlns:p14="http://schemas.microsoft.com/office/powerpoint/2010/main" val="4264295638"/>
+        <p14:creationId xmlns:p14="http://schemas.microsoft.com/office/powerpoint/2010/main" val="4225607017"/>
       </p:ext>
     </p:extLst>
   </p:cSld>
@@ -34295,6 +34302,150 @@
           <p:cNvPr id="2" name="Title 1">
             <a:extLst>
               <a:ext uri="{FF2B5EF4-FFF2-40B4-BE49-F238E27FC236}">
+                <a16:creationId xmlns:a16="http://schemas.microsoft.com/office/drawing/2014/main" id="{55915320-34CF-D8DF-C199-81CAF2CFEF4F}"/>
+              </a:ext>
+            </a:extLst>
+          </p:cNvPr>
+          <p:cNvSpPr>
+            <a:spLocks noGrp="1"/>
+          </p:cNvSpPr>
+          <p:nvPr>
+            <p:ph type="title"/>
+          </p:nvPr>
+        </p:nvSpPr>
+        <p:spPr/>
+        <p:txBody>
+          <a:bodyPr/>
+          <a:lstStyle/>
+          <a:p>
+            <a:r>
+              <a:rPr lang="it-IT" dirty="0">
+                <a:solidFill>
+                  <a:schemeClr val="bg2">
+                    <a:lumMod val="90000"/>
+                  </a:schemeClr>
+                </a:solidFill>
+              </a:rPr>
+              <a:t>Networking model</a:t>
+            </a:r>
+            <a:endParaRPr lang="en-US" dirty="0">
+              <a:solidFill>
+                <a:schemeClr val="bg2">
+                  <a:lumMod val="90000"/>
+                </a:schemeClr>
+              </a:solidFill>
+            </a:endParaRPr>
+          </a:p>
+        </p:txBody>
+      </p:sp>
+      <p:pic>
+        <p:nvPicPr>
+          <p:cNvPr id="5" name="Content Placeholder 4">
+            <a:extLst>
+              <a:ext uri="{FF2B5EF4-FFF2-40B4-BE49-F238E27FC236}">
+                <a16:creationId xmlns:a16="http://schemas.microsoft.com/office/drawing/2014/main" id="{2601FC67-C423-D2B7-D6CB-8E87133ED3DA}"/>
+              </a:ext>
+            </a:extLst>
+          </p:cNvPr>
+          <p:cNvPicPr>
+            <a:picLocks noGrp="1" noChangeAspect="1"/>
+          </p:cNvPicPr>
+          <p:nvPr>
+            <p:ph idx="1"/>
+          </p:nvPr>
+        </p:nvPicPr>
+        <p:blipFill>
+          <a:blip r:embed="rId3"/>
+          <a:stretch>
+            <a:fillRect/>
+          </a:stretch>
+        </p:blipFill>
+        <p:spPr>
+          <a:xfrm>
+            <a:off x="3450945" y="1687375"/>
+            <a:ext cx="5290110" cy="4351338"/>
+          </a:xfrm>
+        </p:spPr>
+      </p:pic>
+      <p:sp>
+        <p:nvSpPr>
+          <p:cNvPr id="6" name="TextBox 5">
+            <a:extLst>
+              <a:ext uri="{FF2B5EF4-FFF2-40B4-BE49-F238E27FC236}">
+                <a16:creationId xmlns:a16="http://schemas.microsoft.com/office/drawing/2014/main" id="{C0509DE2-1E8D-9CF2-C210-D1BEE183D156}"/>
+              </a:ext>
+            </a:extLst>
+          </p:cNvPr>
+          <p:cNvSpPr txBox="1"/>
+          <p:nvPr/>
+        </p:nvSpPr>
+        <p:spPr>
+          <a:xfrm>
+            <a:off x="2673626" y="6185098"/>
+            <a:ext cx="6844748" cy="307777"/>
+          </a:xfrm>
+          <a:prstGeom prst="rect">
+            <a:avLst/>
+          </a:prstGeom>
+          <a:noFill/>
+        </p:spPr>
+        <p:txBody>
+          <a:bodyPr wrap="square" rtlCol="0">
+            <a:spAutoFit/>
+          </a:bodyPr>
+          <a:lstStyle/>
+          <a:p>
+            <a:r>
+              <a:rPr lang="it-IT" sz="1400" dirty="0"/>
+              <a:t>Source: «Container Networking», O’Reilly, </a:t>
+            </a:r>
+            <a:r>
+              <a:rPr lang="en-US" sz="1400" dirty="0"/>
+              <a:t>Michael </a:t>
+            </a:r>
+            <a:r>
+              <a:rPr lang="en-US" sz="1400" dirty="0" err="1"/>
+              <a:t>Hausenblas</a:t>
+            </a:r>
+            <a:endParaRPr lang="en-US" sz="1400" dirty="0"/>
+          </a:p>
+        </p:txBody>
+      </p:sp>
+    </p:spTree>
+    <p:extLst>
+      <p:ext uri="{BB962C8B-B14F-4D97-AF65-F5344CB8AC3E}">
+        <p14:creationId xmlns:p14="http://schemas.microsoft.com/office/powerpoint/2010/main" val="4264295638"/>
+      </p:ext>
+    </p:extLst>
+  </p:cSld>
+  <p:clrMapOvr>
+    <a:masterClrMapping/>
+  </p:clrMapOvr>
+</p:sld>
+</file>
+
+<file path=ppt/slides/slide33.xml><?xml version="1.0" encoding="utf-8"?>
+<p:sld xmlns:a="http://schemas.openxmlformats.org/drawingml/2006/main" xmlns:r="http://schemas.openxmlformats.org/officeDocument/2006/relationships" xmlns:p="http://schemas.openxmlformats.org/presentationml/2006/main">
+  <p:cSld>
+    <p:spTree>
+      <p:nvGrpSpPr>
+        <p:cNvPr id="1" name=""/>
+        <p:cNvGrpSpPr/>
+        <p:nvPr/>
+      </p:nvGrpSpPr>
+      <p:grpSpPr>
+        <a:xfrm>
+          <a:off x="0" y="0"/>
+          <a:ext cx="0" cy="0"/>
+          <a:chOff x="0" y="0"/>
+          <a:chExt cx="0" cy="0"/>
+        </a:xfrm>
+      </p:grpSpPr>
+      <p:sp>
+        <p:nvSpPr>
+          <p:cNvPr id="2" name="Title 1">
+            <a:extLst>
+              <a:ext uri="{FF2B5EF4-FFF2-40B4-BE49-F238E27FC236}">
                 <a16:creationId xmlns:a16="http://schemas.microsoft.com/office/drawing/2014/main" id="{55A34705-D9D3-CD99-7DB5-5B1E0D29714D}"/>
               </a:ext>
             </a:extLst>
@@ -34389,7 +34540,7 @@
 </p:sld>
 </file>
 
-<file path=ppt/slides/slide33.xml><?xml version="1.0" encoding="utf-8"?>
+<file path=ppt/slides/slide34.xml><?xml version="1.0" encoding="utf-8"?>
 <p:sld xmlns:a="http://schemas.openxmlformats.org/drawingml/2006/main" xmlns:r="http://schemas.openxmlformats.org/officeDocument/2006/relationships" xmlns:p="http://schemas.openxmlformats.org/presentationml/2006/main">
   <p:cSld>
     <p:spTree>
@@ -35149,896 +35300,6 @@
     <p:extLst>
       <p:ext uri="{BB962C8B-B14F-4D97-AF65-F5344CB8AC3E}">
         <p14:creationId xmlns:p14="http://schemas.microsoft.com/office/powerpoint/2010/main" val="4194650861"/>
-      </p:ext>
-    </p:extLst>
-  </p:cSld>
-  <p:clrMapOvr>
-    <a:masterClrMapping/>
-  </p:clrMapOvr>
-</p:sld>
-</file>
-
-<file path=ppt/slides/slide34.xml><?xml version="1.0" encoding="utf-8"?>
-<p:sld xmlns:a="http://schemas.openxmlformats.org/drawingml/2006/main" xmlns:r="http://schemas.openxmlformats.org/officeDocument/2006/relationships" xmlns:p="http://schemas.openxmlformats.org/presentationml/2006/main">
-  <p:cSld>
-    <p:spTree>
-      <p:nvGrpSpPr>
-        <p:cNvPr id="1" name=""/>
-        <p:cNvGrpSpPr/>
-        <p:nvPr/>
-      </p:nvGrpSpPr>
-      <p:grpSpPr>
-        <a:xfrm>
-          <a:off x="0" y="0"/>
-          <a:ext cx="0" cy="0"/>
-          <a:chOff x="0" y="0"/>
-          <a:chExt cx="0" cy="0"/>
-        </a:xfrm>
-      </p:grpSpPr>
-      <p:sp>
-        <p:nvSpPr>
-          <p:cNvPr id="2" name="Title 1">
-            <a:extLst>
-              <a:ext uri="{FF2B5EF4-FFF2-40B4-BE49-F238E27FC236}">
-                <a16:creationId xmlns:a16="http://schemas.microsoft.com/office/drawing/2014/main" id="{05B65764-3183-A4E7-9E9F-DB3D1CD1609D}"/>
-              </a:ext>
-            </a:extLst>
-          </p:cNvPr>
-          <p:cNvSpPr>
-            <a:spLocks noGrp="1"/>
-          </p:cNvSpPr>
-          <p:nvPr>
-            <p:ph type="title"/>
-          </p:nvPr>
-        </p:nvSpPr>
-        <p:spPr/>
-        <p:txBody>
-          <a:bodyPr/>
-          <a:lstStyle/>
-          <a:p>
-            <a:r>
-              <a:rPr lang="it-IT" dirty="0">
-                <a:solidFill>
-                  <a:schemeClr val="bg2">
-                    <a:lumMod val="90000"/>
-                  </a:schemeClr>
-                </a:solidFill>
-              </a:rPr>
-              <a:t>Services</a:t>
-            </a:r>
-            <a:endParaRPr lang="en-US" dirty="0">
-              <a:solidFill>
-                <a:schemeClr val="bg2">
-                  <a:lumMod val="90000"/>
-                </a:schemeClr>
-              </a:solidFill>
-            </a:endParaRPr>
-          </a:p>
-        </p:txBody>
-      </p:sp>
-      <p:sp>
-        <p:nvSpPr>
-          <p:cNvPr id="4" name="TextBox 3">
-            <a:extLst>
-              <a:ext uri="{FF2B5EF4-FFF2-40B4-BE49-F238E27FC236}">
-                <a16:creationId xmlns:a16="http://schemas.microsoft.com/office/drawing/2014/main" id="{283CF406-A2A1-B063-441E-C729D33FBD8E}"/>
-              </a:ext>
-            </a:extLst>
-          </p:cNvPr>
-          <p:cNvSpPr txBox="1"/>
-          <p:nvPr/>
-        </p:nvSpPr>
-        <p:spPr>
-          <a:xfrm>
-            <a:off x="5261113" y="1382261"/>
-            <a:ext cx="1669774" cy="4662815"/>
-          </a:xfrm>
-          <a:prstGeom prst="rect">
-            <a:avLst/>
-          </a:prstGeom>
-          <a:noFill/>
-        </p:spPr>
-        <p:txBody>
-          <a:bodyPr wrap="square" rtlCol="0">
-            <a:spAutoFit/>
-          </a:bodyPr>
-          <a:lstStyle/>
-          <a:p>
-            <a:r>
-              <a:rPr lang="en-US" sz="1100" dirty="0" err="1">
-                <a:solidFill>
-                  <a:schemeClr val="bg2">
-                    <a:lumMod val="90000"/>
-                  </a:schemeClr>
-                </a:solidFill>
-              </a:rPr>
-              <a:t>apiVersion</a:t>
-            </a:r>
-            <a:r>
-              <a:rPr lang="en-US" sz="1100" dirty="0">
-                <a:solidFill>
-                  <a:schemeClr val="bg2">
-                    <a:lumMod val="90000"/>
-                  </a:schemeClr>
-                </a:solidFill>
-              </a:rPr>
-              <a:t>: v1</a:t>
-            </a:r>
-          </a:p>
-          <a:p>
-            <a:endParaRPr lang="en-US" sz="1100" dirty="0">
-              <a:solidFill>
-                <a:schemeClr val="bg2">
-                  <a:lumMod val="90000"/>
-                </a:schemeClr>
-              </a:solidFill>
-            </a:endParaRPr>
-          </a:p>
-          <a:p>
-            <a:r>
-              <a:rPr lang="en-US" sz="1100" dirty="0">
-                <a:solidFill>
-                  <a:schemeClr val="bg2">
-                    <a:lumMod val="90000"/>
-                  </a:schemeClr>
-                </a:solidFill>
-              </a:rPr>
-              <a:t>kind: Service</a:t>
-            </a:r>
-          </a:p>
-          <a:p>
-            <a:endParaRPr lang="en-US" sz="1100" dirty="0">
-              <a:solidFill>
-                <a:schemeClr val="bg2">
-                  <a:lumMod val="90000"/>
-                </a:schemeClr>
-              </a:solidFill>
-            </a:endParaRPr>
-          </a:p>
-          <a:p>
-            <a:r>
-              <a:rPr lang="en-US" sz="1100" dirty="0">
-                <a:solidFill>
-                  <a:schemeClr val="bg2">
-                    <a:lumMod val="90000"/>
-                  </a:schemeClr>
-                </a:solidFill>
-              </a:rPr>
-              <a:t>metadata:</a:t>
-            </a:r>
-          </a:p>
-          <a:p>
-            <a:endParaRPr lang="en-US" sz="1100" dirty="0">
-              <a:solidFill>
-                <a:schemeClr val="bg2">
-                  <a:lumMod val="90000"/>
-                </a:schemeClr>
-              </a:solidFill>
-            </a:endParaRPr>
-          </a:p>
-          <a:p>
-            <a:r>
-              <a:rPr lang="en-US" sz="1100" dirty="0">
-                <a:solidFill>
-                  <a:schemeClr val="bg2">
-                    <a:lumMod val="90000"/>
-                  </a:schemeClr>
-                </a:solidFill>
-              </a:rPr>
-              <a:t> name: demo</a:t>
-            </a:r>
-          </a:p>
-          <a:p>
-            <a:endParaRPr lang="en-US" sz="1100" dirty="0">
-              <a:solidFill>
-                <a:schemeClr val="bg2">
-                  <a:lumMod val="90000"/>
-                </a:schemeClr>
-              </a:solidFill>
-            </a:endParaRPr>
-          </a:p>
-          <a:p>
-            <a:r>
-              <a:rPr lang="en-US" sz="1100" dirty="0">
-                <a:solidFill>
-                  <a:schemeClr val="bg2">
-                    <a:lumMod val="90000"/>
-                  </a:schemeClr>
-                </a:solidFill>
-              </a:rPr>
-              <a:t> labels:</a:t>
-            </a:r>
-          </a:p>
-          <a:p>
-            <a:endParaRPr lang="en-US" sz="1100" dirty="0">
-              <a:solidFill>
-                <a:schemeClr val="bg2">
-                  <a:lumMod val="90000"/>
-                </a:schemeClr>
-              </a:solidFill>
-            </a:endParaRPr>
-          </a:p>
-          <a:p>
-            <a:r>
-              <a:rPr lang="en-US" sz="1100" dirty="0">
-                <a:solidFill>
-                  <a:schemeClr val="bg2">
-                    <a:lumMod val="90000"/>
-                  </a:schemeClr>
-                </a:solidFill>
-              </a:rPr>
-              <a:t> app: demo</a:t>
-            </a:r>
-          </a:p>
-          <a:p>
-            <a:endParaRPr lang="en-US" sz="1100" dirty="0">
-              <a:solidFill>
-                <a:schemeClr val="bg2">
-                  <a:lumMod val="90000"/>
-                </a:schemeClr>
-              </a:solidFill>
-            </a:endParaRPr>
-          </a:p>
-          <a:p>
-            <a:r>
-              <a:rPr lang="en-US" sz="1100" dirty="0">
-                <a:solidFill>
-                  <a:schemeClr val="bg2">
-                    <a:lumMod val="90000"/>
-                  </a:schemeClr>
-                </a:solidFill>
-              </a:rPr>
-              <a:t>spec:</a:t>
-            </a:r>
-          </a:p>
-          <a:p>
-            <a:endParaRPr lang="en-US" sz="1100" dirty="0">
-              <a:solidFill>
-                <a:schemeClr val="bg2">
-                  <a:lumMod val="90000"/>
-                </a:schemeClr>
-              </a:solidFill>
-            </a:endParaRPr>
-          </a:p>
-          <a:p>
-            <a:r>
-              <a:rPr lang="en-US" sz="1100" dirty="0">
-                <a:solidFill>
-                  <a:schemeClr val="bg2">
-                    <a:lumMod val="90000"/>
-                  </a:schemeClr>
-                </a:solidFill>
-              </a:rPr>
-              <a:t> ports:</a:t>
-            </a:r>
-          </a:p>
-          <a:p>
-            <a:endParaRPr lang="en-US" sz="1100" dirty="0">
-              <a:solidFill>
-                <a:schemeClr val="bg2">
-                  <a:lumMod val="90000"/>
-                </a:schemeClr>
-              </a:solidFill>
-            </a:endParaRPr>
-          </a:p>
-          <a:p>
-            <a:r>
-              <a:rPr lang="en-US" sz="1100" dirty="0">
-                <a:solidFill>
-                  <a:schemeClr val="bg2">
-                    <a:lumMod val="90000"/>
-                  </a:schemeClr>
-                </a:solidFill>
-              </a:rPr>
-              <a:t> - port: 8888</a:t>
-            </a:r>
-          </a:p>
-          <a:p>
-            <a:endParaRPr lang="en-US" sz="1100" dirty="0">
-              <a:solidFill>
-                <a:schemeClr val="bg2">
-                  <a:lumMod val="90000"/>
-                </a:schemeClr>
-              </a:solidFill>
-            </a:endParaRPr>
-          </a:p>
-          <a:p>
-            <a:r>
-              <a:rPr lang="en-US" sz="1100" dirty="0">
-                <a:solidFill>
-                  <a:schemeClr val="bg2">
-                    <a:lumMod val="90000"/>
-                  </a:schemeClr>
-                </a:solidFill>
-              </a:rPr>
-              <a:t> protocol: TCP</a:t>
-            </a:r>
-          </a:p>
-          <a:p>
-            <a:endParaRPr lang="en-US" sz="1100" dirty="0">
-              <a:solidFill>
-                <a:schemeClr val="bg2">
-                  <a:lumMod val="90000"/>
-                </a:schemeClr>
-              </a:solidFill>
-            </a:endParaRPr>
-          </a:p>
-          <a:p>
-            <a:r>
-              <a:rPr lang="en-US" sz="1100" dirty="0">
-                <a:solidFill>
-                  <a:schemeClr val="bg2">
-                    <a:lumMod val="90000"/>
-                  </a:schemeClr>
-                </a:solidFill>
-              </a:rPr>
-              <a:t> </a:t>
-            </a:r>
-            <a:r>
-              <a:rPr lang="en-US" sz="1100" dirty="0" err="1">
-                <a:solidFill>
-                  <a:schemeClr val="bg2">
-                    <a:lumMod val="90000"/>
-                  </a:schemeClr>
-                </a:solidFill>
-              </a:rPr>
-              <a:t>targetPort</a:t>
-            </a:r>
-            <a:r>
-              <a:rPr lang="en-US" sz="1100" dirty="0">
-                <a:solidFill>
-                  <a:schemeClr val="bg2">
-                    <a:lumMod val="90000"/>
-                  </a:schemeClr>
-                </a:solidFill>
-              </a:rPr>
-              <a:t>: 8888</a:t>
-            </a:r>
-          </a:p>
-          <a:p>
-            <a:endParaRPr lang="en-US" sz="1100" dirty="0">
-              <a:solidFill>
-                <a:schemeClr val="bg2">
-                  <a:lumMod val="90000"/>
-                </a:schemeClr>
-              </a:solidFill>
-            </a:endParaRPr>
-          </a:p>
-          <a:p>
-            <a:r>
-              <a:rPr lang="en-US" sz="1100" dirty="0">
-                <a:solidFill>
-                  <a:schemeClr val="bg2">
-                    <a:lumMod val="90000"/>
-                  </a:schemeClr>
-                </a:solidFill>
-              </a:rPr>
-              <a:t>selector:</a:t>
-            </a:r>
-          </a:p>
-          <a:p>
-            <a:endParaRPr lang="en-US" sz="1100" dirty="0">
-              <a:solidFill>
-                <a:schemeClr val="bg2">
-                  <a:lumMod val="90000"/>
-                </a:schemeClr>
-              </a:solidFill>
-            </a:endParaRPr>
-          </a:p>
-          <a:p>
-            <a:r>
-              <a:rPr lang="en-US" sz="1100" dirty="0">
-                <a:solidFill>
-                  <a:schemeClr val="bg2">
-                    <a:lumMod val="90000"/>
-                  </a:schemeClr>
-                </a:solidFill>
-              </a:rPr>
-              <a:t> app: demo</a:t>
-            </a:r>
-          </a:p>
-          <a:p>
-            <a:endParaRPr lang="en-US" sz="1100" dirty="0">
-              <a:solidFill>
-                <a:schemeClr val="bg2">
-                  <a:lumMod val="90000"/>
-                </a:schemeClr>
-              </a:solidFill>
-            </a:endParaRPr>
-          </a:p>
-          <a:p>
-            <a:r>
-              <a:rPr lang="en-US" sz="1100" dirty="0">
-                <a:solidFill>
-                  <a:schemeClr val="bg2">
-                    <a:lumMod val="90000"/>
-                  </a:schemeClr>
-                </a:solidFill>
-              </a:rPr>
-              <a:t> type: </a:t>
-            </a:r>
-            <a:r>
-              <a:rPr lang="en-US" sz="1100" dirty="0" err="1">
-                <a:solidFill>
-                  <a:schemeClr val="bg2">
-                    <a:lumMod val="90000"/>
-                  </a:schemeClr>
-                </a:solidFill>
-              </a:rPr>
-              <a:t>ClusterIP</a:t>
-            </a:r>
-            <a:endParaRPr lang="en-US" sz="1100" dirty="0">
-              <a:solidFill>
-                <a:schemeClr val="bg2">
-                  <a:lumMod val="90000"/>
-                </a:schemeClr>
-              </a:solidFill>
-            </a:endParaRPr>
-          </a:p>
-        </p:txBody>
-      </p:sp>
-      <p:sp>
-        <p:nvSpPr>
-          <p:cNvPr id="5" name="Rectangle 4">
-            <a:extLst>
-              <a:ext uri="{FF2B5EF4-FFF2-40B4-BE49-F238E27FC236}">
-                <a16:creationId xmlns:a16="http://schemas.microsoft.com/office/drawing/2014/main" id="{6ECD41B6-F994-ECE1-B747-15513846CDF0}"/>
-              </a:ext>
-            </a:extLst>
-          </p:cNvPr>
-          <p:cNvSpPr/>
-          <p:nvPr/>
-        </p:nvSpPr>
-        <p:spPr>
-          <a:xfrm>
-            <a:off x="5261113" y="5115339"/>
-            <a:ext cx="980661" cy="503583"/>
-          </a:xfrm>
-          <a:prstGeom prst="rect">
-            <a:avLst/>
-          </a:prstGeom>
-          <a:noFill/>
-        </p:spPr>
-        <p:style>
-          <a:lnRef idx="2">
-            <a:schemeClr val="accent1">
-              <a:shade val="50000"/>
-            </a:schemeClr>
-          </a:lnRef>
-          <a:fillRef idx="1">
-            <a:schemeClr val="accent1"/>
-          </a:fillRef>
-          <a:effectRef idx="0">
-            <a:schemeClr val="accent1"/>
-          </a:effectRef>
-          <a:fontRef idx="minor">
-            <a:schemeClr val="lt1"/>
-          </a:fontRef>
-        </p:style>
-        <p:txBody>
-          <a:bodyPr rtlCol="0" anchor="ctr"/>
-          <a:lstStyle/>
-          <a:p>
-            <a:pPr algn="ctr"/>
-            <a:endParaRPr lang="en-US">
-              <a:solidFill>
-                <a:schemeClr val="bg2">
-                  <a:lumMod val="90000"/>
-                </a:schemeClr>
-              </a:solidFill>
-            </a:endParaRPr>
-          </a:p>
-        </p:txBody>
-      </p:sp>
-      <p:cxnSp>
-        <p:nvCxnSpPr>
-          <p:cNvPr id="7" name="Straight Arrow Connector 6">
-            <a:extLst>
-              <a:ext uri="{FF2B5EF4-FFF2-40B4-BE49-F238E27FC236}">
-                <a16:creationId xmlns:a16="http://schemas.microsoft.com/office/drawing/2014/main" id="{ACD16985-F75E-0A89-CD06-20B4F4F432D4}"/>
-              </a:ext>
-            </a:extLst>
-          </p:cNvPr>
-          <p:cNvCxnSpPr>
-            <a:stCxn id="5" idx="1"/>
-          </p:cNvCxnSpPr>
-          <p:nvPr/>
-        </p:nvCxnSpPr>
-        <p:spPr>
-          <a:xfrm flipH="1" flipV="1">
-            <a:off x="4108174" y="4121426"/>
-            <a:ext cx="1152939" cy="1245705"/>
-          </a:xfrm>
-          <a:prstGeom prst="straightConnector1">
-            <a:avLst/>
-          </a:prstGeom>
-          <a:ln>
-            <a:tailEnd type="triangle"/>
-          </a:ln>
-        </p:spPr>
-        <p:style>
-          <a:lnRef idx="1">
-            <a:schemeClr val="accent1"/>
-          </a:lnRef>
-          <a:fillRef idx="0">
-            <a:schemeClr val="accent1"/>
-          </a:fillRef>
-          <a:effectRef idx="0">
-            <a:schemeClr val="accent1"/>
-          </a:effectRef>
-          <a:fontRef idx="minor">
-            <a:schemeClr val="tx1"/>
-          </a:fontRef>
-        </p:style>
-      </p:cxnSp>
-      <p:sp>
-        <p:nvSpPr>
-          <p:cNvPr id="8" name="Rectangle 7">
-            <a:extLst>
-              <a:ext uri="{FF2B5EF4-FFF2-40B4-BE49-F238E27FC236}">
-                <a16:creationId xmlns:a16="http://schemas.microsoft.com/office/drawing/2014/main" id="{82A5138A-E138-6B83-ED1F-50313947D996}"/>
-              </a:ext>
-            </a:extLst>
-          </p:cNvPr>
-          <p:cNvSpPr/>
-          <p:nvPr/>
-        </p:nvSpPr>
-        <p:spPr>
-          <a:xfrm>
-            <a:off x="1828800" y="3429000"/>
-            <a:ext cx="2279374" cy="1200329"/>
-          </a:xfrm>
-          <a:prstGeom prst="rect">
-            <a:avLst/>
-          </a:prstGeom>
-          <a:noFill/>
-        </p:spPr>
-        <p:style>
-          <a:lnRef idx="2">
-            <a:schemeClr val="accent1">
-              <a:shade val="50000"/>
-            </a:schemeClr>
-          </a:lnRef>
-          <a:fillRef idx="1">
-            <a:schemeClr val="accent1"/>
-          </a:fillRef>
-          <a:effectRef idx="0">
-            <a:schemeClr val="accent1"/>
-          </a:effectRef>
-          <a:fontRef idx="minor">
-            <a:schemeClr val="lt1"/>
-          </a:fontRef>
-        </p:style>
-        <p:txBody>
-          <a:bodyPr rtlCol="0" anchor="ctr"/>
-          <a:lstStyle/>
-          <a:p>
-            <a:pPr algn="ctr"/>
-            <a:endParaRPr lang="en-US">
-              <a:solidFill>
-                <a:schemeClr val="bg2">
-                  <a:lumMod val="90000"/>
-                </a:schemeClr>
-              </a:solidFill>
-            </a:endParaRPr>
-          </a:p>
-        </p:txBody>
-      </p:sp>
-      <p:sp>
-        <p:nvSpPr>
-          <p:cNvPr id="10" name="TextBox 9">
-            <a:extLst>
-              <a:ext uri="{FF2B5EF4-FFF2-40B4-BE49-F238E27FC236}">
-                <a16:creationId xmlns:a16="http://schemas.microsoft.com/office/drawing/2014/main" id="{807A4953-4ECE-8340-A14E-AE01226A0FA4}"/>
-              </a:ext>
-            </a:extLst>
-          </p:cNvPr>
-          <p:cNvSpPr txBox="1"/>
-          <p:nvPr/>
-        </p:nvSpPr>
-        <p:spPr>
-          <a:xfrm>
-            <a:off x="2049118" y="3659832"/>
-            <a:ext cx="2001077" cy="738664"/>
-          </a:xfrm>
-          <a:prstGeom prst="rect">
-            <a:avLst/>
-          </a:prstGeom>
-          <a:noFill/>
-        </p:spPr>
-        <p:txBody>
-          <a:bodyPr wrap="square">
-            <a:spAutoFit/>
-          </a:bodyPr>
-          <a:lstStyle/>
-          <a:p>
-            <a:r>
-              <a:rPr lang="en-US" sz="1400" dirty="0">
-                <a:solidFill>
-                  <a:schemeClr val="bg2">
-                    <a:lumMod val="90000"/>
-                  </a:schemeClr>
-                </a:solidFill>
-              </a:rPr>
-              <a:t>How to route requests to particular Pods</a:t>
-            </a:r>
-          </a:p>
-        </p:txBody>
-      </p:sp>
-      <p:sp>
-        <p:nvSpPr>
-          <p:cNvPr id="11" name="Rectangle 10">
-            <a:extLst>
-              <a:ext uri="{FF2B5EF4-FFF2-40B4-BE49-F238E27FC236}">
-                <a16:creationId xmlns:a16="http://schemas.microsoft.com/office/drawing/2014/main" id="{28062B50-0944-B6E8-A6D7-81605D648CD8}"/>
-              </a:ext>
-            </a:extLst>
-          </p:cNvPr>
-          <p:cNvSpPr/>
-          <p:nvPr/>
-        </p:nvSpPr>
-        <p:spPr>
-          <a:xfrm>
-            <a:off x="5870713" y="5711687"/>
-            <a:ext cx="980661" cy="306885"/>
-          </a:xfrm>
-          <a:prstGeom prst="rect">
-            <a:avLst/>
-          </a:prstGeom>
-          <a:noFill/>
-        </p:spPr>
-        <p:style>
-          <a:lnRef idx="2">
-            <a:schemeClr val="accent1">
-              <a:shade val="50000"/>
-            </a:schemeClr>
-          </a:lnRef>
-          <a:fillRef idx="1">
-            <a:schemeClr val="accent1"/>
-          </a:fillRef>
-          <a:effectRef idx="0">
-            <a:schemeClr val="accent1"/>
-          </a:effectRef>
-          <a:fontRef idx="minor">
-            <a:schemeClr val="lt1"/>
-          </a:fontRef>
-        </p:style>
-        <p:txBody>
-          <a:bodyPr rtlCol="0" anchor="ctr"/>
-          <a:lstStyle/>
-          <a:p>
-            <a:pPr algn="ctr"/>
-            <a:endParaRPr lang="en-US">
-              <a:solidFill>
-                <a:schemeClr val="bg2">
-                  <a:lumMod val="90000"/>
-                </a:schemeClr>
-              </a:solidFill>
-            </a:endParaRPr>
-          </a:p>
-        </p:txBody>
-      </p:sp>
-      <p:cxnSp>
-        <p:nvCxnSpPr>
-          <p:cNvPr id="13" name="Straight Arrow Connector 12">
-            <a:extLst>
-              <a:ext uri="{FF2B5EF4-FFF2-40B4-BE49-F238E27FC236}">
-                <a16:creationId xmlns:a16="http://schemas.microsoft.com/office/drawing/2014/main" id="{9475FD75-B08A-6C96-4012-DDB427E1DD24}"/>
-              </a:ext>
-            </a:extLst>
-          </p:cNvPr>
-          <p:cNvCxnSpPr/>
-          <p:nvPr/>
-        </p:nvCxnSpPr>
-        <p:spPr>
-          <a:xfrm flipV="1">
-            <a:off x="6851374" y="4465983"/>
-            <a:ext cx="901148" cy="1219200"/>
-          </a:xfrm>
-          <a:prstGeom prst="straightConnector1">
-            <a:avLst/>
-          </a:prstGeom>
-          <a:ln>
-            <a:tailEnd type="triangle"/>
-          </a:ln>
-        </p:spPr>
-        <p:style>
-          <a:lnRef idx="1">
-            <a:schemeClr val="accent1"/>
-          </a:lnRef>
-          <a:fillRef idx="0">
-            <a:schemeClr val="accent1"/>
-          </a:fillRef>
-          <a:effectRef idx="0">
-            <a:schemeClr val="accent1"/>
-          </a:effectRef>
-          <a:fontRef idx="minor">
-            <a:schemeClr val="tx1"/>
-          </a:fontRef>
-        </p:style>
-      </p:cxnSp>
-      <p:sp>
-        <p:nvSpPr>
-          <p:cNvPr id="14" name="Rectangle 13">
-            <a:extLst>
-              <a:ext uri="{FF2B5EF4-FFF2-40B4-BE49-F238E27FC236}">
-                <a16:creationId xmlns:a16="http://schemas.microsoft.com/office/drawing/2014/main" id="{27AAF661-081C-D342-90F1-B49BE5FEF578}"/>
-              </a:ext>
-            </a:extLst>
-          </p:cNvPr>
-          <p:cNvSpPr/>
-          <p:nvPr/>
-        </p:nvSpPr>
-        <p:spPr>
-          <a:xfrm>
-            <a:off x="7752523" y="3839315"/>
-            <a:ext cx="2279374" cy="923330"/>
-          </a:xfrm>
-          <a:prstGeom prst="rect">
-            <a:avLst/>
-          </a:prstGeom>
-          <a:noFill/>
-        </p:spPr>
-        <p:style>
-          <a:lnRef idx="2">
-            <a:schemeClr val="accent1">
-              <a:shade val="50000"/>
-            </a:schemeClr>
-          </a:lnRef>
-          <a:fillRef idx="1">
-            <a:schemeClr val="accent1"/>
-          </a:fillRef>
-          <a:effectRef idx="0">
-            <a:schemeClr val="accent1"/>
-          </a:effectRef>
-          <a:fontRef idx="minor">
-            <a:schemeClr val="lt1"/>
-          </a:fontRef>
-        </p:style>
-        <p:txBody>
-          <a:bodyPr rtlCol="0" anchor="ctr"/>
-          <a:lstStyle/>
-          <a:p>
-            <a:pPr algn="ctr"/>
-            <a:endParaRPr lang="en-US">
-              <a:solidFill>
-                <a:schemeClr val="bg2">
-                  <a:lumMod val="90000"/>
-                </a:schemeClr>
-              </a:solidFill>
-            </a:endParaRPr>
-          </a:p>
-        </p:txBody>
-      </p:sp>
-      <p:sp>
-        <p:nvSpPr>
-          <p:cNvPr id="15" name="TextBox 14">
-            <a:extLst>
-              <a:ext uri="{FF2B5EF4-FFF2-40B4-BE49-F238E27FC236}">
-                <a16:creationId xmlns:a16="http://schemas.microsoft.com/office/drawing/2014/main" id="{23488340-9BAF-E2EF-1DD5-629C03A64211}"/>
-              </a:ext>
-            </a:extLst>
-          </p:cNvPr>
-          <p:cNvSpPr txBox="1"/>
-          <p:nvPr/>
-        </p:nvSpPr>
-        <p:spPr>
-          <a:xfrm>
-            <a:off x="7752522" y="3931648"/>
-            <a:ext cx="2888973" cy="830997"/>
-          </a:xfrm>
-          <a:prstGeom prst="rect">
-            <a:avLst/>
-          </a:prstGeom>
-          <a:noFill/>
-        </p:spPr>
-        <p:txBody>
-          <a:bodyPr wrap="square">
-            <a:spAutoFit/>
-          </a:bodyPr>
-          <a:lstStyle/>
-          <a:p>
-            <a:pPr marL="285750" indent="-285750">
-              <a:buFontTx/>
-              <a:buChar char="-"/>
-            </a:pPr>
-            <a:r>
-              <a:rPr lang="en-US" sz="1400" dirty="0" err="1">
-                <a:solidFill>
-                  <a:schemeClr val="bg2">
-                    <a:lumMod val="90000"/>
-                  </a:schemeClr>
-                </a:solidFill>
-              </a:rPr>
-              <a:t>ClusterIP</a:t>
-            </a:r>
-            <a:endParaRPr lang="en-US" sz="1400" dirty="0">
-              <a:solidFill>
-                <a:schemeClr val="bg2">
-                  <a:lumMod val="90000"/>
-                </a:schemeClr>
-              </a:solidFill>
-            </a:endParaRPr>
-          </a:p>
-          <a:p>
-            <a:pPr marL="285750" indent="-285750">
-              <a:buFontTx/>
-              <a:buChar char="-"/>
-            </a:pPr>
-            <a:r>
-              <a:rPr lang="en-US" sz="1400" dirty="0" err="1">
-                <a:solidFill>
-                  <a:schemeClr val="bg2">
-                    <a:lumMod val="90000"/>
-                  </a:schemeClr>
-                </a:solidFill>
-              </a:rPr>
-              <a:t>NodePort</a:t>
-            </a:r>
-            <a:endParaRPr lang="en-US" sz="1400" dirty="0">
-              <a:solidFill>
-                <a:schemeClr val="bg2">
-                  <a:lumMod val="90000"/>
-                </a:schemeClr>
-              </a:solidFill>
-            </a:endParaRPr>
-          </a:p>
-          <a:p>
-            <a:pPr marL="285750" indent="-285750">
-              <a:buFontTx/>
-              <a:buChar char="-"/>
-            </a:pPr>
-            <a:r>
-              <a:rPr lang="en-US" sz="2000" b="1" dirty="0" err="1"/>
-              <a:t>LoadBalancer</a:t>
-            </a:r>
-            <a:endParaRPr lang="en-US" sz="2000" b="1" dirty="0"/>
-          </a:p>
-        </p:txBody>
-      </p:sp>
-      <p:pic>
-        <p:nvPicPr>
-          <p:cNvPr id="6" name="Graphic 5" descr="Fire with solid fill">
-            <a:extLst>
-              <a:ext uri="{FF2B5EF4-FFF2-40B4-BE49-F238E27FC236}">
-                <a16:creationId xmlns:a16="http://schemas.microsoft.com/office/drawing/2014/main" id="{982F5A93-5DE3-021D-55B4-F53C6BB92B38}"/>
-              </a:ext>
-            </a:extLst>
-          </p:cNvPr>
-          <p:cNvPicPr>
-            <a:picLocks noChangeAspect="1"/>
-          </p:cNvPicPr>
-          <p:nvPr/>
-        </p:nvPicPr>
-        <p:blipFill>
-          <a:blip r:embed="rId3">
-            <a:extLst>
-              <a:ext uri="{28A0092B-C50C-407E-A947-70E740481C1C}">
-                <a14:useLocalDpi xmlns:a14="http://schemas.microsoft.com/office/drawing/2010/main" val="0"/>
-              </a:ext>
-              <a:ext uri="{96DAC541-7B7A-43D3-8B79-37D633B846F1}">
-                <asvg:svgBlip xmlns:asvg="http://schemas.microsoft.com/office/drawing/2016/SVG/main" r:embed="rId4"/>
-              </a:ext>
-            </a:extLst>
-          </a:blip>
-          <a:stretch>
-            <a:fillRect/>
-          </a:stretch>
-        </p:blipFill>
-        <p:spPr>
-          <a:xfrm>
-            <a:off x="9906000" y="4008783"/>
-            <a:ext cx="914400" cy="914400"/>
-          </a:xfrm>
-          <a:prstGeom prst="rect">
-            <a:avLst/>
-          </a:prstGeom>
-        </p:spPr>
-      </p:pic>
-    </p:spTree>
-    <p:extLst>
-      <p:ext uri="{BB962C8B-B14F-4D97-AF65-F5344CB8AC3E}">
-        <p14:creationId xmlns:p14="http://schemas.microsoft.com/office/powerpoint/2010/main" val="2467239677"/>
       </p:ext>
     </p:extLst>
   </p:cSld>
